--- a/English/5.DAX/0.Measures and calculated columns.pptx
+++ b/English/5.DAX/0.Measures and calculated columns.pptx
@@ -5,7 +5,7 @@
     <p:sldMasterId id="2147483648" r:id="rId1"/>
   </p:sldMasterIdLst>
   <p:notesMasterIdLst>
-    <p:notesMasterId r:id="rId9"/>
+    <p:notesMasterId r:id="rId12"/>
   </p:notesMasterIdLst>
   <p:sldIdLst>
     <p:sldId id="256" r:id="rId2"/>
@@ -13,14 +13,17 @@
     <p:sldId id="257" r:id="rId4"/>
     <p:sldId id="263" r:id="rId5"/>
     <p:sldId id="259" r:id="rId6"/>
-    <p:sldId id="260" r:id="rId7"/>
-    <p:sldId id="258" r:id="rId8"/>
+    <p:sldId id="264" r:id="rId7"/>
+    <p:sldId id="260" r:id="rId8"/>
+    <p:sldId id="265" r:id="rId9"/>
+    <p:sldId id="266" r:id="rId10"/>
+    <p:sldId id="258" r:id="rId11"/>
   </p:sldIdLst>
   <p:sldSz cx="12192000" cy="6858000"/>
   <p:notesSz cx="6858000" cy="9144000"/>
   <p:defaultTextStyle>
     <a:defPPr>
-      <a:defRPr lang="en-US"/>
+      <a:defRPr lang="en"/>
     </a:defPPr>
     <a:lvl1pPr marL="0" algn="l" defTabSz="914400" rtl="0" eaLnBrk="1" latinLnBrk="0" hangingPunct="1">
       <a:defRPr sz="1800" kern="1200">
@@ -203,7 +206,7 @@
           <a:p>
             <a:fld id="{056BA3B8-9F76-4D81-B71D-76CB85363062}" type="datetimeFigureOut">
               <a:rPr lang="en-US" smtClean="0"/>
-              <a:t>1/3/2025</a:t>
+              <a:t>3/6/2025</a:t>
             </a:fld>
             <a:endParaRPr lang="en-US"/>
           </a:p>
@@ -657,7 +660,259 @@
     </p:spTree>
     <p:extLst>
       <p:ext uri="{BB962C8B-B14F-4D97-AF65-F5344CB8AC3E}">
+        <p14:creationId xmlns:p14="http://schemas.microsoft.com/office/powerpoint/2010/main" val="1907328578"/>
+      </p:ext>
+    </p:extLst>
+  </p:cSld>
+  <p:clrMapOvr>
+    <a:masterClrMapping/>
+  </p:clrMapOvr>
+</p:notes>
+</file>
+
+<file path=ppt/notesSlides/notesSlide3.xml><?xml version="1.0" encoding="utf-8"?>
+<p:notes xmlns:a="http://schemas.openxmlformats.org/drawingml/2006/main" xmlns:r="http://schemas.openxmlformats.org/officeDocument/2006/relationships" xmlns:p="http://schemas.openxmlformats.org/presentationml/2006/main">
+  <p:cSld>
+    <p:spTree>
+      <p:nvGrpSpPr>
+        <p:cNvPr id="1" name=""/>
+        <p:cNvGrpSpPr/>
+        <p:nvPr/>
+      </p:nvGrpSpPr>
+      <p:grpSpPr>
+        <a:xfrm>
+          <a:off x="0" y="0"/>
+          <a:ext cx="0" cy="0"/>
+          <a:chOff x="0" y="0"/>
+          <a:chExt cx="0" cy="0"/>
+        </a:xfrm>
+      </p:grpSpPr>
+      <p:sp>
+        <p:nvSpPr>
+          <p:cNvPr id="2" name="Slide Image Placeholder 1"/>
+          <p:cNvSpPr>
+            <a:spLocks noGrp="1" noRot="1" noChangeAspect="1"/>
+          </p:cNvSpPr>
+          <p:nvPr>
+            <p:ph type="sldImg"/>
+          </p:nvPr>
+        </p:nvSpPr>
+        <p:spPr/>
+      </p:sp>
+      <p:sp>
+        <p:nvSpPr>
+          <p:cNvPr id="3" name="Notes Placeholder 2"/>
+          <p:cNvSpPr>
+            <a:spLocks noGrp="1"/>
+          </p:cNvSpPr>
+          <p:nvPr>
+            <p:ph type="body" idx="1"/>
+          </p:nvPr>
+        </p:nvSpPr>
+        <p:spPr/>
+        <p:txBody>
+          <a:bodyPr/>
+          <a:lstStyle/>
+          <a:p>
+            <a:endParaRPr lang="en-US" dirty="0"/>
+          </a:p>
+        </p:txBody>
+      </p:sp>
+      <p:sp>
+        <p:nvSpPr>
+          <p:cNvPr id="4" name="Slide Number Placeholder 3"/>
+          <p:cNvSpPr>
+            <a:spLocks noGrp="1"/>
+          </p:cNvSpPr>
+          <p:nvPr>
+            <p:ph type="sldNum" sz="quarter" idx="10"/>
+          </p:nvPr>
+        </p:nvSpPr>
+        <p:spPr/>
+        <p:txBody>
+          <a:bodyPr/>
+          <a:lstStyle/>
+          <a:p>
+            <a:fld id="{C583D03D-12F8-4E91-BBC2-CE3A863157FF}" type="slidenum">
+              <a:rPr lang="en-US" smtClean="0"/>
+              <a:t>7</a:t>
+            </a:fld>
+            <a:endParaRPr lang="en-US"/>
+          </a:p>
+        </p:txBody>
+      </p:sp>
+    </p:spTree>
+    <p:extLst>
+      <p:ext uri="{BB962C8B-B14F-4D97-AF65-F5344CB8AC3E}">
         <p14:creationId xmlns:p14="http://schemas.microsoft.com/office/powerpoint/2010/main" val="2178851391"/>
+      </p:ext>
+    </p:extLst>
+  </p:cSld>
+  <p:clrMapOvr>
+    <a:masterClrMapping/>
+  </p:clrMapOvr>
+</p:notes>
+</file>
+
+<file path=ppt/notesSlides/notesSlide4.xml><?xml version="1.0" encoding="utf-8"?>
+<p:notes xmlns:a="http://schemas.openxmlformats.org/drawingml/2006/main" xmlns:r="http://schemas.openxmlformats.org/officeDocument/2006/relationships" xmlns:p="http://schemas.openxmlformats.org/presentationml/2006/main">
+  <p:cSld>
+    <p:spTree>
+      <p:nvGrpSpPr>
+        <p:cNvPr id="1" name=""/>
+        <p:cNvGrpSpPr/>
+        <p:nvPr/>
+      </p:nvGrpSpPr>
+      <p:grpSpPr>
+        <a:xfrm>
+          <a:off x="0" y="0"/>
+          <a:ext cx="0" cy="0"/>
+          <a:chOff x="0" y="0"/>
+          <a:chExt cx="0" cy="0"/>
+        </a:xfrm>
+      </p:grpSpPr>
+      <p:sp>
+        <p:nvSpPr>
+          <p:cNvPr id="2" name="Slide Image Placeholder 1"/>
+          <p:cNvSpPr>
+            <a:spLocks noGrp="1" noRot="1" noChangeAspect="1"/>
+          </p:cNvSpPr>
+          <p:nvPr>
+            <p:ph type="sldImg"/>
+          </p:nvPr>
+        </p:nvSpPr>
+        <p:spPr/>
+      </p:sp>
+      <p:sp>
+        <p:nvSpPr>
+          <p:cNvPr id="3" name="Notes Placeholder 2"/>
+          <p:cNvSpPr>
+            <a:spLocks noGrp="1"/>
+          </p:cNvSpPr>
+          <p:nvPr>
+            <p:ph type="body" idx="1"/>
+          </p:nvPr>
+        </p:nvSpPr>
+        <p:spPr/>
+        <p:txBody>
+          <a:bodyPr/>
+          <a:lstStyle/>
+          <a:p>
+            <a:endParaRPr lang="en-US" dirty="0"/>
+          </a:p>
+        </p:txBody>
+      </p:sp>
+      <p:sp>
+        <p:nvSpPr>
+          <p:cNvPr id="4" name="Slide Number Placeholder 3"/>
+          <p:cNvSpPr>
+            <a:spLocks noGrp="1"/>
+          </p:cNvSpPr>
+          <p:nvPr>
+            <p:ph type="sldNum" sz="quarter" idx="10"/>
+          </p:nvPr>
+        </p:nvSpPr>
+        <p:spPr/>
+        <p:txBody>
+          <a:bodyPr/>
+          <a:lstStyle/>
+          <a:p>
+            <a:fld id="{C583D03D-12F8-4E91-BBC2-CE3A863157FF}" type="slidenum">
+              <a:rPr lang="en-US" smtClean="0"/>
+              <a:t>8</a:t>
+            </a:fld>
+            <a:endParaRPr lang="en-US"/>
+          </a:p>
+        </p:txBody>
+      </p:sp>
+    </p:spTree>
+    <p:extLst>
+      <p:ext uri="{BB962C8B-B14F-4D97-AF65-F5344CB8AC3E}">
+        <p14:creationId xmlns:p14="http://schemas.microsoft.com/office/powerpoint/2010/main" val="1501397802"/>
+      </p:ext>
+    </p:extLst>
+  </p:cSld>
+  <p:clrMapOvr>
+    <a:masterClrMapping/>
+  </p:clrMapOvr>
+</p:notes>
+</file>
+
+<file path=ppt/notesSlides/notesSlide5.xml><?xml version="1.0" encoding="utf-8"?>
+<p:notes xmlns:a="http://schemas.openxmlformats.org/drawingml/2006/main" xmlns:r="http://schemas.openxmlformats.org/officeDocument/2006/relationships" xmlns:p="http://schemas.openxmlformats.org/presentationml/2006/main">
+  <p:cSld>
+    <p:spTree>
+      <p:nvGrpSpPr>
+        <p:cNvPr id="1" name=""/>
+        <p:cNvGrpSpPr/>
+        <p:nvPr/>
+      </p:nvGrpSpPr>
+      <p:grpSpPr>
+        <a:xfrm>
+          <a:off x="0" y="0"/>
+          <a:ext cx="0" cy="0"/>
+          <a:chOff x="0" y="0"/>
+          <a:chExt cx="0" cy="0"/>
+        </a:xfrm>
+      </p:grpSpPr>
+      <p:sp>
+        <p:nvSpPr>
+          <p:cNvPr id="2" name="Slide Image Placeholder 1"/>
+          <p:cNvSpPr>
+            <a:spLocks noGrp="1" noRot="1" noChangeAspect="1"/>
+          </p:cNvSpPr>
+          <p:nvPr>
+            <p:ph type="sldImg"/>
+          </p:nvPr>
+        </p:nvSpPr>
+        <p:spPr/>
+      </p:sp>
+      <p:sp>
+        <p:nvSpPr>
+          <p:cNvPr id="3" name="Notes Placeholder 2"/>
+          <p:cNvSpPr>
+            <a:spLocks noGrp="1"/>
+          </p:cNvSpPr>
+          <p:nvPr>
+            <p:ph type="body" idx="1"/>
+          </p:nvPr>
+        </p:nvSpPr>
+        <p:spPr/>
+        <p:txBody>
+          <a:bodyPr/>
+          <a:lstStyle/>
+          <a:p>
+            <a:endParaRPr lang="en-US" dirty="0"/>
+          </a:p>
+        </p:txBody>
+      </p:sp>
+      <p:sp>
+        <p:nvSpPr>
+          <p:cNvPr id="4" name="Slide Number Placeholder 3"/>
+          <p:cNvSpPr>
+            <a:spLocks noGrp="1"/>
+          </p:cNvSpPr>
+          <p:nvPr>
+            <p:ph type="sldNum" sz="quarter" idx="10"/>
+          </p:nvPr>
+        </p:nvSpPr>
+        <p:spPr/>
+        <p:txBody>
+          <a:bodyPr/>
+          <a:lstStyle/>
+          <a:p>
+            <a:fld id="{C583D03D-12F8-4E91-BBC2-CE3A863157FF}" type="slidenum">
+              <a:rPr lang="en-US" smtClean="0"/>
+              <a:t>9</a:t>
+            </a:fld>
+            <a:endParaRPr lang="en-US"/>
+          </a:p>
+        </p:txBody>
+      </p:sp>
+    </p:spTree>
+    <p:extLst>
+      <p:ext uri="{BB962C8B-B14F-4D97-AF65-F5344CB8AC3E}">
+        <p14:creationId xmlns:p14="http://schemas.microsoft.com/office/powerpoint/2010/main" val="3239169920"/>
       </p:ext>
     </p:extLst>
   </p:cSld>
@@ -798,7 +1053,7 @@
           <a:p>
             <a:fld id="{6F01DA4D-20EA-48D2-973C-0311EC3005D6}" type="datetimeFigureOut">
               <a:rPr lang="en-US" smtClean="0"/>
-              <a:t>1/3/2025</a:t>
+              <a:t>3/6/2025</a:t>
             </a:fld>
             <a:endParaRPr lang="en-US"/>
           </a:p>
@@ -968,7 +1223,7 @@
           <a:p>
             <a:fld id="{6F01DA4D-20EA-48D2-973C-0311EC3005D6}" type="datetimeFigureOut">
               <a:rPr lang="en-US" smtClean="0"/>
-              <a:t>1/3/2025</a:t>
+              <a:t>3/6/2025</a:t>
             </a:fld>
             <a:endParaRPr lang="en-US"/>
           </a:p>
@@ -1148,7 +1403,7 @@
           <a:p>
             <a:fld id="{6F01DA4D-20EA-48D2-973C-0311EC3005D6}" type="datetimeFigureOut">
               <a:rPr lang="en-US" smtClean="0"/>
-              <a:t>1/3/2025</a:t>
+              <a:t>3/6/2025</a:t>
             </a:fld>
             <a:endParaRPr lang="en-US"/>
           </a:p>
@@ -1318,7 +1573,7 @@
           <a:p>
             <a:fld id="{6F01DA4D-20EA-48D2-973C-0311EC3005D6}" type="datetimeFigureOut">
               <a:rPr lang="en-US" smtClean="0"/>
-              <a:t>1/3/2025</a:t>
+              <a:t>3/6/2025</a:t>
             </a:fld>
             <a:endParaRPr lang="en-US"/>
           </a:p>
@@ -1564,7 +1819,7 @@
           <a:p>
             <a:fld id="{6F01DA4D-20EA-48D2-973C-0311EC3005D6}" type="datetimeFigureOut">
               <a:rPr lang="en-US" smtClean="0"/>
-              <a:t>1/3/2025</a:t>
+              <a:t>3/6/2025</a:t>
             </a:fld>
             <a:endParaRPr lang="en-US"/>
           </a:p>
@@ -1796,7 +2051,7 @@
           <a:p>
             <a:fld id="{6F01DA4D-20EA-48D2-973C-0311EC3005D6}" type="datetimeFigureOut">
               <a:rPr lang="en-US" smtClean="0"/>
-              <a:t>1/3/2025</a:t>
+              <a:t>3/6/2025</a:t>
             </a:fld>
             <a:endParaRPr lang="en-US"/>
           </a:p>
@@ -2163,7 +2418,7 @@
           <a:p>
             <a:fld id="{6F01DA4D-20EA-48D2-973C-0311EC3005D6}" type="datetimeFigureOut">
               <a:rPr lang="en-US" smtClean="0"/>
-              <a:t>1/3/2025</a:t>
+              <a:t>3/6/2025</a:t>
             </a:fld>
             <a:endParaRPr lang="en-US"/>
           </a:p>
@@ -2281,7 +2536,7 @@
           <a:p>
             <a:fld id="{6F01DA4D-20EA-48D2-973C-0311EC3005D6}" type="datetimeFigureOut">
               <a:rPr lang="en-US" smtClean="0"/>
-              <a:t>1/3/2025</a:t>
+              <a:t>3/6/2025</a:t>
             </a:fld>
             <a:endParaRPr lang="en-US"/>
           </a:p>
@@ -2376,7 +2631,7 @@
           <a:p>
             <a:fld id="{6F01DA4D-20EA-48D2-973C-0311EC3005D6}" type="datetimeFigureOut">
               <a:rPr lang="en-US" smtClean="0"/>
-              <a:t>1/3/2025</a:t>
+              <a:t>3/6/2025</a:t>
             </a:fld>
             <a:endParaRPr lang="en-US"/>
           </a:p>
@@ -2653,7 +2908,7 @@
           <a:p>
             <a:fld id="{6F01DA4D-20EA-48D2-973C-0311EC3005D6}" type="datetimeFigureOut">
               <a:rPr lang="en-US" smtClean="0"/>
-              <a:t>1/3/2025</a:t>
+              <a:t>3/6/2025</a:t>
             </a:fld>
             <a:endParaRPr lang="en-US"/>
           </a:p>
@@ -2906,7 +3161,7 @@
           <a:p>
             <a:fld id="{6F01DA4D-20EA-48D2-973C-0311EC3005D6}" type="datetimeFigureOut">
               <a:rPr lang="en-US" smtClean="0"/>
-              <a:t>1/3/2025</a:t>
+              <a:t>3/6/2025</a:t>
             </a:fld>
             <a:endParaRPr lang="en-US"/>
           </a:p>
@@ -3119,7 +3374,7 @@
           <a:p>
             <a:fld id="{6F01DA4D-20EA-48D2-973C-0311EC3005D6}" type="datetimeFigureOut">
               <a:rPr lang="en-US" smtClean="0"/>
-              <a:t>1/3/2025</a:t>
+              <a:t>3/6/2025</a:t>
             </a:fld>
             <a:endParaRPr lang="en-US"/>
           </a:p>
@@ -3540,7 +3795,7 @@
         </p:nvSpPr>
         <p:spPr>
           <a:xfrm>
-            <a:off x="1510121" y="1937775"/>
+            <a:off x="1042608" y="1697143"/>
             <a:ext cx="9199606" cy="2308324"/>
           </a:xfrm>
           <a:prstGeom prst="rect">
@@ -3554,9 +3809,9 @@
           </a:bodyPr>
           <a:lstStyle/>
           <a:p>
-            <a:pPr algn="ctr"/>
-            <a:r>
-              <a:rPr lang="en-US" sz="7200" b="1" dirty="0" smtClean="0">
+            <a:pPr xmlns:a="http://schemas.openxmlformats.org/drawingml/2006/main" algn="ctr"/>
+            <a:r xmlns:a="http://schemas.openxmlformats.org/drawingml/2006/main">
+              <a:rPr lang="en" sz="7200" b="1" dirty="0" smtClean="0">
                 <a:solidFill>
                   <a:srgbClr val="7030A0"/>
                 </a:solidFill>
@@ -3564,9 +3819,42 @@
                 <a:ea typeface="Verdana" panose="020B0604030504040204" pitchFamily="34" charset="0"/>
                 <a:cs typeface="Segoe UI" panose="020B0502040204020203" pitchFamily="34" charset="0"/>
               </a:rPr>
-              <a:t>Measures &amp; calculated columns</a:t>
-            </a:r>
-            <a:endParaRPr lang="en-US" sz="7200" b="1" dirty="0">
+              <a:t>Measures and </a:t>
+            </a:r>
+            <a:r xmlns:a="http://schemas.openxmlformats.org/drawingml/2006/main">
+              <a:rPr lang="en" sz="7200" b="1" dirty="0" err="1" smtClean="0">
+                <a:solidFill>
+                  <a:srgbClr val="7030A0"/>
+                </a:solidFill>
+                <a:latin typeface="Segoe UI" panose="020B0502040204020203" pitchFamily="34" charset="0"/>
+                <a:ea typeface="Verdana" panose="020B0604030504040204" pitchFamily="34" charset="0"/>
+                <a:cs typeface="Segoe UI" panose="020B0502040204020203" pitchFamily="34" charset="0"/>
+              </a:rPr>
+              <a:t>columns</a:t>
+            </a:r>
+            <a:r xmlns:a="http://schemas.openxmlformats.org/drawingml/2006/main">
+              <a:rPr lang="en" sz="7200" b="1" dirty="0" smtClean="0">
+                <a:solidFill>
+                  <a:srgbClr val="7030A0"/>
+                </a:solidFill>
+                <a:latin typeface="Segoe UI" panose="020B0502040204020203" pitchFamily="34" charset="0"/>
+                <a:ea typeface="Verdana" panose="020B0604030504040204" pitchFamily="34" charset="0"/>
+                <a:cs typeface="Segoe UI" panose="020B0502040204020203" pitchFamily="34" charset="0"/>
+              </a:rPr>
+              <a:t> </a:t>
+            </a:r>
+            <a:r xmlns:a="http://schemas.openxmlformats.org/drawingml/2006/main">
+              <a:rPr lang="en" sz="7200" b="1" dirty="0" err="1" smtClean="0">
+                <a:solidFill>
+                  <a:srgbClr val="7030A0"/>
+                </a:solidFill>
+                <a:latin typeface="Segoe UI" panose="020B0502040204020203" pitchFamily="34" charset="0"/>
+                <a:ea typeface="Verdana" panose="020B0604030504040204" pitchFamily="34" charset="0"/>
+                <a:cs typeface="Segoe UI" panose="020B0502040204020203" pitchFamily="34" charset="0"/>
+              </a:rPr>
+              <a:t>calculated</a:t>
+            </a:r>
+            <a:endParaRPr xmlns:a="http://schemas.openxmlformats.org/drawingml/2006/main" lang="en-US" sz="7200" b="1" dirty="0">
               <a:solidFill>
                 <a:srgbClr val="7030A0"/>
               </a:solidFill>
@@ -3579,13 +3867,13 @@
       </p:sp>
       <p:sp>
         <p:nvSpPr>
-          <p:cNvPr id="5" name="TextBox 4"/>
+          <p:cNvPr id="4" name="TextBox 3"/>
           <p:cNvSpPr txBox="1"/>
           <p:nvPr/>
         </p:nvSpPr>
         <p:spPr>
           <a:xfrm>
-            <a:off x="1432177" y="1880770"/>
+            <a:off x="961252" y="1636412"/>
             <a:ext cx="9199606" cy="2308324"/>
           </a:xfrm>
           <a:prstGeom prst="rect">
@@ -3599,9 +3887,9 @@
           </a:bodyPr>
           <a:lstStyle/>
           <a:p>
-            <a:pPr algn="ctr"/>
-            <a:r>
-              <a:rPr lang="en-US" sz="7200" b="1" dirty="0" smtClean="0">
+            <a:pPr xmlns:a="http://schemas.openxmlformats.org/drawingml/2006/main" algn="ctr"/>
+            <a:r xmlns:a="http://schemas.openxmlformats.org/drawingml/2006/main">
+              <a:rPr lang="en" sz="7200" b="1" dirty="0" smtClean="0">
                 <a:solidFill>
                   <a:schemeClr val="bg1"/>
                 </a:solidFill>
@@ -3609,9 +3897,42 @@
                 <a:ea typeface="Verdana" panose="020B0604030504040204" pitchFamily="34" charset="0"/>
                 <a:cs typeface="Segoe UI" panose="020B0502040204020203" pitchFamily="34" charset="0"/>
               </a:rPr>
-              <a:t>Measures &amp; calculated columns</a:t>
-            </a:r>
-            <a:endParaRPr lang="en-US" sz="7200" b="1" dirty="0">
+              <a:t>Measures and </a:t>
+            </a:r>
+            <a:r xmlns:a="http://schemas.openxmlformats.org/drawingml/2006/main">
+              <a:rPr lang="en" sz="7200" b="1" dirty="0" err="1" smtClean="0">
+                <a:solidFill>
+                  <a:schemeClr val="bg1"/>
+                </a:solidFill>
+                <a:latin typeface="Segoe UI" panose="020B0502040204020203" pitchFamily="34" charset="0"/>
+                <a:ea typeface="Verdana" panose="020B0604030504040204" pitchFamily="34" charset="0"/>
+                <a:cs typeface="Segoe UI" panose="020B0502040204020203" pitchFamily="34" charset="0"/>
+              </a:rPr>
+              <a:t>columns</a:t>
+            </a:r>
+            <a:r xmlns:a="http://schemas.openxmlformats.org/drawingml/2006/main">
+              <a:rPr lang="en" sz="7200" b="1" dirty="0" smtClean="0">
+                <a:solidFill>
+                  <a:schemeClr val="bg1"/>
+                </a:solidFill>
+                <a:latin typeface="Segoe UI" panose="020B0502040204020203" pitchFamily="34" charset="0"/>
+                <a:ea typeface="Verdana" panose="020B0604030504040204" pitchFamily="34" charset="0"/>
+                <a:cs typeface="Segoe UI" panose="020B0502040204020203" pitchFamily="34" charset="0"/>
+              </a:rPr>
+              <a:t> </a:t>
+            </a:r>
+            <a:r xmlns:a="http://schemas.openxmlformats.org/drawingml/2006/main">
+              <a:rPr lang="en" sz="7200" b="1" dirty="0" err="1" smtClean="0">
+                <a:solidFill>
+                  <a:schemeClr val="bg1"/>
+                </a:solidFill>
+                <a:latin typeface="Segoe UI" panose="020B0502040204020203" pitchFamily="34" charset="0"/>
+                <a:ea typeface="Verdana" panose="020B0604030504040204" pitchFamily="34" charset="0"/>
+                <a:cs typeface="Segoe UI" panose="020B0502040204020203" pitchFamily="34" charset="0"/>
+              </a:rPr>
+              <a:t>calculated</a:t>
+            </a:r>
+            <a:endParaRPr xmlns:a="http://schemas.openxmlformats.org/drawingml/2006/main" lang="en-US" sz="7200" b="1" dirty="0">
               <a:solidFill>
                 <a:schemeClr val="bg1"/>
               </a:solidFill>
@@ -3626,6 +3947,171 @@
     <p:extLst>
       <p:ext uri="{BB962C8B-B14F-4D97-AF65-F5344CB8AC3E}">
         <p14:creationId xmlns:p14="http://schemas.microsoft.com/office/powerpoint/2010/main" val="4216734246"/>
+      </p:ext>
+    </p:extLst>
+  </p:cSld>
+  <p:clrMapOvr>
+    <a:masterClrMapping/>
+  </p:clrMapOvr>
+</p:sld>
+</file>
+
+<file path=ppt/slides/slide10.xml><?xml version="1.0" encoding="utf-8"?>
+<p:sld xmlns:a="http://schemas.openxmlformats.org/drawingml/2006/main" xmlns:r="http://schemas.openxmlformats.org/officeDocument/2006/relationships" xmlns:p="http://schemas.openxmlformats.org/presentationml/2006/main">
+  <p:cSld>
+    <p:bg>
+      <p:bgPr>
+        <a:solidFill>
+          <a:srgbClr val="FFC000"/>
+        </a:solidFill>
+        <a:effectLst/>
+      </p:bgPr>
+    </p:bg>
+    <p:spTree>
+      <p:nvGrpSpPr>
+        <p:cNvPr id="1" name=""/>
+        <p:cNvGrpSpPr/>
+        <p:nvPr/>
+      </p:nvGrpSpPr>
+      <p:grpSpPr>
+        <a:xfrm>
+          <a:off x="0" y="0"/>
+          <a:ext cx="0" cy="0"/>
+          <a:chOff x="0" y="0"/>
+          <a:chExt cx="0" cy="0"/>
+        </a:xfrm>
+      </p:grpSpPr>
+      <p:sp>
+        <p:nvSpPr>
+          <p:cNvPr id="2" name="AutoShape 2" descr="Minimalistic illustration in black and white on a white background with the text 'Thank You' elegantly styled below. The design features simple, clean icons such as a handshake or a ribbon to symbolize gratitude, with a professional and modern aesthetic suitable for a presentation closing slide."/>
+          <p:cNvSpPr>
+            <a:spLocks noChangeAspect="1" noChangeArrowheads="1"/>
+          </p:cNvSpPr>
+          <p:nvPr/>
+        </p:nvSpPr>
+        <p:spPr bwMode="auto">
+          <a:xfrm>
+            <a:off x="155575" y="-144463"/>
+            <a:ext cx="304800" cy="304801"/>
+          </a:xfrm>
+          <a:prstGeom prst="rect">
+            <a:avLst/>
+          </a:prstGeom>
+          <a:noFill/>
+          <a:extLst>
+            <a:ext uri="{909E8E84-426E-40DD-AFC4-6F175D3DCCD1}">
+              <a14:hiddenFill xmlns:a14="http://schemas.microsoft.com/office/drawing/2010/main">
+                <a:solidFill>
+                  <a:srgbClr val="FFFFFF"/>
+                </a:solidFill>
+              </a14:hiddenFill>
+            </a:ext>
+          </a:extLst>
+        </p:spPr>
+        <p:txBody>
+          <a:bodyPr vert="horz" wrap="square" lIns="91440" tIns="45720" rIns="91440" bIns="45720" numCol="1" anchor="t" anchorCtr="0" compatLnSpc="1">
+            <a:prstTxWarp prst="textNoShape">
+              <a:avLst/>
+            </a:prstTxWarp>
+          </a:bodyPr>
+          <a:lstStyle/>
+          <a:p>
+            <a:endParaRPr lang="en-US"/>
+          </a:p>
+        </p:txBody>
+      </p:sp>
+      <p:sp>
+        <p:nvSpPr>
+          <p:cNvPr id="5" name="TextBox 4"/>
+          <p:cNvSpPr txBox="1"/>
+          <p:nvPr/>
+        </p:nvSpPr>
+        <p:spPr>
+          <a:xfrm>
+            <a:off x="4339362" y="2526818"/>
+            <a:ext cx="3456395" cy="1569660"/>
+          </a:xfrm>
+          <a:prstGeom prst="rect">
+            <a:avLst/>
+          </a:prstGeom>
+          <a:noFill/>
+        </p:spPr>
+        <p:txBody>
+          <a:bodyPr wrap="none" rtlCol="0">
+            <a:spAutoFit/>
+          </a:bodyPr>
+          <a:lstStyle/>
+          <a:p>
+            <a:r xmlns:a="http://schemas.openxmlformats.org/drawingml/2006/main">
+              <a:rPr lang="en" sz="9600" b="1" dirty="0" smtClean="0">
+                <a:solidFill>
+                  <a:srgbClr val="7030A0"/>
+                </a:solidFill>
+                <a:latin typeface="Segoe UI" panose="020B0502040204020203" pitchFamily="34" charset="0"/>
+                <a:ea typeface="Verdana" panose="020B0604030504040204" pitchFamily="34" charset="0"/>
+                <a:cs typeface="Segoe UI" panose="020B0502040204020203" pitchFamily="34" charset="0"/>
+              </a:rPr>
+              <a:t>THANKS</a:t>
+            </a:r>
+            <a:endParaRPr xmlns:a="http://schemas.openxmlformats.org/drawingml/2006/main" lang="en-US" sz="9600" b="1" dirty="0">
+              <a:solidFill>
+                <a:srgbClr val="7030A0"/>
+              </a:solidFill>
+              <a:latin typeface="Segoe UI" panose="020B0502040204020203" pitchFamily="34" charset="0"/>
+              <a:ea typeface="Verdana" panose="020B0604030504040204" pitchFamily="34" charset="0"/>
+              <a:cs typeface="Segoe UI" panose="020B0502040204020203" pitchFamily="34" charset="0"/>
+            </a:endParaRPr>
+          </a:p>
+        </p:txBody>
+      </p:sp>
+      <p:sp>
+        <p:nvSpPr>
+          <p:cNvPr id="6" name="TextBox 5"/>
+          <p:cNvSpPr txBox="1"/>
+          <p:nvPr/>
+        </p:nvSpPr>
+        <p:spPr>
+          <a:xfrm>
+            <a:off x="4284361" y="2444742"/>
+            <a:ext cx="3456395" cy="1569660"/>
+          </a:xfrm>
+          <a:prstGeom prst="rect">
+            <a:avLst/>
+          </a:prstGeom>
+          <a:noFill/>
+        </p:spPr>
+        <p:txBody>
+          <a:bodyPr wrap="none" rtlCol="0">
+            <a:spAutoFit/>
+          </a:bodyPr>
+          <a:lstStyle/>
+          <a:p>
+            <a:r xmlns:a="http://schemas.openxmlformats.org/drawingml/2006/main">
+              <a:rPr lang="en" sz="9600" b="1" dirty="0" smtClean="0">
+                <a:solidFill>
+                  <a:schemeClr val="bg1"/>
+                </a:solidFill>
+                <a:latin typeface="Segoe UI" panose="020B0502040204020203" pitchFamily="34" charset="0"/>
+                <a:ea typeface="Verdana" panose="020B0604030504040204" pitchFamily="34" charset="0"/>
+                <a:cs typeface="Segoe UI" panose="020B0502040204020203" pitchFamily="34" charset="0"/>
+              </a:rPr>
+              <a:t>THANKS</a:t>
+            </a:r>
+            <a:endParaRPr xmlns:a="http://schemas.openxmlformats.org/drawingml/2006/main" lang="en-US" sz="9600" b="1" dirty="0">
+              <a:solidFill>
+                <a:schemeClr val="bg1"/>
+              </a:solidFill>
+              <a:latin typeface="Segoe UI" panose="020B0502040204020203" pitchFamily="34" charset="0"/>
+              <a:ea typeface="Verdana" panose="020B0604030504040204" pitchFamily="34" charset="0"/>
+              <a:cs typeface="Segoe UI" panose="020B0502040204020203" pitchFamily="34" charset="0"/>
+            </a:endParaRPr>
+          </a:p>
+        </p:txBody>
+      </p:sp>
+    </p:spTree>
+    <p:extLst>
+      <p:ext uri="{BB962C8B-B14F-4D97-AF65-F5344CB8AC3E}">
+        <p14:creationId xmlns:p14="http://schemas.microsoft.com/office/powerpoint/2010/main" val="3494127604"/>
       </p:ext>
     </p:extLst>
   </p:cSld>
@@ -3661,7 +4147,7 @@
         <p:spPr>
           <a:xfrm>
             <a:off x="237325" y="174503"/>
-            <a:ext cx="4754763" cy="461665"/>
+            <a:ext cx="4590103" cy="461665"/>
           </a:xfrm>
           <a:prstGeom prst="rect">
             <a:avLst/>
@@ -3674,97 +4160,44 @@
           </a:bodyPr>
           <a:lstStyle/>
           <a:p>
-            <a:r>
-              <a:rPr lang="en-US" sz="2400" dirty="0" smtClean="0">
-                <a:latin typeface="Segoe UI" panose="020B0502040204020203" pitchFamily="34" charset="0"/>
-                <a:cs typeface="Segoe UI" panose="020B0502040204020203" pitchFamily="34" charset="0"/>
-              </a:rPr>
-              <a:t>Measures and calculated columns</a:t>
-            </a:r>
-            <a:endParaRPr lang="en-US" sz="2400" dirty="0">
+            <a:r xmlns:a="http://schemas.openxmlformats.org/drawingml/2006/main">
+              <a:rPr lang="en" sz="2400" b="1" dirty="0" err="1" smtClean="0">
+                <a:latin typeface="Segoe UI" panose="020B0502040204020203" pitchFamily="34" charset="0"/>
+                <a:cs typeface="Segoe UI" panose="020B0502040204020203" pitchFamily="34" charset="0"/>
+              </a:rPr>
+              <a:t>Measures </a:t>
+            </a:r>
+            <a:r xmlns:a="http://schemas.openxmlformats.org/drawingml/2006/main">
+              <a:rPr lang="en" sz="2400" b="1" dirty="0" smtClean="0">
+                <a:latin typeface="Segoe UI" panose="020B0502040204020203" pitchFamily="34" charset="0"/>
+                <a:cs typeface="Segoe UI" panose="020B0502040204020203" pitchFamily="34" charset="0"/>
+              </a:rPr>
+              <a:t>and </a:t>
+            </a:r>
+            <a:r xmlns:a="http://schemas.openxmlformats.org/drawingml/2006/main">
+              <a:rPr lang="en" sz="2400" b="1" dirty="0" err="1" smtClean="0">
+                <a:latin typeface="Segoe UI" panose="020B0502040204020203" pitchFamily="34" charset="0"/>
+                <a:cs typeface="Segoe UI" panose="020B0502040204020203" pitchFamily="34" charset="0"/>
+              </a:rPr>
+              <a:t>columns</a:t>
+            </a:r>
+            <a:r xmlns:a="http://schemas.openxmlformats.org/drawingml/2006/main">
+              <a:rPr lang="en" sz="2400" b="1" dirty="0" smtClean="0">
+                <a:latin typeface="Segoe UI" panose="020B0502040204020203" pitchFamily="34" charset="0"/>
+                <a:cs typeface="Segoe UI" panose="020B0502040204020203" pitchFamily="34" charset="0"/>
+              </a:rPr>
+              <a:t>  </a:t>
+            </a:r>
+            <a:r xmlns:a="http://schemas.openxmlformats.org/drawingml/2006/main">
+              <a:rPr lang="en" sz="2400" b="1" dirty="0" err="1" smtClean="0">
+                <a:latin typeface="Segoe UI" panose="020B0502040204020203" pitchFamily="34" charset="0"/>
+                <a:cs typeface="Segoe UI" panose="020B0502040204020203" pitchFamily="34" charset="0"/>
+              </a:rPr>
+              <a:t>calculated</a:t>
+            </a:r>
+            <a:endParaRPr xmlns:a="http://schemas.openxmlformats.org/drawingml/2006/main" lang="en-US" sz="2400" b="1" dirty="0">
               <a:latin typeface="Segoe UI" panose="020B0502040204020203" pitchFamily="34" charset="0"/>
               <a:cs typeface="Segoe UI" panose="020B0502040204020203" pitchFamily="34" charset="0"/>
-            </a:endParaRPr>
-          </a:p>
-        </p:txBody>
-      </p:sp>
-      <p:sp>
-        <p:nvSpPr>
-          <p:cNvPr id="3" name="Rectangle 2"/>
-          <p:cNvSpPr/>
-          <p:nvPr/>
-        </p:nvSpPr>
-        <p:spPr>
-          <a:xfrm>
-            <a:off x="237324" y="725580"/>
-            <a:ext cx="11733637" cy="685059"/>
-          </a:xfrm>
-          <a:prstGeom prst="rect">
-            <a:avLst/>
-          </a:prstGeom>
-        </p:spPr>
-        <p:txBody>
-          <a:bodyPr wrap="square">
-            <a:spAutoFit/>
-          </a:bodyPr>
-          <a:lstStyle/>
-          <a:p>
-            <a:pPr>
-              <a:lnSpc>
-                <a:spcPct val="107000"/>
-              </a:lnSpc>
-              <a:spcBef>
-                <a:spcPts val="1200"/>
-              </a:spcBef>
-              <a:spcAft>
-                <a:spcPts val="0"/>
-              </a:spcAft>
-            </a:pPr>
-            <a:r>
-              <a:rPr lang="en-US" b="1" kern="0" dirty="0" smtClean="0">
-                <a:latin typeface="Segoe UI" panose="020B0502040204020203" pitchFamily="34" charset="0"/>
-                <a:ea typeface="Times New Roman" panose="02020603050405020304" pitchFamily="18" charset="0"/>
-                <a:cs typeface="Times New Roman" panose="02020603050405020304" pitchFamily="18" charset="0"/>
-              </a:rPr>
-              <a:t>Note: </a:t>
-            </a:r>
-            <a:r>
-              <a:rPr lang="en-US" kern="0" dirty="0" smtClean="0">
-                <a:latin typeface="Segoe UI" panose="020B0502040204020203" pitchFamily="34" charset="0"/>
-                <a:ea typeface="Times New Roman" panose="02020603050405020304" pitchFamily="18" charset="0"/>
-                <a:cs typeface="Times New Roman" panose="02020603050405020304" pitchFamily="18" charset="0"/>
-              </a:rPr>
-              <a:t>This demo uses the </a:t>
-            </a:r>
-            <a:r>
-              <a:rPr lang="en-US" b="1" kern="0" dirty="0" err="1" smtClean="0">
-                <a:latin typeface="Segoe UI" panose="020B0502040204020203" pitchFamily="34" charset="0"/>
-                <a:ea typeface="Times New Roman" panose="02020603050405020304" pitchFamily="18" charset="0"/>
-                <a:cs typeface="Times New Roman" panose="02020603050405020304" pitchFamily="18" charset="0"/>
-              </a:rPr>
-              <a:t>FactSales</a:t>
-            </a:r>
-            <a:r>
-              <a:rPr lang="en-US" b="1" kern="0" dirty="0" smtClean="0">
-                <a:latin typeface="Segoe UI" panose="020B0502040204020203" pitchFamily="34" charset="0"/>
-                <a:ea typeface="Times New Roman" panose="02020603050405020304" pitchFamily="18" charset="0"/>
-                <a:cs typeface="Times New Roman" panose="02020603050405020304" pitchFamily="18" charset="0"/>
-              </a:rPr>
-              <a:t> table from the Sales </a:t>
-            </a:r>
-            <a:r>
-              <a:rPr lang="en-US" kern="0" dirty="0" smtClean="0">
-                <a:latin typeface="Segoe UI" panose="020B0502040204020203" pitchFamily="34" charset="0"/>
-                <a:ea typeface="Times New Roman" panose="02020603050405020304" pitchFamily="18" charset="0"/>
-                <a:cs typeface="Times New Roman" panose="02020603050405020304" pitchFamily="18" charset="0"/>
-              </a:rPr>
-              <a:t>database to demonstrate the difference between creating a calculated column and a measure.</a:t>
-            </a:r>
-            <a:endParaRPr lang="en-US" sz="2800" b="1" kern="0" dirty="0">
-              <a:effectLst/>
-              <a:latin typeface="Segoe UI" panose="020B0502040204020203" pitchFamily="34" charset="0"/>
-              <a:ea typeface="Times New Roman" panose="02020603050405020304" pitchFamily="18" charset="0"/>
-              <a:cs typeface="Times New Roman" panose="02020603050405020304" pitchFamily="18" charset="0"/>
             </a:endParaRPr>
           </a:p>
         </p:txBody>
@@ -3785,7 +4218,7 @@
         </p:blipFill>
         <p:spPr>
           <a:xfrm>
-            <a:off x="533724" y="1738191"/>
+            <a:off x="870608" y="2481943"/>
             <a:ext cx="2534004" cy="1924319"/>
           </a:xfrm>
           <a:prstGeom prst="rect">
@@ -3819,8 +4252,8 @@
         </p:blipFill>
         <p:spPr>
           <a:xfrm>
-            <a:off x="3669632" y="1738191"/>
-            <a:ext cx="4216351" cy="4758862"/>
+            <a:off x="4301095" y="2481943"/>
+            <a:ext cx="3557387" cy="4015110"/>
           </a:xfrm>
           <a:prstGeom prst="rect">
             <a:avLst/>
@@ -3837,6 +4270,79 @@
           </a:effectLst>
         </p:spPr>
       </p:pic>
+      <p:sp>
+        <p:nvSpPr>
+          <p:cNvPr id="5" name="Rectangle 4"/>
+          <p:cNvSpPr/>
+          <p:nvPr/>
+        </p:nvSpPr>
+        <p:spPr>
+          <a:xfrm>
+            <a:off x="357867" y="725545"/>
+            <a:ext cx="10839879" cy="707886"/>
+          </a:xfrm>
+          <a:prstGeom prst="rect">
+            <a:avLst/>
+          </a:prstGeom>
+        </p:spPr>
+        <p:txBody>
+          <a:bodyPr wrap="square">
+            <a:spAutoFit/>
+          </a:bodyPr>
+          <a:lstStyle/>
+          <a:p>
+            <a:r xmlns:a="http://schemas.openxmlformats.org/drawingml/2006/main">
+              <a:rPr lang="en" sz="2000" b="1" dirty="0"/>
+              <a:t>Note: </a:t>
+            </a:r>
+            <a:r xmlns:a="http://schemas.openxmlformats.org/drawingml/2006/main">
+              <a:rPr lang="en" sz="2000" dirty="0" smtClean="0"/>
+              <a:t>This lab uses the </a:t>
+            </a:r>
+            <a:r xmlns:a="http://schemas.openxmlformats.org/drawingml/2006/main">
+              <a:rPr lang="en" sz="2000" b="1" dirty="0" smtClean="0"/>
+              <a:t>FactSales032025.csv </a:t>
+            </a:r>
+            <a:r xmlns:a="http://schemas.openxmlformats.org/drawingml/2006/main">
+              <a:rPr lang="en" sz="2000" dirty="0" smtClean="0"/>
+              <a:t>and </a:t>
+            </a:r>
+            <a:r xmlns:a="http://schemas.openxmlformats.org/drawingml/2006/main">
+              <a:rPr lang="en" sz="2000" b="1" dirty="0" smtClean="0"/>
+              <a:t>DimDate.csv </a:t>
+            </a:r>
+            <a:r xmlns:a="http://schemas.openxmlformats.org/drawingml/2006/main">
+              <a:rPr lang="en" sz="2000" dirty="0"/>
+              <a:t>tables </a:t>
+            </a:r>
+            <a:r xmlns:a="http://schemas.openxmlformats.org/drawingml/2006/main">
+              <a:rPr lang="en" sz="2000" dirty="0" smtClean="0"/>
+              <a:t>from </a:t>
+            </a:r>
+            <a:r xmlns:a="http://schemas.openxmlformats.org/drawingml/2006/main">
+              <a:rPr lang="en" sz="2000" b="1" dirty="0" err="1" smtClean="0"/>
+              <a:t>resources </a:t>
+            </a:r>
+            <a:r xmlns:a="http://schemas.openxmlformats.org/drawingml/2006/main">
+              <a:rPr lang="en" sz="2000" b="1" dirty="0"/>
+              <a:t>\ </a:t>
+            </a:r>
+            <a:r xmlns:a="http://schemas.openxmlformats.org/drawingml/2006/main">
+              <a:rPr lang="en" sz="2000" b="1" dirty="0" err="1" smtClean="0"/>
+              <a:t>CSVSources</a:t>
+            </a:r>
+            <a:r xmlns:a="http://schemas.openxmlformats.org/drawingml/2006/main">
+              <a:rPr lang="en" sz="2000" dirty="0" smtClean="0"/>
+              <a:t> </a:t>
+            </a:r>
+            <a:r xmlns:a="http://schemas.openxmlformats.org/drawingml/2006/main">
+              <a:rPr lang="en" sz="2000" dirty="0"/>
+              <a:t>to demonstrate the difference between creating a calculated column and a measure.</a:t>
+            </a:r>
+            <a:endParaRPr xmlns:a="http://schemas.openxmlformats.org/drawingml/2006/main" lang="en-US" sz="2000" dirty="0"/>
+          </a:p>
+        </p:txBody>
+      </p:sp>
     </p:spTree>
     <p:extLst>
       <p:ext uri="{BB962C8B-B14F-4D97-AF65-F5344CB8AC3E}">
@@ -3867,220 +4373,9 @@
           <a:chExt cx="0" cy="0"/>
         </a:xfrm>
       </p:grpSpPr>
-      <p:sp>
-        <p:nvSpPr>
-          <p:cNvPr id="2" name="TextBox 1"/>
-          <p:cNvSpPr txBox="1"/>
-          <p:nvPr/>
-        </p:nvSpPr>
-        <p:spPr>
-          <a:xfrm>
-            <a:off x="237325" y="174503"/>
-            <a:ext cx="4754763" cy="461665"/>
-          </a:xfrm>
-          <a:prstGeom prst="rect">
-            <a:avLst/>
-          </a:prstGeom>
-          <a:noFill/>
-        </p:spPr>
-        <p:txBody>
-          <a:bodyPr wrap="none" rtlCol="0">
-            <a:spAutoFit/>
-          </a:bodyPr>
-          <a:lstStyle/>
-          <a:p>
-            <a:r>
-              <a:rPr lang="en-US" sz="2400" dirty="0" smtClean="0">
-                <a:latin typeface="Segoe UI" panose="020B0502040204020203" pitchFamily="34" charset="0"/>
-                <a:cs typeface="Segoe UI" panose="020B0502040204020203" pitchFamily="34" charset="0"/>
-              </a:rPr>
-              <a:t>Measures and calculated columns</a:t>
-            </a:r>
-            <a:endParaRPr lang="en-US" sz="2400" dirty="0">
-              <a:latin typeface="Segoe UI" panose="020B0502040204020203" pitchFamily="34" charset="0"/>
-              <a:cs typeface="Segoe UI" panose="020B0502040204020203" pitchFamily="34" charset="0"/>
-            </a:endParaRPr>
-          </a:p>
-        </p:txBody>
-      </p:sp>
-      <p:sp>
-        <p:nvSpPr>
-          <p:cNvPr id="4" name="Rectangle 3"/>
-          <p:cNvSpPr/>
-          <p:nvPr/>
-        </p:nvSpPr>
-        <p:spPr>
-          <a:xfrm>
-            <a:off x="237323" y="889046"/>
-            <a:ext cx="8448018" cy="388696"/>
-          </a:xfrm>
-          <a:prstGeom prst="rect">
-            <a:avLst/>
-          </a:prstGeom>
-        </p:spPr>
-        <p:txBody>
-          <a:bodyPr wrap="none">
-            <a:spAutoFit/>
-          </a:bodyPr>
-          <a:lstStyle/>
-          <a:p>
-            <a:pPr>
-              <a:lnSpc>
-                <a:spcPct val="107000"/>
-              </a:lnSpc>
-              <a:spcAft>
-                <a:spcPts val="800"/>
-              </a:spcAft>
-            </a:pPr>
-            <a:r>
-              <a:rPr lang="en-US" dirty="0" smtClean="0">
-                <a:latin typeface="Segoe UI" panose="020B0502040204020203" pitchFamily="34" charset="0"/>
-                <a:ea typeface="Calibri" panose="020F0502020204030204" pitchFamily="34" charset="0"/>
-                <a:cs typeface="Segoe UI" panose="020B0502040204020203" pitchFamily="34" charset="0"/>
-              </a:rPr>
-              <a:t>Create a column called </a:t>
-            </a:r>
-            <a:r>
-              <a:rPr lang="en-US" dirty="0" err="1" smtClean="0">
-                <a:latin typeface="Segoe UI" panose="020B0502040204020203" pitchFamily="34" charset="0"/>
-                <a:ea typeface="Calibri" panose="020F0502020204030204" pitchFamily="34" charset="0"/>
-                <a:cs typeface="Segoe UI" panose="020B0502040204020203" pitchFamily="34" charset="0"/>
-              </a:rPr>
-              <a:t>SalesAmount</a:t>
-            </a:r>
-            <a:r>
-              <a:rPr lang="en-US" dirty="0" smtClean="0">
-                <a:latin typeface="Segoe UI" panose="020B0502040204020203" pitchFamily="34" charset="0"/>
-                <a:ea typeface="Calibri" panose="020F0502020204030204" pitchFamily="34" charset="0"/>
-                <a:cs typeface="Segoe UI" panose="020B0502040204020203" pitchFamily="34" charset="0"/>
-              </a:rPr>
-              <a:t> = </a:t>
-            </a:r>
-            <a:r>
-              <a:rPr lang="en-US" dirty="0" err="1"/>
-              <a:t>FactSales</a:t>
-            </a:r>
-            <a:r>
-              <a:rPr lang="en-US" dirty="0"/>
-              <a:t>[</a:t>
-            </a:r>
-            <a:r>
-              <a:rPr lang="en-US" dirty="0" err="1"/>
-              <a:t>SalesQuantity</a:t>
-            </a:r>
-            <a:r>
-              <a:rPr lang="en-US" dirty="0"/>
-              <a:t>]*</a:t>
-            </a:r>
-            <a:r>
-              <a:rPr lang="en-US" dirty="0" err="1"/>
-              <a:t>FactSales</a:t>
-            </a:r>
-            <a:r>
-              <a:rPr lang="en-US" dirty="0"/>
-              <a:t>[</a:t>
-            </a:r>
-            <a:r>
-              <a:rPr lang="en-US" dirty="0" err="1"/>
-              <a:t>UnitPrice</a:t>
-            </a:r>
-            <a:r>
-              <a:rPr lang="en-US" dirty="0"/>
-              <a:t>]</a:t>
-            </a:r>
-            <a:endParaRPr lang="en-US" dirty="0">
-              <a:latin typeface="Segoe UI" panose="020B0502040204020203" pitchFamily="34" charset="0"/>
-              <a:cs typeface="Segoe UI" panose="020B0502040204020203" pitchFamily="34" charset="0"/>
-            </a:endParaRPr>
-          </a:p>
-        </p:txBody>
-      </p:sp>
-      <p:sp>
-        <p:nvSpPr>
-          <p:cNvPr id="10" name="Rectangle 9"/>
-          <p:cNvSpPr/>
-          <p:nvPr/>
-        </p:nvSpPr>
-        <p:spPr>
-          <a:xfrm>
-            <a:off x="237323" y="1277742"/>
-            <a:ext cx="7948779" cy="369332"/>
-          </a:xfrm>
-          <a:prstGeom prst="rect">
-            <a:avLst/>
-          </a:prstGeom>
-        </p:spPr>
-        <p:txBody>
-          <a:bodyPr wrap="none">
-            <a:spAutoFit/>
-          </a:bodyPr>
-          <a:lstStyle/>
-          <a:p>
-            <a:pPr lvl="0">
-              <a:defRPr/>
-            </a:pPr>
-            <a:r>
-              <a:rPr lang="en-US" dirty="0" smtClean="0">
-                <a:latin typeface="Segoe UI" panose="020B0502040204020203" pitchFamily="34" charset="0"/>
-                <a:ea typeface="Calibri" panose="020F0502020204030204" pitchFamily="34" charset="0"/>
-                <a:cs typeface="Segoe UI" panose="020B0502040204020203" pitchFamily="34" charset="0"/>
-              </a:rPr>
-              <a:t>Create a column called </a:t>
-            </a:r>
-            <a:r>
-              <a:rPr lang="en-US" dirty="0" err="1" smtClean="0">
-                <a:latin typeface="Segoe UI" panose="020B0502040204020203" pitchFamily="34" charset="0"/>
-                <a:ea typeface="Calibri" panose="020F0502020204030204" pitchFamily="34" charset="0"/>
-                <a:cs typeface="Segoe UI" panose="020B0502040204020203" pitchFamily="34" charset="0"/>
-              </a:rPr>
-              <a:t>TotalCost</a:t>
-            </a:r>
-            <a:r>
-              <a:rPr lang="en-US" dirty="0" smtClean="0">
-                <a:latin typeface="Segoe UI" panose="020B0502040204020203" pitchFamily="34" charset="0"/>
-                <a:ea typeface="Calibri" panose="020F0502020204030204" pitchFamily="34" charset="0"/>
-                <a:cs typeface="Segoe UI" panose="020B0502040204020203" pitchFamily="34" charset="0"/>
-              </a:rPr>
-              <a:t> = </a:t>
-            </a:r>
-            <a:r>
-              <a:rPr lang="en-US" dirty="0" err="1"/>
-              <a:t>FactSales</a:t>
-            </a:r>
-            <a:r>
-              <a:rPr lang="en-US" dirty="0"/>
-              <a:t>[</a:t>
-            </a:r>
-            <a:r>
-              <a:rPr lang="en-US" dirty="0" err="1"/>
-              <a:t>SalesQuantity</a:t>
-            </a:r>
-            <a:r>
-              <a:rPr lang="en-US" dirty="0"/>
-              <a:t>]-</a:t>
-            </a:r>
-            <a:r>
-              <a:rPr lang="en-US" dirty="0" err="1"/>
-              <a:t>FactSales</a:t>
-            </a:r>
-            <a:r>
-              <a:rPr lang="en-US" dirty="0"/>
-              <a:t>[</a:t>
-            </a:r>
-            <a:r>
-              <a:rPr lang="en-US" dirty="0" err="1"/>
-              <a:t>UnitCost</a:t>
-            </a:r>
-            <a:r>
-              <a:rPr lang="en-US" dirty="0"/>
-              <a:t>]</a:t>
-            </a:r>
-          </a:p>
-        </p:txBody>
-      </p:sp>
       <p:pic>
         <p:nvPicPr>
-          <p:cNvPr id="11" name="Picture 10"/>
+          <p:cNvPr id="4" name="Picture 3"/>
           <p:cNvPicPr>
             <a:picLocks noChangeAspect="1"/>
           </p:cNvPicPr>
@@ -4094,149 +4389,78 @@
         </p:blipFill>
         <p:spPr>
           <a:xfrm>
-            <a:off x="1868637" y="2055134"/>
-            <a:ext cx="3123451" cy="1065363"/>
+            <a:off x="4479035" y="1555775"/>
+            <a:ext cx="2162396" cy="4479249"/>
           </a:xfrm>
           <a:prstGeom prst="rect">
             <a:avLst/>
           </a:prstGeom>
-          <a:ln>
-            <a:noFill/>
-          </a:ln>
-          <a:effectLst>
-            <a:outerShdw blurRad="292100" dist="139700" dir="2700000" algn="tl" rotWithShape="0">
-              <a:srgbClr val="333333">
-                <a:alpha val="65000"/>
-              </a:srgbClr>
-            </a:outerShdw>
-          </a:effectLst>
         </p:spPr>
       </p:pic>
-      <p:pic>
-        <p:nvPicPr>
-          <p:cNvPr id="12" name="Picture 11"/>
-          <p:cNvPicPr>
-            <a:picLocks noChangeAspect="1"/>
-          </p:cNvPicPr>
+      <p:sp>
+        <p:nvSpPr>
+          <p:cNvPr id="2" name="TextBox 1"/>
+          <p:cNvSpPr txBox="1"/>
           <p:nvPr/>
-        </p:nvPicPr>
-        <p:blipFill rotWithShape="1">
-          <a:blip r:embed="rId4"/>
-          <a:srcRect l="1" t="1" r="-5407" b="-5407"/>
-          <a:stretch/>
-        </p:blipFill>
+        </p:nvSpPr>
         <p:spPr>
           <a:xfrm>
-            <a:off x="1868637" y="4509577"/>
-            <a:ext cx="5058481" cy="428685"/>
+            <a:off x="237325" y="174503"/>
+            <a:ext cx="4590103" cy="461665"/>
           </a:xfrm>
           <a:prstGeom prst="rect">
             <a:avLst/>
           </a:prstGeom>
-          <a:ln>
-            <a:noFill/>
-          </a:ln>
-          <a:effectLst>
-            <a:outerShdw blurRad="292100" dist="139700" dir="2700000" algn="tl" rotWithShape="0">
-              <a:srgbClr val="333333">
-                <a:alpha val="65000"/>
-              </a:srgbClr>
-            </a:outerShdw>
-          </a:effectLst>
-        </p:spPr>
-      </p:pic>
-      <p:pic>
-        <p:nvPicPr>
-          <p:cNvPr id="13" name="Picture 12"/>
-          <p:cNvPicPr>
-            <a:picLocks noChangeAspect="1"/>
-          </p:cNvPicPr>
-          <p:nvPr/>
-        </p:nvPicPr>
-        <p:blipFill>
-          <a:blip r:embed="rId5"/>
-          <a:stretch>
-            <a:fillRect/>
-          </a:stretch>
-        </p:blipFill>
-        <p:spPr>
-          <a:xfrm>
-            <a:off x="1868637" y="5236014"/>
-            <a:ext cx="4690723" cy="275925"/>
-          </a:xfrm>
-          <a:prstGeom prst="rect">
-            <a:avLst/>
-          </a:prstGeom>
-          <a:ln>
-            <a:noFill/>
-          </a:ln>
-          <a:effectLst>
-            <a:outerShdw blurRad="292100" dist="139700" dir="2700000" algn="tl" rotWithShape="0">
-              <a:srgbClr val="333333">
-                <a:alpha val="65000"/>
-              </a:srgbClr>
-            </a:outerShdw>
-          </a:effectLst>
-        </p:spPr>
-      </p:pic>
-      <p:pic>
-        <p:nvPicPr>
-          <p:cNvPr id="14" name="Picture 13"/>
-          <p:cNvPicPr>
-            <a:picLocks noChangeAspect="1"/>
-          </p:cNvPicPr>
-          <p:nvPr/>
-        </p:nvPicPr>
-        <p:blipFill>
-          <a:blip r:embed="rId6"/>
-          <a:stretch>
-            <a:fillRect/>
-          </a:stretch>
-        </p:blipFill>
-        <p:spPr>
-          <a:xfrm>
-            <a:off x="5409547" y="2006227"/>
-            <a:ext cx="1213856" cy="1974538"/>
-          </a:xfrm>
-          <a:prstGeom prst="rect">
-            <a:avLst/>
-          </a:prstGeom>
-          <a:ln>
-            <a:noFill/>
-          </a:ln>
-          <a:effectLst>
-            <a:outerShdw blurRad="292100" dist="139700" dir="2700000" algn="tl" rotWithShape="0">
-              <a:srgbClr val="333333">
-                <a:alpha val="65000"/>
-              </a:srgbClr>
-            </a:outerShdw>
-          </a:effectLst>
-        </p:spPr>
-      </p:pic>
-      <p:pic>
-        <p:nvPicPr>
-          <p:cNvPr id="15" name="Picture 14"/>
-          <p:cNvPicPr>
-            <a:picLocks noChangeAspect="1"/>
-          </p:cNvPicPr>
-          <p:nvPr/>
-        </p:nvPicPr>
-        <p:blipFill>
-          <a:blip r:embed="rId7"/>
-          <a:stretch>
-            <a:fillRect/>
-          </a:stretch>
-        </p:blipFill>
-        <p:spPr>
-          <a:xfrm>
-            <a:off x="7190207" y="1984796"/>
-            <a:ext cx="2514951" cy="4486901"/>
-          </a:xfrm>
-          <a:prstGeom prst="rect">
-            <a:avLst/>
-          </a:prstGeom>
-        </p:spPr>
-      </p:pic>
+          <a:noFill/>
+        </p:spPr>
+        <p:txBody>
+          <a:bodyPr wrap="none" rtlCol="0">
+            <a:spAutoFit/>
+          </a:bodyPr>
+          <a:lstStyle/>
+          <a:p>
+            <a:r xmlns:a="http://schemas.openxmlformats.org/drawingml/2006/main">
+              <a:rPr lang="en" sz="2400" b="1" dirty="0" err="1" smtClean="0">
+                <a:latin typeface="Segoe UI" panose="020B0502040204020203" pitchFamily="34" charset="0"/>
+                <a:cs typeface="Segoe UI" panose="020B0502040204020203" pitchFamily="34" charset="0"/>
+              </a:rPr>
+              <a:t>Measures </a:t>
+            </a:r>
+            <a:r xmlns:a="http://schemas.openxmlformats.org/drawingml/2006/main">
+              <a:rPr lang="en" sz="2400" b="1" dirty="0" smtClean="0">
+                <a:latin typeface="Segoe UI" panose="020B0502040204020203" pitchFamily="34" charset="0"/>
+                <a:cs typeface="Segoe UI" panose="020B0502040204020203" pitchFamily="34" charset="0"/>
+              </a:rPr>
+              <a:t>and </a:t>
+            </a:r>
+            <a:r xmlns:a="http://schemas.openxmlformats.org/drawingml/2006/main">
+              <a:rPr lang="en" sz="2400" b="1" dirty="0" err="1" smtClean="0">
+                <a:latin typeface="Segoe UI" panose="020B0502040204020203" pitchFamily="34" charset="0"/>
+                <a:cs typeface="Segoe UI" panose="020B0502040204020203" pitchFamily="34" charset="0"/>
+              </a:rPr>
+              <a:t>columns</a:t>
+            </a:r>
+            <a:r xmlns:a="http://schemas.openxmlformats.org/drawingml/2006/main">
+              <a:rPr lang="en" sz="2400" b="1" dirty="0" smtClean="0">
+                <a:latin typeface="Segoe UI" panose="020B0502040204020203" pitchFamily="34" charset="0"/>
+                <a:cs typeface="Segoe UI" panose="020B0502040204020203" pitchFamily="34" charset="0"/>
+              </a:rPr>
+              <a:t>  </a:t>
+            </a:r>
+            <a:r xmlns:a="http://schemas.openxmlformats.org/drawingml/2006/main">
+              <a:rPr lang="en" sz="2400" b="1" dirty="0" err="1" smtClean="0">
+                <a:latin typeface="Segoe UI" panose="020B0502040204020203" pitchFamily="34" charset="0"/>
+                <a:cs typeface="Segoe UI" panose="020B0502040204020203" pitchFamily="34" charset="0"/>
+              </a:rPr>
+              <a:t>calculated</a:t>
+            </a:r>
+            <a:endParaRPr xmlns:a="http://schemas.openxmlformats.org/drawingml/2006/main" lang="en-US" sz="2400" b="1" dirty="0">
+              <a:latin typeface="Segoe UI" panose="020B0502040204020203" pitchFamily="34" charset="0"/>
+              <a:cs typeface="Segoe UI" panose="020B0502040204020203" pitchFamily="34" charset="0"/>
+            </a:endParaRPr>
+          </a:p>
+        </p:txBody>
+      </p:sp>
       <p:sp>
         <p:nvSpPr>
           <p:cNvPr id="16" name="Rectangle 15"/>
@@ -4245,8 +4469,8 @@
         </p:nvSpPr>
         <p:spPr>
           <a:xfrm>
-            <a:off x="7190207" y="5041232"/>
-            <a:ext cx="2514951" cy="194782"/>
+            <a:off x="4479036" y="4594345"/>
+            <a:ext cx="2162396" cy="266413"/>
           </a:xfrm>
           <a:prstGeom prst="rect">
             <a:avLst/>
@@ -4287,49 +4511,66 @@
       </p:sp>
       <p:sp>
         <p:nvSpPr>
-          <p:cNvPr id="17" name="Rectangle 16"/>
+          <p:cNvPr id="5" name="Rectangle 4"/>
           <p:cNvSpPr/>
           <p:nvPr/>
         </p:nvSpPr>
         <p:spPr>
           <a:xfrm>
-            <a:off x="7190207" y="5686552"/>
-            <a:ext cx="2514951" cy="194782"/>
+            <a:off x="330688" y="711518"/>
+            <a:ext cx="11762767" cy="400110"/>
           </a:xfrm>
           <a:prstGeom prst="rect">
             <a:avLst/>
           </a:prstGeom>
-          <a:solidFill>
-            <a:srgbClr val="FF0000">
-              <a:alpha val="22000"/>
-            </a:srgbClr>
-          </a:solidFill>
-          <a:ln>
-            <a:noFill/>
-          </a:ln>
-        </p:spPr>
-        <p:style>
-          <a:lnRef idx="2">
-            <a:schemeClr val="accent1">
-              <a:shade val="50000"/>
-            </a:schemeClr>
-          </a:lnRef>
-          <a:fillRef idx="1">
-            <a:schemeClr val="accent1"/>
-          </a:fillRef>
-          <a:effectRef idx="0">
-            <a:schemeClr val="accent1"/>
-          </a:effectRef>
-          <a:fontRef idx="minor">
-            <a:schemeClr val="lt1"/>
-          </a:fontRef>
-        </p:style>
-        <p:txBody>
-          <a:bodyPr rtlCol="0" anchor="ctr"/>
-          <a:lstStyle/>
-          <a:p>
-            <a:pPr algn="ctr"/>
-            <a:endParaRPr lang="en-US"/>
+        </p:spPr>
+        <p:txBody>
+          <a:bodyPr wrap="square">
+            <a:spAutoFit/>
+          </a:bodyPr>
+          <a:lstStyle/>
+          <a:p>
+            <a:r xmlns:a="http://schemas.openxmlformats.org/drawingml/2006/main">
+              <a:rPr lang="en" sz="2000" dirty="0"/>
+              <a:t>Create a column </a:t>
+            </a:r>
+            <a:r xmlns:a="http://schemas.openxmlformats.org/drawingml/2006/main">
+              <a:rPr lang="en" sz="2000" dirty="0" smtClean="0"/>
+              <a:t>called </a:t>
+            </a:r>
+            <a:r xmlns:a="http://schemas.openxmlformats.org/drawingml/2006/main">
+              <a:rPr lang="en" sz="2000" b="1" dirty="0" err="1" smtClean="0"/>
+              <a:t>SalesAmount</a:t>
+            </a:r>
+            <a:r xmlns:a="http://schemas.openxmlformats.org/drawingml/2006/main">
+              <a:rPr lang="en" sz="2000" b="1" dirty="0" smtClean="0"/>
+              <a:t> </a:t>
+            </a:r>
+            <a:r xmlns:a="http://schemas.openxmlformats.org/drawingml/2006/main">
+              <a:rPr lang="en" dirty="0"/>
+              <a:t>= </a:t>
+            </a:r>
+            <a:r xmlns:a="http://schemas.openxmlformats.org/drawingml/2006/main">
+              <a:rPr lang="en" sz="2000" dirty="0" smtClean="0"/>
+              <a:t>FactSales[ </a:t>
+            </a:r>
+            <a:r xmlns:a="http://schemas.openxmlformats.org/drawingml/2006/main">
+              <a:rPr lang="en" sz="2000" dirty="0" err="1" smtClean="0"/>
+              <a:t>SalesQuantity </a:t>
+            </a:r>
+            <a:r xmlns:a="http://schemas.openxmlformats.org/drawingml/2006/main">
+              <a:rPr lang="en" sz="2000" dirty="0"/>
+              <a:t>]*FactSales[ </a:t>
+            </a:r>
+            <a:r xmlns:a="http://schemas.openxmlformats.org/drawingml/2006/main">
+              <a:rPr lang="en" sz="2000" dirty="0" err="1"/>
+              <a:t>UnitPrice </a:t>
+            </a:r>
+            <a:r xmlns:a="http://schemas.openxmlformats.org/drawingml/2006/main">
+              <a:rPr lang="en" sz="2000" dirty="0" smtClean="0"/>
+              <a:t>]</a:t>
+            </a:r>
+            <a:endParaRPr xmlns:a="http://schemas.openxmlformats.org/drawingml/2006/main" lang="en-US" sz="2000" dirty="0"/>
           </a:p>
         </p:txBody>
       </p:sp>
@@ -4372,7 +4613,7 @@
         <p:spPr>
           <a:xfrm>
             <a:off x="237325" y="174503"/>
-            <a:ext cx="4754763" cy="461665"/>
+            <a:ext cx="4590103" cy="461665"/>
           </a:xfrm>
           <a:prstGeom prst="rect">
             <a:avLst/>
@@ -4385,82 +4626,42 @@
           </a:bodyPr>
           <a:lstStyle/>
           <a:p>
-            <a:r>
-              <a:rPr lang="en-US" sz="2400" dirty="0" smtClean="0">
-                <a:latin typeface="Segoe UI" panose="020B0502040204020203" pitchFamily="34" charset="0"/>
-                <a:cs typeface="Segoe UI" panose="020B0502040204020203" pitchFamily="34" charset="0"/>
-              </a:rPr>
-              <a:t>Measures and calculated columns</a:t>
-            </a:r>
-            <a:endParaRPr lang="en-US" sz="2400" dirty="0">
-              <a:latin typeface="Segoe UI" panose="020B0502040204020203" pitchFamily="34" charset="0"/>
-              <a:cs typeface="Segoe UI" panose="020B0502040204020203" pitchFamily="34" charset="0"/>
-            </a:endParaRPr>
-          </a:p>
-        </p:txBody>
-      </p:sp>
-      <p:sp>
-        <p:nvSpPr>
-          <p:cNvPr id="4" name="Rectangle 3"/>
-          <p:cNvSpPr/>
-          <p:nvPr/>
-        </p:nvSpPr>
-        <p:spPr>
-          <a:xfrm>
-            <a:off x="237322" y="889046"/>
-            <a:ext cx="11698003" cy="388696"/>
-          </a:xfrm>
-          <a:prstGeom prst="rect">
-            <a:avLst/>
-          </a:prstGeom>
-        </p:spPr>
-        <p:txBody>
-          <a:bodyPr wrap="square">
-            <a:spAutoFit/>
-          </a:bodyPr>
-          <a:lstStyle/>
-          <a:p>
-            <a:pPr>
-              <a:lnSpc>
-                <a:spcPct val="107000"/>
-              </a:lnSpc>
-              <a:spcAft>
-                <a:spcPts val="800"/>
-              </a:spcAft>
-            </a:pPr>
-            <a:r>
-              <a:rPr lang="en-US" dirty="0" smtClean="0">
-                <a:latin typeface="Segoe UI" panose="020B0502040204020203" pitchFamily="34" charset="0"/>
-                <a:ea typeface="Calibri" panose="020F0502020204030204" pitchFamily="34" charset="0"/>
-                <a:cs typeface="Segoe UI" panose="020B0502040204020203" pitchFamily="34" charset="0"/>
-              </a:rPr>
-              <a:t>Create the measure Now at </a:t>
-            </a:r>
-            <a:r>
-              <a:rPr lang="en-US" b="1" dirty="0" err="1" smtClean="0">
-                <a:latin typeface="Segoe UI" panose="020B0502040204020203" pitchFamily="34" charset="0"/>
-                <a:ea typeface="Calibri" panose="020F0502020204030204" pitchFamily="34" charset="0"/>
-                <a:cs typeface="Segoe UI" panose="020B0502040204020203" pitchFamily="34" charset="0"/>
-              </a:rPr>
-              <a:t>FactSales</a:t>
-            </a:r>
-            <a:r>
-              <a:rPr lang="en-US" b="1" dirty="0" smtClean="0">
-                <a:latin typeface="Segoe UI" panose="020B0502040204020203" pitchFamily="34" charset="0"/>
-                <a:ea typeface="Calibri" panose="020F0502020204030204" pitchFamily="34" charset="0"/>
-                <a:cs typeface="Segoe UI" panose="020B0502040204020203" pitchFamily="34" charset="0"/>
-              </a:rPr>
-              <a:t> </a:t>
-            </a:r>
-            <a:r>
-              <a:rPr lang="en-US" dirty="0" smtClean="0">
-                <a:latin typeface="Segoe UI" panose="020B0502040204020203" pitchFamily="34" charset="0"/>
-                <a:ea typeface="Calibri" panose="020F0502020204030204" pitchFamily="34" charset="0"/>
-                <a:cs typeface="Segoe UI" panose="020B0502040204020203" pitchFamily="34" charset="0"/>
-              </a:rPr>
-              <a:t>table level that calculate the total profit</a:t>
-            </a:r>
-            <a:endParaRPr lang="en-US" dirty="0">
+            <a:r xmlns:a="http://schemas.openxmlformats.org/drawingml/2006/main">
+              <a:rPr lang="en" sz="2400" b="1" dirty="0" err="1" smtClean="0">
+                <a:latin typeface="Segoe UI" panose="020B0502040204020203" pitchFamily="34" charset="0"/>
+                <a:cs typeface="Segoe UI" panose="020B0502040204020203" pitchFamily="34" charset="0"/>
+              </a:rPr>
+              <a:t>Measures </a:t>
+            </a:r>
+            <a:r xmlns:a="http://schemas.openxmlformats.org/drawingml/2006/main">
+              <a:rPr lang="en" sz="2400" b="1" dirty="0" smtClean="0">
+                <a:latin typeface="Segoe UI" panose="020B0502040204020203" pitchFamily="34" charset="0"/>
+                <a:cs typeface="Segoe UI" panose="020B0502040204020203" pitchFamily="34" charset="0"/>
+              </a:rPr>
+              <a:t>and </a:t>
+            </a:r>
+            <a:r xmlns:a="http://schemas.openxmlformats.org/drawingml/2006/main">
+              <a:rPr lang="en" sz="2400" b="1" dirty="0" err="1" smtClean="0">
+                <a:latin typeface="Segoe UI" panose="020B0502040204020203" pitchFamily="34" charset="0"/>
+                <a:cs typeface="Segoe UI" panose="020B0502040204020203" pitchFamily="34" charset="0"/>
+              </a:rPr>
+              <a:t>columns</a:t>
+            </a:r>
+            <a:r xmlns:a="http://schemas.openxmlformats.org/drawingml/2006/main">
+              <a:rPr lang="en" sz="2400" b="1" dirty="0" smtClean="0">
+                <a:latin typeface="Segoe UI" panose="020B0502040204020203" pitchFamily="34" charset="0"/>
+                <a:cs typeface="Segoe UI" panose="020B0502040204020203" pitchFamily="34" charset="0"/>
+              </a:rPr>
+              <a:t>  </a:t>
+            </a:r>
+            <a:r xmlns:a="http://schemas.openxmlformats.org/drawingml/2006/main">
+              <a:rPr lang="en" sz="2400" b="1" dirty="0" err="1" smtClean="0">
+                <a:latin typeface="Segoe UI" panose="020B0502040204020203" pitchFamily="34" charset="0"/>
+                <a:cs typeface="Segoe UI" panose="020B0502040204020203" pitchFamily="34" charset="0"/>
+              </a:rPr>
+              <a:t>calculated</a:t>
+            </a:r>
+            <a:endParaRPr xmlns:a="http://schemas.openxmlformats.org/drawingml/2006/main" lang="en-US" sz="2400" b="1" dirty="0">
               <a:latin typeface="Segoe UI" panose="020B0502040204020203" pitchFamily="34" charset="0"/>
               <a:cs typeface="Segoe UI" panose="020B0502040204020203" pitchFamily="34" charset="0"/>
             </a:endParaRPr>
@@ -4503,7 +4704,7 @@
       </p:pic>
       <p:pic>
         <p:nvPicPr>
-          <p:cNvPr id="7" name="Picture 6"/>
+          <p:cNvPr id="10" name="Picture 9"/>
           <p:cNvPicPr>
             <a:picLocks noChangeAspect="1"/>
           </p:cNvPicPr>
@@ -4517,8 +4718,8 @@
         </p:blipFill>
         <p:spPr>
           <a:xfrm>
-            <a:off x="411903" y="2599374"/>
-            <a:ext cx="5982535" cy="295316"/>
+            <a:off x="411903" y="3363750"/>
+            <a:ext cx="3850533" cy="2523758"/>
           </a:xfrm>
           <a:prstGeom prst="rect">
             <a:avLst/>
@@ -4527,204 +4728,14 @@
       </p:pic>
       <p:sp>
         <p:nvSpPr>
-          <p:cNvPr id="8" name="Rectangle 7"/>
-          <p:cNvSpPr/>
-          <p:nvPr/>
-        </p:nvSpPr>
-        <p:spPr>
-          <a:xfrm>
-            <a:off x="411903" y="2930371"/>
-            <a:ext cx="10127760" cy="369332"/>
-          </a:xfrm>
-          <a:prstGeom prst="rect">
-            <a:avLst/>
-          </a:prstGeom>
-        </p:spPr>
-        <p:txBody>
-          <a:bodyPr wrap="square">
-            <a:spAutoFit/>
-          </a:bodyPr>
-          <a:lstStyle/>
-          <a:p>
-            <a:r>
-              <a:rPr lang="en-US" dirty="0">
-                <a:solidFill>
-                  <a:srgbClr val="000000"/>
-                </a:solidFill>
-                <a:latin typeface="Consolas" panose="020B0609020204030204" pitchFamily="49" charset="0"/>
-              </a:rPr>
-              <a:t>Total Profit = </a:t>
-            </a:r>
-            <a:r>
-              <a:rPr lang="en-US" dirty="0">
-                <a:solidFill>
-                  <a:srgbClr val="3165BB"/>
-                </a:solidFill>
-                <a:latin typeface="Consolas" panose="020B0609020204030204" pitchFamily="49" charset="0"/>
-              </a:rPr>
-              <a:t>SUM</a:t>
-            </a:r>
-            <a:r>
-              <a:rPr lang="en-US" dirty="0">
-                <a:solidFill>
-                  <a:srgbClr val="000000"/>
-                </a:solidFill>
-                <a:latin typeface="Consolas" panose="020B0609020204030204" pitchFamily="49" charset="0"/>
-              </a:rPr>
-              <a:t>(</a:t>
-            </a:r>
-            <a:r>
-              <a:rPr lang="en-US" dirty="0" err="1">
-                <a:solidFill>
-                  <a:srgbClr val="001080"/>
-                </a:solidFill>
-                <a:latin typeface="Consolas" panose="020B0609020204030204" pitchFamily="49" charset="0"/>
-              </a:rPr>
-              <a:t>FactSales</a:t>
-            </a:r>
-            <a:r>
-              <a:rPr lang="en-US" dirty="0">
-                <a:solidFill>
-                  <a:srgbClr val="001080"/>
-                </a:solidFill>
-                <a:latin typeface="Consolas" panose="020B0609020204030204" pitchFamily="49" charset="0"/>
-              </a:rPr>
-              <a:t>[</a:t>
-            </a:r>
-            <a:r>
-              <a:rPr lang="en-US" dirty="0" err="1">
-                <a:solidFill>
-                  <a:srgbClr val="001080"/>
-                </a:solidFill>
-                <a:latin typeface="Consolas" panose="020B0609020204030204" pitchFamily="49" charset="0"/>
-              </a:rPr>
-              <a:t>SalesAmount</a:t>
-            </a:r>
-            <a:r>
-              <a:rPr lang="en-US" dirty="0">
-                <a:solidFill>
-                  <a:srgbClr val="001080"/>
-                </a:solidFill>
-                <a:latin typeface="Consolas" panose="020B0609020204030204" pitchFamily="49" charset="0"/>
-              </a:rPr>
-              <a:t>]</a:t>
-            </a:r>
-            <a:r>
-              <a:rPr lang="en-US" dirty="0">
-                <a:solidFill>
-                  <a:srgbClr val="000000"/>
-                </a:solidFill>
-                <a:latin typeface="Consolas" panose="020B0609020204030204" pitchFamily="49" charset="0"/>
-              </a:rPr>
-              <a:t>) -</a:t>
-            </a:r>
-            <a:r>
-              <a:rPr lang="en-US" dirty="0">
-                <a:solidFill>
-                  <a:srgbClr val="3165BB"/>
-                </a:solidFill>
-                <a:latin typeface="Consolas" panose="020B0609020204030204" pitchFamily="49" charset="0"/>
-              </a:rPr>
-              <a:t>SUM</a:t>
-            </a:r>
-            <a:r>
-              <a:rPr lang="en-US" dirty="0">
-                <a:solidFill>
-                  <a:srgbClr val="000000"/>
-                </a:solidFill>
-                <a:latin typeface="Consolas" panose="020B0609020204030204" pitchFamily="49" charset="0"/>
-              </a:rPr>
-              <a:t>(</a:t>
-            </a:r>
-            <a:r>
-              <a:rPr lang="en-US" dirty="0" err="1">
-                <a:solidFill>
-                  <a:srgbClr val="001080"/>
-                </a:solidFill>
-                <a:latin typeface="Consolas" panose="020B0609020204030204" pitchFamily="49" charset="0"/>
-              </a:rPr>
-              <a:t>FactSales</a:t>
-            </a:r>
-            <a:r>
-              <a:rPr lang="en-US" dirty="0">
-                <a:solidFill>
-                  <a:srgbClr val="001080"/>
-                </a:solidFill>
-                <a:latin typeface="Consolas" panose="020B0609020204030204" pitchFamily="49" charset="0"/>
-              </a:rPr>
-              <a:t>[</a:t>
-            </a:r>
-            <a:r>
-              <a:rPr lang="en-US" dirty="0" err="1">
-                <a:solidFill>
-                  <a:srgbClr val="001080"/>
-                </a:solidFill>
-                <a:latin typeface="Consolas" panose="020B0609020204030204" pitchFamily="49" charset="0"/>
-              </a:rPr>
-              <a:t>TotalCost</a:t>
-            </a:r>
-            <a:r>
-              <a:rPr lang="en-US" dirty="0">
-                <a:solidFill>
-                  <a:srgbClr val="001080"/>
-                </a:solidFill>
-                <a:latin typeface="Consolas" panose="020B0609020204030204" pitchFamily="49" charset="0"/>
-              </a:rPr>
-              <a:t>]</a:t>
-            </a:r>
-            <a:r>
-              <a:rPr lang="en-US" dirty="0">
-                <a:solidFill>
-                  <a:srgbClr val="000000"/>
-                </a:solidFill>
-                <a:latin typeface="Consolas" panose="020B0609020204030204" pitchFamily="49" charset="0"/>
-              </a:rPr>
-              <a:t>)</a:t>
-            </a:r>
-            <a:endParaRPr lang="en-US" b="0" dirty="0">
-              <a:solidFill>
-                <a:srgbClr val="000000"/>
-              </a:solidFill>
-              <a:effectLst/>
-              <a:latin typeface="Consolas" panose="020B0609020204030204" pitchFamily="49" charset="0"/>
-            </a:endParaRPr>
-          </a:p>
-        </p:txBody>
-      </p:sp>
-      <p:pic>
-        <p:nvPicPr>
-          <p:cNvPr id="10" name="Picture 9"/>
-          <p:cNvPicPr>
-            <a:picLocks noChangeAspect="1"/>
-          </p:cNvPicPr>
-          <p:nvPr/>
-        </p:nvPicPr>
-        <p:blipFill>
-          <a:blip r:embed="rId4"/>
-          <a:stretch>
-            <a:fillRect/>
-          </a:stretch>
-        </p:blipFill>
-        <p:spPr>
-          <a:xfrm>
-            <a:off x="411903" y="3363750"/>
-            <a:ext cx="3850533" cy="2523758"/>
-          </a:xfrm>
-          <a:prstGeom prst="rect">
-            <a:avLst/>
-          </a:prstGeom>
-        </p:spPr>
-      </p:pic>
-      <p:sp>
-        <p:nvSpPr>
           <p:cNvPr id="11" name="Rectangle 10"/>
           <p:cNvSpPr/>
           <p:nvPr/>
         </p:nvSpPr>
         <p:spPr>
           <a:xfrm>
-            <a:off x="411903" y="4380465"/>
-            <a:ext cx="3850533" cy="397042"/>
+            <a:off x="411903" y="4431241"/>
+            <a:ext cx="3850533" cy="346266"/>
           </a:xfrm>
           <a:prstGeom prst="rect">
             <a:avLst/>
@@ -4765,14 +4776,14 @@
       </p:sp>
       <p:sp>
         <p:nvSpPr>
-          <p:cNvPr id="12" name="Rectangle 11"/>
+          <p:cNvPr id="5" name="Rectangle 4"/>
           <p:cNvSpPr/>
           <p:nvPr/>
         </p:nvSpPr>
         <p:spPr>
           <a:xfrm>
-            <a:off x="411903" y="6053812"/>
-            <a:ext cx="11698003" cy="366895"/>
+            <a:off x="295024" y="756183"/>
+            <a:ext cx="9921505" cy="400110"/>
           </a:xfrm>
           <a:prstGeom prst="rect">
             <a:avLst/>
@@ -4784,41 +4795,290 @@
           </a:bodyPr>
           <a:lstStyle/>
           <a:p>
-            <a:pPr>
-              <a:lnSpc>
-                <a:spcPct val="107000"/>
-              </a:lnSpc>
-              <a:spcAft>
-                <a:spcPts val="800"/>
-              </a:spcAft>
-            </a:pPr>
-            <a:r>
-              <a:rPr lang="en-US" dirty="0" smtClean="0">
-                <a:latin typeface="Segoe UI" panose="020B0502040204020203" pitchFamily="34" charset="0"/>
-                <a:ea typeface="Calibri" panose="020F0502020204030204" pitchFamily="34" charset="0"/>
-                <a:cs typeface="Segoe UI" panose="020B0502040204020203" pitchFamily="34" charset="0"/>
-              </a:rPr>
-              <a:t>Note the use of </a:t>
-            </a:r>
-            <a:r>
-              <a:rPr lang="en-US" b="1" dirty="0" smtClean="0">
-                <a:latin typeface="Segoe UI" panose="020B0502040204020203" pitchFamily="34" charset="0"/>
-                <a:ea typeface="Calibri" panose="020F0502020204030204" pitchFamily="34" charset="0"/>
-                <a:cs typeface="Segoe UI" panose="020B0502040204020203" pitchFamily="34" charset="0"/>
-              </a:rPr>
+            <a:r xmlns:a="http://schemas.openxmlformats.org/drawingml/2006/main">
+              <a:rPr lang="en" sz="2000" b="1" dirty="0" err="1"/>
+              <a:t>TotalProfit </a:t>
+            </a:r>
+            <a:r xmlns:a="http://schemas.openxmlformats.org/drawingml/2006/main">
+              <a:rPr lang="en" sz="2000" dirty="0"/>
+              <a:t>measure at the </a:t>
+            </a:r>
+            <a:r xmlns:a="http://schemas.openxmlformats.org/drawingml/2006/main">
+              <a:rPr lang="en" sz="2000" b="1" dirty="0"/>
+              <a:t>FactSales </a:t>
+            </a:r>
+            <a:r xmlns:a="http://schemas.openxmlformats.org/drawingml/2006/main">
+              <a:rPr lang="en" sz="2000" dirty="0"/>
+              <a:t>table level </a:t>
+            </a:r>
+            <a:r xmlns:a="http://schemas.openxmlformats.org/drawingml/2006/main">
+              <a:rPr lang="en" sz="2000" dirty="0"/>
+              <a:t>that calculates total profit:</a:t>
+            </a:r>
+            <a:endParaRPr xmlns:a="http://schemas.openxmlformats.org/drawingml/2006/main" lang="en-US" sz="2000" dirty="0"/>
+          </a:p>
+        </p:txBody>
+      </p:sp>
+      <p:sp>
+        <p:nvSpPr>
+          <p:cNvPr id="6" name="Rectangle 5"/>
+          <p:cNvSpPr/>
+          <p:nvPr/>
+        </p:nvSpPr>
+        <p:spPr>
+          <a:xfrm>
+            <a:off x="295024" y="6165294"/>
+            <a:ext cx="9254611" cy="400110"/>
+          </a:xfrm>
+          <a:prstGeom prst="rect">
+            <a:avLst/>
+          </a:prstGeom>
+        </p:spPr>
+        <p:txBody>
+          <a:bodyPr wrap="square">
+            <a:spAutoFit/>
+          </a:bodyPr>
+          <a:lstStyle/>
+          <a:p>
+            <a:r xmlns:a="http://schemas.openxmlformats.org/drawingml/2006/main">
+              <a:rPr lang="en" sz="2000" dirty="0"/>
+              <a:t>Note </a:t>
+            </a:r>
+            <a:r xmlns:a="http://schemas.openxmlformats.org/drawingml/2006/main">
+              <a:rPr lang="en" sz="2000" dirty="0" smtClean="0"/>
+              <a:t>the difference in using the </a:t>
+            </a:r>
+            <a:r xmlns:a="http://schemas.openxmlformats.org/drawingml/2006/main">
+              <a:rPr lang="en" sz="2000" b="1" dirty="0" smtClean="0"/>
               <a:t>SUM </a:t>
             </a:r>
-            <a:r>
-              <a:rPr lang="en-US" dirty="0" smtClean="0">
-                <a:latin typeface="Segoe UI" panose="020B0502040204020203" pitchFamily="34" charset="0"/>
-                <a:ea typeface="Calibri" panose="020F0502020204030204" pitchFamily="34" charset="0"/>
-                <a:cs typeface="Segoe UI" panose="020B0502040204020203" pitchFamily="34" charset="0"/>
-              </a:rPr>
-              <a:t>function to aggregate data</a:t>
-            </a:r>
-            <a:endParaRPr lang="en-US" dirty="0">
-              <a:latin typeface="Segoe UI" panose="020B0502040204020203" pitchFamily="34" charset="0"/>
-              <a:cs typeface="Segoe UI" panose="020B0502040204020203" pitchFamily="34" charset="0"/>
+            <a:r xmlns:a="http://schemas.openxmlformats.org/drawingml/2006/main">
+              <a:rPr lang="en" sz="2000" dirty="0" smtClean="0"/>
+              <a:t>and </a:t>
+            </a:r>
+            <a:r xmlns:a="http://schemas.openxmlformats.org/drawingml/2006/main">
+              <a:rPr lang="en" sz="2000" b="1" dirty="0" smtClean="0"/>
+              <a:t>SUMX functions</a:t>
+            </a:r>
+            <a:r xmlns:a="http://schemas.openxmlformats.org/drawingml/2006/main">
+              <a:rPr lang="en" sz="2000" dirty="0" smtClean="0"/>
+              <a:t> </a:t>
+            </a:r>
+            <a:r xmlns:a="http://schemas.openxmlformats.org/drawingml/2006/main">
+              <a:rPr lang="en" sz="2000" dirty="0"/>
+              <a:t>to aggregate data.</a:t>
+            </a:r>
+            <a:endParaRPr xmlns:a="http://schemas.openxmlformats.org/drawingml/2006/main" lang="en-US" sz="2000" dirty="0"/>
+          </a:p>
+        </p:txBody>
+      </p:sp>
+      <p:sp>
+        <p:nvSpPr>
+          <p:cNvPr id="4" name="Rectangle 3"/>
+          <p:cNvSpPr/>
+          <p:nvPr/>
+        </p:nvSpPr>
+        <p:spPr>
+          <a:xfrm>
+            <a:off x="409274" y="2564776"/>
+            <a:ext cx="11512302" cy="646331"/>
+          </a:xfrm>
+          <a:prstGeom prst="rect">
+            <a:avLst/>
+          </a:prstGeom>
+        </p:spPr>
+        <p:txBody>
+          <a:bodyPr wrap="square">
+            <a:spAutoFit/>
+          </a:bodyPr>
+          <a:lstStyle/>
+          <a:p>
+            <a:r xmlns:a="http://schemas.openxmlformats.org/drawingml/2006/main">
+              <a:rPr lang="en" dirty="0">
+                <a:solidFill>
+                  <a:srgbClr val="000000"/>
+                </a:solidFill>
+                <a:latin typeface="Consolas" panose="020B0609020204030204" pitchFamily="49" charset="0"/>
+              </a:rPr>
+              <a:t>Total Profit = </a:t>
+            </a:r>
+            <a:r xmlns:a="http://schemas.openxmlformats.org/drawingml/2006/main">
+              <a:rPr lang="en" dirty="0">
+                <a:solidFill>
+                  <a:srgbClr val="3165BB"/>
+                </a:solidFill>
+                <a:latin typeface="Consolas" panose="020B0609020204030204" pitchFamily="49" charset="0"/>
+              </a:rPr>
+              <a:t>SUM </a:t>
+            </a:r>
+            <a:r xmlns:a="http://schemas.openxmlformats.org/drawingml/2006/main">
+              <a:rPr lang="en" dirty="0">
+                <a:solidFill>
+                  <a:srgbClr val="000000"/>
+                </a:solidFill>
+                <a:latin typeface="Consolas" panose="020B0609020204030204" pitchFamily="49" charset="0"/>
+              </a:rPr>
+              <a:t>( </a:t>
+            </a:r>
+            <a:r xmlns:a="http://schemas.openxmlformats.org/drawingml/2006/main">
+              <a:rPr lang="en" dirty="0">
+                <a:solidFill>
+                  <a:srgbClr val="001080"/>
+                </a:solidFill>
+                <a:latin typeface="Consolas" panose="020B0609020204030204" pitchFamily="49" charset="0"/>
+              </a:rPr>
+              <a:t>FactSales[ </a:t>
+            </a:r>
+            <a:r xmlns:a="http://schemas.openxmlformats.org/drawingml/2006/main">
+              <a:rPr lang="en" dirty="0" err="1">
+                <a:solidFill>
+                  <a:srgbClr val="001080"/>
+                </a:solidFill>
+                <a:latin typeface="Consolas" panose="020B0609020204030204" pitchFamily="49" charset="0"/>
+              </a:rPr>
+              <a:t>SalesAmount </a:t>
+            </a:r>
+            <a:r xmlns:a="http://schemas.openxmlformats.org/drawingml/2006/main">
+              <a:rPr lang="en" dirty="0">
+                <a:solidFill>
+                  <a:srgbClr val="001080"/>
+                </a:solidFill>
+                <a:latin typeface="Consolas" panose="020B0609020204030204" pitchFamily="49" charset="0"/>
+              </a:rPr>
+              <a:t>] </a:t>
+            </a:r>
+            <a:r xmlns:a="http://schemas.openxmlformats.org/drawingml/2006/main">
+              <a:rPr lang="en" dirty="0">
+                <a:solidFill>
+                  <a:srgbClr val="000000"/>
+                </a:solidFill>
+                <a:latin typeface="Consolas" panose="020B0609020204030204" pitchFamily="49" charset="0"/>
+              </a:rPr>
+              <a:t>) - </a:t>
+            </a:r>
+            <a:r xmlns:a="http://schemas.openxmlformats.org/drawingml/2006/main">
+              <a:rPr lang="en" dirty="0">
+                <a:solidFill>
+                  <a:srgbClr val="3165BB"/>
+                </a:solidFill>
+                <a:latin typeface="Consolas" panose="020B0609020204030204" pitchFamily="49" charset="0"/>
+              </a:rPr>
+              <a:t>SUMX </a:t>
+            </a:r>
+            <a:r xmlns:a="http://schemas.openxmlformats.org/drawingml/2006/main">
+              <a:rPr lang="en" dirty="0">
+                <a:solidFill>
+                  <a:srgbClr val="000000"/>
+                </a:solidFill>
+                <a:latin typeface="Consolas" panose="020B0609020204030204" pitchFamily="49" charset="0"/>
+              </a:rPr>
+              <a:t>( </a:t>
+            </a:r>
+            <a:r xmlns:a="http://schemas.openxmlformats.org/drawingml/2006/main">
+              <a:rPr lang="en" dirty="0" err="1">
+                <a:solidFill>
+                  <a:srgbClr val="001080"/>
+                </a:solidFill>
+                <a:latin typeface="Consolas" panose="020B0609020204030204" pitchFamily="49" charset="0"/>
+              </a:rPr>
+              <a:t>FactSales </a:t>
+            </a:r>
+            <a:r xmlns:a="http://schemas.openxmlformats.org/drawingml/2006/main">
+              <a:rPr lang="en" dirty="0" err="1">
+                <a:solidFill>
+                  <a:srgbClr val="000000"/>
+                </a:solidFill>
+                <a:latin typeface="Consolas" panose="020B0609020204030204" pitchFamily="49" charset="0"/>
+              </a:rPr>
+              <a:t>, </a:t>
+            </a:r>
+            <a:r xmlns:a="http://schemas.openxmlformats.org/drawingml/2006/main">
+              <a:rPr lang="en" dirty="0" err="1">
+                <a:solidFill>
+                  <a:srgbClr val="001080"/>
+                </a:solidFill>
+                <a:latin typeface="Consolas" panose="020B0609020204030204" pitchFamily="49" charset="0"/>
+              </a:rPr>
+              <a:t>FactSales </a:t>
+            </a:r>
+            <a:r xmlns:a="http://schemas.openxmlformats.org/drawingml/2006/main">
+              <a:rPr lang="en" dirty="0">
+                <a:solidFill>
+                  <a:srgbClr val="001080"/>
+                </a:solidFill>
+                <a:latin typeface="Consolas" panose="020B0609020204030204" pitchFamily="49" charset="0"/>
+              </a:rPr>
+              <a:t>[ </a:t>
+            </a:r>
+            <a:r xmlns:a="http://schemas.openxmlformats.org/drawingml/2006/main">
+              <a:rPr lang="en" dirty="0" err="1">
+                <a:solidFill>
+                  <a:srgbClr val="001080"/>
+                </a:solidFill>
+                <a:latin typeface="Consolas" panose="020B0609020204030204" pitchFamily="49" charset="0"/>
+              </a:rPr>
+              <a:t>SalesQuantity </a:t>
+            </a:r>
+            <a:r xmlns:a="http://schemas.openxmlformats.org/drawingml/2006/main">
+              <a:rPr lang="en" dirty="0">
+                <a:solidFill>
+                  <a:srgbClr val="001080"/>
+                </a:solidFill>
+                <a:latin typeface="Consolas" panose="020B0609020204030204" pitchFamily="49" charset="0"/>
+              </a:rPr>
+              <a:t>] </a:t>
+            </a:r>
+            <a:r xmlns:a="http://schemas.openxmlformats.org/drawingml/2006/main">
+              <a:rPr lang="en" dirty="0">
+                <a:solidFill>
+                  <a:srgbClr val="000000"/>
+                </a:solidFill>
+                <a:latin typeface="Consolas" panose="020B0609020204030204" pitchFamily="49" charset="0"/>
+              </a:rPr>
+              <a:t>* </a:t>
+            </a:r>
+            <a:r xmlns:a="http://schemas.openxmlformats.org/drawingml/2006/main">
+              <a:rPr lang="en" dirty="0">
+                <a:solidFill>
+                  <a:srgbClr val="001080"/>
+                </a:solidFill>
+                <a:latin typeface="Consolas" panose="020B0609020204030204" pitchFamily="49" charset="0"/>
+              </a:rPr>
+              <a:t>FactSales[ </a:t>
+            </a:r>
+            <a:r xmlns:a="http://schemas.openxmlformats.org/drawingml/2006/main">
+              <a:rPr lang="en" dirty="0" err="1">
+                <a:solidFill>
+                  <a:srgbClr val="001080"/>
+                </a:solidFill>
+                <a:latin typeface="Consolas" panose="020B0609020204030204" pitchFamily="49" charset="0"/>
+              </a:rPr>
+              <a:t>UnitCost </a:t>
+            </a:r>
+            <a:r xmlns:a="http://schemas.openxmlformats.org/drawingml/2006/main">
+              <a:rPr lang="en" dirty="0">
+                <a:solidFill>
+                  <a:srgbClr val="001080"/>
+                </a:solidFill>
+                <a:latin typeface="Consolas" panose="020B0609020204030204" pitchFamily="49" charset="0"/>
+              </a:rPr>
+              <a:t>] </a:t>
+            </a:r>
+            <a:r xmlns:a="http://schemas.openxmlformats.org/drawingml/2006/main">
+              <a:rPr lang="en" dirty="0">
+                <a:solidFill>
+                  <a:srgbClr val="000000"/>
+                </a:solidFill>
+                <a:latin typeface="Consolas" panose="020B0609020204030204" pitchFamily="49" charset="0"/>
+              </a:rPr>
+              <a:t>)</a:t>
+            </a:r>
+            <a:endParaRPr xmlns:a="http://schemas.openxmlformats.org/drawingml/2006/main" lang="en-US" b="0" dirty="0">
+              <a:solidFill>
+                <a:srgbClr val="000000"/>
+              </a:solidFill>
+              <a:effectLst/>
+              <a:latin typeface="Consolas" panose="020B0609020204030204" pitchFamily="49" charset="0"/>
             </a:endParaRPr>
           </a:p>
         </p:txBody>
@@ -4862,7 +5122,7 @@
         <p:spPr>
           <a:xfrm>
             <a:off x="237325" y="174503"/>
-            <a:ext cx="4754763" cy="461665"/>
+            <a:ext cx="4590103" cy="461665"/>
           </a:xfrm>
           <a:prstGeom prst="rect">
             <a:avLst/>
@@ -4875,212 +5135,44 @@
           </a:bodyPr>
           <a:lstStyle/>
           <a:p>
-            <a:r>
-              <a:rPr lang="en-US" sz="2400" dirty="0" smtClean="0">
-                <a:latin typeface="Segoe UI" panose="020B0502040204020203" pitchFamily="34" charset="0"/>
-                <a:cs typeface="Segoe UI" panose="020B0502040204020203" pitchFamily="34" charset="0"/>
-              </a:rPr>
-              <a:t>Measures and calculated columns</a:t>
-            </a:r>
-            <a:endParaRPr lang="en-US" sz="2400" dirty="0">
+            <a:r xmlns:a="http://schemas.openxmlformats.org/drawingml/2006/main">
+              <a:rPr lang="en" sz="2400" b="1" dirty="0" err="1" smtClean="0">
+                <a:latin typeface="Segoe UI" panose="020B0502040204020203" pitchFamily="34" charset="0"/>
+                <a:cs typeface="Segoe UI" panose="020B0502040204020203" pitchFamily="34" charset="0"/>
+              </a:rPr>
+              <a:t>Measures </a:t>
+            </a:r>
+            <a:r xmlns:a="http://schemas.openxmlformats.org/drawingml/2006/main">
+              <a:rPr lang="en" sz="2400" b="1" dirty="0" smtClean="0">
+                <a:latin typeface="Segoe UI" panose="020B0502040204020203" pitchFamily="34" charset="0"/>
+                <a:cs typeface="Segoe UI" panose="020B0502040204020203" pitchFamily="34" charset="0"/>
+              </a:rPr>
+              <a:t>and </a:t>
+            </a:r>
+            <a:r xmlns:a="http://schemas.openxmlformats.org/drawingml/2006/main">
+              <a:rPr lang="en" sz="2400" b="1" dirty="0" err="1" smtClean="0">
+                <a:latin typeface="Segoe UI" panose="020B0502040204020203" pitchFamily="34" charset="0"/>
+                <a:cs typeface="Segoe UI" panose="020B0502040204020203" pitchFamily="34" charset="0"/>
+              </a:rPr>
+              <a:t>columns</a:t>
+            </a:r>
+            <a:r xmlns:a="http://schemas.openxmlformats.org/drawingml/2006/main">
+              <a:rPr lang="en" sz="2400" b="1" dirty="0" smtClean="0">
+                <a:latin typeface="Segoe UI" panose="020B0502040204020203" pitchFamily="34" charset="0"/>
+                <a:cs typeface="Segoe UI" panose="020B0502040204020203" pitchFamily="34" charset="0"/>
+              </a:rPr>
+              <a:t>  </a:t>
+            </a:r>
+            <a:r xmlns:a="http://schemas.openxmlformats.org/drawingml/2006/main">
+              <a:rPr lang="en" sz="2400" b="1" dirty="0" err="1" smtClean="0">
+                <a:latin typeface="Segoe UI" panose="020B0502040204020203" pitchFamily="34" charset="0"/>
+                <a:cs typeface="Segoe UI" panose="020B0502040204020203" pitchFamily="34" charset="0"/>
+              </a:rPr>
+              <a:t>calculated</a:t>
+            </a:r>
+            <a:endParaRPr xmlns:a="http://schemas.openxmlformats.org/drawingml/2006/main" lang="en-US" sz="2400" b="1" dirty="0">
               <a:latin typeface="Segoe UI" panose="020B0502040204020203" pitchFamily="34" charset="0"/>
               <a:cs typeface="Segoe UI" panose="020B0502040204020203" pitchFamily="34" charset="0"/>
-            </a:endParaRPr>
-          </a:p>
-        </p:txBody>
-      </p:sp>
-      <p:sp>
-        <p:nvSpPr>
-          <p:cNvPr id="9" name="Rectangle 8"/>
-          <p:cNvSpPr/>
-          <p:nvPr/>
-        </p:nvSpPr>
-        <p:spPr>
-          <a:xfrm>
-            <a:off x="346680" y="908664"/>
-            <a:ext cx="7240745" cy="373692"/>
-          </a:xfrm>
-          <a:prstGeom prst="rect">
-            <a:avLst/>
-          </a:prstGeom>
-        </p:spPr>
-        <p:txBody>
-          <a:bodyPr wrap="square">
-            <a:spAutoFit/>
-          </a:bodyPr>
-          <a:lstStyle/>
-          <a:p>
-            <a:pPr lvl="0">
-              <a:lnSpc>
-                <a:spcPct val="107000"/>
-              </a:lnSpc>
-              <a:spcAft>
-                <a:spcPts val="800"/>
-              </a:spcAft>
-            </a:pPr>
-            <a:r>
-              <a:rPr lang="en-US" dirty="0" smtClean="0">
-                <a:latin typeface="Segoe UI" panose="020B0502040204020203" pitchFamily="34" charset="0"/>
-                <a:ea typeface="Calibri" panose="020F0502020204030204" pitchFamily="34" charset="0"/>
-                <a:cs typeface="Times New Roman" panose="02020603050405020304" pitchFamily="18" charset="0"/>
-              </a:rPr>
-              <a:t>Note that the measure only takes into account aggregations example</a:t>
-            </a:r>
-            <a:endParaRPr lang="en-US" sz="1400" dirty="0">
-              <a:effectLst/>
-              <a:latin typeface="Calibri" panose="020F0502020204030204" pitchFamily="34" charset="0"/>
-              <a:ea typeface="Calibri" panose="020F0502020204030204" pitchFamily="34" charset="0"/>
-              <a:cs typeface="Times New Roman" panose="02020603050405020304" pitchFamily="18" charset="0"/>
-            </a:endParaRPr>
-          </a:p>
-        </p:txBody>
-      </p:sp>
-      <p:sp>
-        <p:nvSpPr>
-          <p:cNvPr id="10" name="Rectangle 9"/>
-          <p:cNvSpPr/>
-          <p:nvPr/>
-        </p:nvSpPr>
-        <p:spPr>
-          <a:xfrm>
-            <a:off x="-90743" y="1360504"/>
-            <a:ext cx="9381325" cy="388696"/>
-          </a:xfrm>
-          <a:prstGeom prst="rect">
-            <a:avLst/>
-          </a:prstGeom>
-        </p:spPr>
-        <p:txBody>
-          <a:bodyPr wrap="square">
-            <a:spAutoFit/>
-          </a:bodyPr>
-          <a:lstStyle/>
-          <a:p>
-            <a:pPr marL="457200">
-              <a:lnSpc>
-                <a:spcPct val="107000"/>
-              </a:lnSpc>
-              <a:spcAft>
-                <a:spcPts val="800"/>
-              </a:spcAft>
-            </a:pPr>
-            <a:r>
-              <a:rPr lang="en-US" dirty="0">
-                <a:latin typeface="Segoe UI" panose="020B0502040204020203" pitchFamily="34" charset="0"/>
-                <a:ea typeface="Calibri" panose="020F0502020204030204" pitchFamily="34" charset="0"/>
-                <a:cs typeface="Times New Roman" panose="02020603050405020304" pitchFamily="18" charset="0"/>
-              </a:rPr>
-              <a:t>Profit Measure = </a:t>
-            </a:r>
-            <a:r>
-              <a:rPr lang="en-US" b="1" dirty="0">
-                <a:latin typeface="Segoe UI" panose="020B0502040204020203" pitchFamily="34" charset="0"/>
-                <a:ea typeface="Calibri" panose="020F0502020204030204" pitchFamily="34" charset="0"/>
-                <a:cs typeface="Times New Roman" panose="02020603050405020304" pitchFamily="18" charset="0"/>
-              </a:rPr>
-              <a:t>SUM( </a:t>
-            </a:r>
-            <a:r>
-              <a:rPr lang="en-US" dirty="0" err="1">
-                <a:latin typeface="Segoe UI" panose="020B0502040204020203" pitchFamily="34" charset="0"/>
-                <a:ea typeface="Calibri" panose="020F0502020204030204" pitchFamily="34" charset="0"/>
-                <a:cs typeface="Times New Roman" panose="02020603050405020304" pitchFamily="18" charset="0"/>
-              </a:rPr>
-              <a:t>FactSales</a:t>
-            </a:r>
-            <a:r>
-              <a:rPr lang="en-US" dirty="0">
-                <a:latin typeface="Segoe UI" panose="020B0502040204020203" pitchFamily="34" charset="0"/>
-                <a:ea typeface="Calibri" panose="020F0502020204030204" pitchFamily="34" charset="0"/>
-                <a:cs typeface="Times New Roman" panose="02020603050405020304" pitchFamily="18" charset="0"/>
-              </a:rPr>
-              <a:t> [ </a:t>
-            </a:r>
-            <a:r>
-              <a:rPr lang="en-US" dirty="0" err="1">
-                <a:latin typeface="Segoe UI" panose="020B0502040204020203" pitchFamily="34" charset="0"/>
-                <a:ea typeface="Calibri" panose="020F0502020204030204" pitchFamily="34" charset="0"/>
-                <a:cs typeface="Times New Roman" panose="02020603050405020304" pitchFamily="18" charset="0"/>
-              </a:rPr>
-              <a:t>SalesAmount</a:t>
-            </a:r>
-            <a:r>
-              <a:rPr lang="en-US" dirty="0">
-                <a:latin typeface="Segoe UI" panose="020B0502040204020203" pitchFamily="34" charset="0"/>
-                <a:ea typeface="Calibri" panose="020F0502020204030204" pitchFamily="34" charset="0"/>
-                <a:cs typeface="Times New Roman" panose="02020603050405020304" pitchFamily="18" charset="0"/>
-              </a:rPr>
-              <a:t> ] </a:t>
-            </a:r>
-            <a:r>
-              <a:rPr lang="en-US" b="1" dirty="0">
-                <a:latin typeface="Segoe UI" panose="020B0502040204020203" pitchFamily="34" charset="0"/>
-                <a:ea typeface="Calibri" panose="020F0502020204030204" pitchFamily="34" charset="0"/>
-                <a:cs typeface="Times New Roman" panose="02020603050405020304" pitchFamily="18" charset="0"/>
-              </a:rPr>
-              <a:t>) </a:t>
-            </a:r>
-            <a:r>
-              <a:rPr lang="en-US" dirty="0">
-                <a:latin typeface="Segoe UI" panose="020B0502040204020203" pitchFamily="34" charset="0"/>
-                <a:ea typeface="Calibri" panose="020F0502020204030204" pitchFamily="34" charset="0"/>
-                <a:cs typeface="Times New Roman" panose="02020603050405020304" pitchFamily="18" charset="0"/>
-              </a:rPr>
-              <a:t>- </a:t>
-            </a:r>
-            <a:r>
-              <a:rPr lang="en-US" b="1" dirty="0">
-                <a:latin typeface="Segoe UI" panose="020B0502040204020203" pitchFamily="34" charset="0"/>
-                <a:ea typeface="Calibri" panose="020F0502020204030204" pitchFamily="34" charset="0"/>
-                <a:cs typeface="Times New Roman" panose="02020603050405020304" pitchFamily="18" charset="0"/>
-              </a:rPr>
-              <a:t>SUM( </a:t>
-            </a:r>
-            <a:r>
-              <a:rPr lang="en-US" dirty="0" err="1">
-                <a:latin typeface="Segoe UI" panose="020B0502040204020203" pitchFamily="34" charset="0"/>
-                <a:ea typeface="Calibri" panose="020F0502020204030204" pitchFamily="34" charset="0"/>
-                <a:cs typeface="Times New Roman" panose="02020603050405020304" pitchFamily="18" charset="0"/>
-              </a:rPr>
-              <a:t>FactSales</a:t>
-            </a:r>
-            <a:r>
-              <a:rPr lang="en-US" dirty="0">
-                <a:latin typeface="Segoe UI" panose="020B0502040204020203" pitchFamily="34" charset="0"/>
-                <a:ea typeface="Calibri" panose="020F0502020204030204" pitchFamily="34" charset="0"/>
-                <a:cs typeface="Times New Roman" panose="02020603050405020304" pitchFamily="18" charset="0"/>
-              </a:rPr>
-              <a:t> [ </a:t>
-            </a:r>
-            <a:r>
-              <a:rPr lang="en-US" dirty="0" err="1">
-                <a:latin typeface="Segoe UI" panose="020B0502040204020203" pitchFamily="34" charset="0"/>
-                <a:ea typeface="Calibri" panose="020F0502020204030204" pitchFamily="34" charset="0"/>
-                <a:cs typeface="Times New Roman" panose="02020603050405020304" pitchFamily="18" charset="0"/>
-              </a:rPr>
-              <a:t>TotalCost</a:t>
-            </a:r>
-            <a:r>
-              <a:rPr lang="en-US" dirty="0">
-                <a:latin typeface="Segoe UI" panose="020B0502040204020203" pitchFamily="34" charset="0"/>
-                <a:ea typeface="Calibri" panose="020F0502020204030204" pitchFamily="34" charset="0"/>
-                <a:cs typeface="Times New Roman" panose="02020603050405020304" pitchFamily="18" charset="0"/>
-              </a:rPr>
-              <a:t> ] </a:t>
-            </a:r>
-            <a:r>
-              <a:rPr lang="en-US" b="1" dirty="0">
-                <a:latin typeface="Segoe UI" panose="020B0502040204020203" pitchFamily="34" charset="0"/>
-                <a:ea typeface="Calibri" panose="020F0502020204030204" pitchFamily="34" charset="0"/>
-                <a:cs typeface="Times New Roman" panose="02020603050405020304" pitchFamily="18" charset="0"/>
-              </a:rPr>
-              <a:t>)</a:t>
-            </a:r>
-            <a:endParaRPr lang="en-US" sz="1400" dirty="0">
-              <a:effectLst/>
-              <a:latin typeface="Calibri" panose="020F0502020204030204" pitchFamily="34" charset="0"/>
-              <a:ea typeface="Calibri" panose="020F0502020204030204" pitchFamily="34" charset="0"/>
-              <a:cs typeface="Times New Roman" panose="02020603050405020304" pitchFamily="18" charset="0"/>
             </a:endParaRPr>
           </a:p>
         </p:txBody>
@@ -5106,7 +5198,7 @@
         </p:blipFill>
         <p:spPr bwMode="auto">
           <a:xfrm>
-            <a:off x="552543" y="1955642"/>
+            <a:off x="552542" y="2148148"/>
             <a:ext cx="4124325" cy="4314825"/>
           </a:xfrm>
           <a:prstGeom prst="rect">
@@ -5124,6 +5216,213 @@
           </a:effectLst>
         </p:spPr>
       </p:pic>
+      <p:sp>
+        <p:nvSpPr>
+          <p:cNvPr id="3" name="Rectangle 2"/>
+          <p:cNvSpPr/>
+          <p:nvPr/>
+        </p:nvSpPr>
+        <p:spPr>
+          <a:xfrm>
+            <a:off x="356958" y="753952"/>
+            <a:ext cx="8639819" cy="400110"/>
+          </a:xfrm>
+          <a:prstGeom prst="rect">
+            <a:avLst/>
+          </a:prstGeom>
+        </p:spPr>
+        <p:txBody>
+          <a:bodyPr wrap="square">
+            <a:spAutoFit/>
+          </a:bodyPr>
+          <a:lstStyle/>
+          <a:p>
+            <a:r xmlns:a="http://schemas.openxmlformats.org/drawingml/2006/main">
+              <a:rPr lang="en" sz="2000" dirty="0"/>
+              <a:t>Note that the measure only takes into account aggregations. For example</a:t>
+            </a:r>
+            <a:endParaRPr xmlns:a="http://schemas.openxmlformats.org/drawingml/2006/main" lang="en-US" sz="2000" dirty="0"/>
+          </a:p>
+        </p:txBody>
+      </p:sp>
+      <p:sp>
+        <p:nvSpPr>
+          <p:cNvPr id="6" name="Rectangle 5"/>
+          <p:cNvSpPr/>
+          <p:nvPr/>
+        </p:nvSpPr>
+        <p:spPr>
+          <a:xfrm>
+            <a:off x="443650" y="1307088"/>
+            <a:ext cx="8652223" cy="646331"/>
+          </a:xfrm>
+          <a:prstGeom prst="rect">
+            <a:avLst/>
+          </a:prstGeom>
+        </p:spPr>
+        <p:txBody>
+          <a:bodyPr wrap="square">
+            <a:spAutoFit/>
+          </a:bodyPr>
+          <a:lstStyle/>
+          <a:p>
+            <a:r xmlns:a="http://schemas.openxmlformats.org/drawingml/2006/main">
+              <a:rPr lang="en" dirty="0">
+                <a:latin typeface="Consolas" panose="020B0609020204030204" pitchFamily="49" charset="0"/>
+              </a:rPr>
+              <a:t>Total Profit = </a:t>
+            </a:r>
+            <a:r xmlns:a="http://schemas.openxmlformats.org/drawingml/2006/main">
+              <a:rPr lang="en" b="1" dirty="0">
+                <a:latin typeface="Consolas" panose="020B0609020204030204" pitchFamily="49" charset="0"/>
+              </a:rPr>
+              <a:t>SUM </a:t>
+            </a:r>
+            <a:r xmlns:a="http://schemas.openxmlformats.org/drawingml/2006/main">
+              <a:rPr lang="en" dirty="0">
+                <a:latin typeface="Consolas" panose="020B0609020204030204" pitchFamily="49" charset="0"/>
+              </a:rPr>
+              <a:t>(FactSales[ </a:t>
+            </a:r>
+            <a:r xmlns:a="http://schemas.openxmlformats.org/drawingml/2006/main">
+              <a:rPr lang="en" dirty="0" err="1">
+                <a:latin typeface="Consolas" panose="020B0609020204030204" pitchFamily="49" charset="0"/>
+              </a:rPr>
+              <a:t>SalesAmount </a:t>
+            </a:r>
+            <a:r xmlns:a="http://schemas.openxmlformats.org/drawingml/2006/main">
+              <a:rPr lang="en" dirty="0">
+                <a:latin typeface="Consolas" panose="020B0609020204030204" pitchFamily="49" charset="0"/>
+              </a:rPr>
+              <a:t>]) - </a:t>
+            </a:r>
+            <a:r xmlns:a="http://schemas.openxmlformats.org/drawingml/2006/main">
+              <a:rPr lang="en" b="1" dirty="0">
+                <a:latin typeface="Consolas" panose="020B0609020204030204" pitchFamily="49" charset="0"/>
+              </a:rPr>
+              <a:t>SUMX </a:t>
+            </a:r>
+            <a:r xmlns:a="http://schemas.openxmlformats.org/drawingml/2006/main">
+              <a:rPr lang="en" dirty="0">
+                <a:latin typeface="Consolas" panose="020B0609020204030204" pitchFamily="49" charset="0"/>
+              </a:rPr>
+              <a:t>( </a:t>
+            </a:r>
+            <a:r xmlns:a="http://schemas.openxmlformats.org/drawingml/2006/main">
+              <a:rPr lang="en" dirty="0" err="1">
+                <a:latin typeface="Consolas" panose="020B0609020204030204" pitchFamily="49" charset="0"/>
+              </a:rPr>
+              <a:t>FactSales,FactSales </a:t>
+            </a:r>
+            <a:r xmlns:a="http://schemas.openxmlformats.org/drawingml/2006/main">
+              <a:rPr lang="en" dirty="0">
+                <a:latin typeface="Consolas" panose="020B0609020204030204" pitchFamily="49" charset="0"/>
+              </a:rPr>
+              <a:t>[ </a:t>
+            </a:r>
+            <a:r xmlns:a="http://schemas.openxmlformats.org/drawingml/2006/main">
+              <a:rPr lang="en" dirty="0" err="1">
+                <a:latin typeface="Consolas" panose="020B0609020204030204" pitchFamily="49" charset="0"/>
+              </a:rPr>
+              <a:t>SalesQuantity </a:t>
+            </a:r>
+            <a:r xmlns:a="http://schemas.openxmlformats.org/drawingml/2006/main">
+              <a:rPr lang="en" dirty="0">
+                <a:latin typeface="Consolas" panose="020B0609020204030204" pitchFamily="49" charset="0"/>
+              </a:rPr>
+              <a:t>]*FactSales[ </a:t>
+            </a:r>
+            <a:r xmlns:a="http://schemas.openxmlformats.org/drawingml/2006/main">
+              <a:rPr lang="en" dirty="0" err="1">
+                <a:latin typeface="Consolas" panose="020B0609020204030204" pitchFamily="49" charset="0"/>
+              </a:rPr>
+              <a:t>UnitCost </a:t>
+            </a:r>
+            <a:r xmlns:a="http://schemas.openxmlformats.org/drawingml/2006/main">
+              <a:rPr lang="en" dirty="0">
+                <a:latin typeface="Consolas" panose="020B0609020204030204" pitchFamily="49" charset="0"/>
+              </a:rPr>
+              <a:t>])</a:t>
+            </a:r>
+            <a:endParaRPr xmlns:a="http://schemas.openxmlformats.org/drawingml/2006/main" lang="en-US" b="0" dirty="0">
+              <a:effectLst/>
+              <a:latin typeface="Consolas" panose="020B0609020204030204" pitchFamily="49" charset="0"/>
+            </a:endParaRPr>
+          </a:p>
+        </p:txBody>
+      </p:sp>
+      <p:cxnSp>
+        <p:nvCxnSpPr>
+          <p:cNvPr id="5" name="Straight Arrow Connector 4"/>
+          <p:cNvCxnSpPr/>
+          <p:nvPr/>
+        </p:nvCxnSpPr>
+        <p:spPr>
+          <a:xfrm>
+            <a:off x="2614704" y="1154062"/>
+            <a:ext cx="0" cy="234559"/>
+          </a:xfrm>
+          <a:prstGeom prst="straightConnector1">
+            <a:avLst/>
+          </a:prstGeom>
+          <a:ln w="38100">
+            <a:solidFill>
+              <a:srgbClr val="FF0000"/>
+            </a:solidFill>
+            <a:tailEnd type="triangle"/>
+          </a:ln>
+        </p:spPr>
+        <p:style>
+          <a:lnRef idx="3">
+            <a:schemeClr val="accent2"/>
+          </a:lnRef>
+          <a:fillRef idx="0">
+            <a:schemeClr val="accent2"/>
+          </a:fillRef>
+          <a:effectRef idx="2">
+            <a:schemeClr val="accent2"/>
+          </a:effectRef>
+          <a:fontRef idx="minor">
+            <a:schemeClr val="tx1"/>
+          </a:fontRef>
+        </p:style>
+      </p:cxnSp>
+      <p:cxnSp>
+        <p:nvCxnSpPr>
+          <p:cNvPr id="9" name="Straight Arrow Connector 8"/>
+          <p:cNvCxnSpPr/>
+          <p:nvPr/>
+        </p:nvCxnSpPr>
+        <p:spPr>
+          <a:xfrm>
+            <a:off x="732048" y="1486050"/>
+            <a:ext cx="0" cy="234559"/>
+          </a:xfrm>
+          <a:prstGeom prst="straightConnector1">
+            <a:avLst/>
+          </a:prstGeom>
+          <a:ln w="38100">
+            <a:solidFill>
+              <a:srgbClr val="FF0000"/>
+            </a:solidFill>
+            <a:tailEnd type="triangle"/>
+          </a:ln>
+        </p:spPr>
+        <p:style>
+          <a:lnRef idx="3">
+            <a:schemeClr val="accent2"/>
+          </a:lnRef>
+          <a:fillRef idx="0">
+            <a:schemeClr val="accent2"/>
+          </a:fillRef>
+          <a:effectRef idx="2">
+            <a:schemeClr val="accent2"/>
+          </a:effectRef>
+          <a:fontRef idx="minor">
+            <a:schemeClr val="tx1"/>
+          </a:fontRef>
+        </p:style>
+      </p:cxnSp>
     </p:spTree>
     <p:extLst>
       <p:ext uri="{BB962C8B-B14F-4D97-AF65-F5344CB8AC3E}">
@@ -5163,7 +5462,7 @@
         <p:spPr>
           <a:xfrm>
             <a:off x="237325" y="174503"/>
-            <a:ext cx="4754763" cy="461665"/>
+            <a:ext cx="4590103" cy="461665"/>
           </a:xfrm>
           <a:prstGeom prst="rect">
             <a:avLst/>
@@ -5176,14 +5475,42 @@
           </a:bodyPr>
           <a:lstStyle/>
           <a:p>
-            <a:r>
-              <a:rPr lang="en-US" sz="2400" dirty="0" smtClean="0">
-                <a:latin typeface="Segoe UI" panose="020B0502040204020203" pitchFamily="34" charset="0"/>
-                <a:cs typeface="Segoe UI" panose="020B0502040204020203" pitchFamily="34" charset="0"/>
-              </a:rPr>
-              <a:t>Measures and calculated columns</a:t>
-            </a:r>
-            <a:endParaRPr lang="en-US" sz="2400" dirty="0">
+            <a:r xmlns:a="http://schemas.openxmlformats.org/drawingml/2006/main">
+              <a:rPr lang="en" sz="2400" b="1" dirty="0" err="1" smtClean="0">
+                <a:latin typeface="Segoe UI" panose="020B0502040204020203" pitchFamily="34" charset="0"/>
+                <a:cs typeface="Segoe UI" panose="020B0502040204020203" pitchFamily="34" charset="0"/>
+              </a:rPr>
+              <a:t>Measures </a:t>
+            </a:r>
+            <a:r xmlns:a="http://schemas.openxmlformats.org/drawingml/2006/main">
+              <a:rPr lang="en" sz="2400" b="1" dirty="0" smtClean="0">
+                <a:latin typeface="Segoe UI" panose="020B0502040204020203" pitchFamily="34" charset="0"/>
+                <a:cs typeface="Segoe UI" panose="020B0502040204020203" pitchFamily="34" charset="0"/>
+              </a:rPr>
+              <a:t>and </a:t>
+            </a:r>
+            <a:r xmlns:a="http://schemas.openxmlformats.org/drawingml/2006/main">
+              <a:rPr lang="en" sz="2400" b="1" dirty="0" err="1" smtClean="0">
+                <a:latin typeface="Segoe UI" panose="020B0502040204020203" pitchFamily="34" charset="0"/>
+                <a:cs typeface="Segoe UI" panose="020B0502040204020203" pitchFamily="34" charset="0"/>
+              </a:rPr>
+              <a:t>columns</a:t>
+            </a:r>
+            <a:r xmlns:a="http://schemas.openxmlformats.org/drawingml/2006/main">
+              <a:rPr lang="en" sz="2400" b="1" dirty="0" smtClean="0">
+                <a:latin typeface="Segoe UI" panose="020B0502040204020203" pitchFamily="34" charset="0"/>
+                <a:cs typeface="Segoe UI" panose="020B0502040204020203" pitchFamily="34" charset="0"/>
+              </a:rPr>
+              <a:t>  </a:t>
+            </a:r>
+            <a:r xmlns:a="http://schemas.openxmlformats.org/drawingml/2006/main">
+              <a:rPr lang="en" sz="2400" b="1" dirty="0" err="1" smtClean="0">
+                <a:latin typeface="Segoe UI" panose="020B0502040204020203" pitchFamily="34" charset="0"/>
+                <a:cs typeface="Segoe UI" panose="020B0502040204020203" pitchFamily="34" charset="0"/>
+              </a:rPr>
+              <a:t>calculated</a:t>
+            </a:r>
+            <a:endParaRPr xmlns:a="http://schemas.openxmlformats.org/drawingml/2006/main" lang="en-US" sz="2400" b="1" dirty="0">
               <a:latin typeface="Segoe UI" panose="020B0502040204020203" pitchFamily="34" charset="0"/>
               <a:cs typeface="Segoe UI" panose="020B0502040204020203" pitchFamily="34" charset="0"/>
             </a:endParaRPr>
@@ -5192,223 +5519,376 @@
       </p:sp>
       <p:sp>
         <p:nvSpPr>
-          <p:cNvPr id="3" name="Rectangle 2"/>
-          <p:cNvSpPr/>
+          <p:cNvPr id="6" name="Rectangle 1"/>
+          <p:cNvSpPr>
+            <a:spLocks noChangeArrowheads="1"/>
+          </p:cNvSpPr>
           <p:nvPr/>
         </p:nvSpPr>
-        <p:spPr>
-          <a:xfrm>
-            <a:off x="237325" y="810941"/>
-            <a:ext cx="10902999" cy="373692"/>
+        <p:spPr bwMode="auto">
+          <a:xfrm>
+            <a:off x="237324" y="746359"/>
+            <a:ext cx="10706905" cy="369332"/>
           </a:xfrm>
           <a:prstGeom prst="rect">
             <a:avLst/>
           </a:prstGeom>
-        </p:spPr>
-        <p:txBody>
-          <a:bodyPr wrap="square">
+          <a:noFill/>
+          <a:ln>
+            <a:noFill/>
+          </a:ln>
+          <a:effectLst/>
+          <a:extLst>
+            <a:ext uri="{909E8E84-426E-40DD-AFC4-6F175D3DCCD1}">
+              <a14:hiddenFill xmlns:a14="http://schemas.microsoft.com/office/drawing/2010/main">
+                <a:solidFill>
+                  <a:schemeClr val="accent1"/>
+                </a:solidFill>
+              </a14:hiddenFill>
+            </a:ext>
+            <a:ext uri="{91240B29-F687-4F45-9708-019B960494DF}">
+              <a14:hiddenLine xmlns:a14="http://schemas.microsoft.com/office/drawing/2010/main" w="9525">
+                <a:solidFill>
+                  <a:schemeClr val="tx1"/>
+                </a:solidFill>
+                <a:miter lim="800000"/>
+                <a:headEnd/>
+                <a:tailEnd/>
+              </a14:hiddenLine>
+            </a:ext>
+            <a:ext uri="{AF507438-7753-43E0-B8FC-AC1667EBCBE1}">
+              <a14:hiddenEffects xmlns:a14="http://schemas.microsoft.com/office/drawing/2010/main">
+                <a:effectLst>
+                  <a:outerShdw dist="35921" dir="2700000" algn="ctr" rotWithShape="0">
+                    <a:schemeClr val="bg2"/>
+                  </a:outerShdw>
+                </a:effectLst>
+              </a14:hiddenEffects>
+            </a:ext>
+          </a:extLst>
+        </p:spPr>
+        <p:txBody>
+          <a:bodyPr vert="horz" wrap="none" lIns="91440" tIns="45720" rIns="91440" bIns="45720" numCol="1" anchor="ctr" anchorCtr="0" compatLnSpc="1">
+            <a:prstTxWarp prst="textNoShape">
+              <a:avLst/>
+            </a:prstTxWarp>
             <a:spAutoFit/>
           </a:bodyPr>
           <a:lstStyle/>
           <a:p>
-            <a:pPr lvl="0">
+            <a:pPr xmlns:a="http://schemas.openxmlformats.org/drawingml/2006/main" marL="0" marR="0" lvl="0" indent="0" algn="l" defTabSz="914400" rtl="0" eaLnBrk="0" fontAlgn="base" latinLnBrk="0" hangingPunct="0">
               <a:lnSpc>
-                <a:spcPct val="107000"/>
+                <a:spcPct val="100000"/>
               </a:lnSpc>
+              <a:spcBef>
+                <a:spcPct val="0"/>
+              </a:spcBef>
               <a:spcAft>
-                <a:spcPts val="800"/>
+                <a:spcPct val="0"/>
               </a:spcAft>
+              <a:buClrTx/>
+              <a:buSzTx/>
+              <a:buFontTx/>
+              <a:buNone/>
+              <a:tabLst/>
             </a:pPr>
-            <a:r>
-              <a:rPr lang="en-US" dirty="0" smtClean="0">
-                <a:latin typeface="Segoe UI" panose="020B0502040204020203" pitchFamily="34" charset="0"/>
-                <a:ea typeface="Calibri" panose="020F0502020204030204" pitchFamily="34" charset="0"/>
-                <a:cs typeface="Times New Roman" panose="02020603050405020304" pitchFamily="18" charset="0"/>
+            <a:r xmlns:a="http://schemas.openxmlformats.org/drawingml/2006/main">
+              <a:rPr kumimoji="0" lang="en" altLang="en-US" b="0" i="0" u="none" strike="noStrike" cap="none" normalizeH="0" baseline="0" dirty="0" smtClean="0">
+                <a:ln>
+                  <a:noFill/>
+                </a:ln>
+                <a:solidFill>
+                  <a:schemeClr val="tx1"/>
+                </a:solidFill>
+                <a:effectLst/>
+                <a:latin typeface="Segoe UI" panose="020B0502040204020203" pitchFamily="34" charset="0"/>
+                <a:cs typeface="Segoe UI" panose="020B0502040204020203" pitchFamily="34" charset="0"/>
               </a:rPr>
               <a:t>Note that the measure does not appear as a calculated column because the scope differs in the two cases.</a:t>
             </a:r>
-            <a:endParaRPr lang="en-US" sz="1400" dirty="0">
+            <a:endParaRPr xmlns:a="http://schemas.openxmlformats.org/drawingml/2006/main" kumimoji="0" lang="fr-FR" altLang="en-US" b="0" i="0" u="none" strike="noStrike" cap="none" normalizeH="0" baseline="0" dirty="0" smtClean="0">
+              <a:ln>
+                <a:noFill/>
+              </a:ln>
+              <a:solidFill>
+                <a:schemeClr val="tx1"/>
+              </a:solidFill>
               <a:effectLst/>
-              <a:latin typeface="Calibri" panose="020F0502020204030204" pitchFamily="34" charset="0"/>
-              <a:ea typeface="Calibri" panose="020F0502020204030204" pitchFamily="34" charset="0"/>
-              <a:cs typeface="Times New Roman" panose="02020603050405020304" pitchFamily="18" charset="0"/>
+              <a:latin typeface="Segoe UI" panose="020B0502040204020203" pitchFamily="34" charset="0"/>
+              <a:cs typeface="Segoe UI" panose="020B0502040204020203" pitchFamily="34" charset="0"/>
             </a:endParaRPr>
           </a:p>
         </p:txBody>
       </p:sp>
       <p:sp>
         <p:nvSpPr>
-          <p:cNvPr id="5" name="Rectangle 4"/>
-          <p:cNvSpPr/>
+          <p:cNvPr id="9" name="Rectangle 1"/>
+          <p:cNvSpPr>
+            <a:spLocks noChangeArrowheads="1"/>
+          </p:cNvSpPr>
           <p:nvPr/>
         </p:nvSpPr>
-        <p:spPr>
-          <a:xfrm>
-            <a:off x="237325" y="1184633"/>
-            <a:ext cx="11484678" cy="685059"/>
+        <p:spPr bwMode="auto">
+          <a:xfrm>
+            <a:off x="237323" y="1225882"/>
+            <a:ext cx="10804229" cy="369332"/>
           </a:xfrm>
           <a:prstGeom prst="rect">
             <a:avLst/>
           </a:prstGeom>
-        </p:spPr>
-        <p:txBody>
-          <a:bodyPr wrap="square">
+          <a:noFill/>
+          <a:ln>
+            <a:noFill/>
+          </a:ln>
+          <a:effectLst/>
+          <a:extLst>
+            <a:ext uri="{909E8E84-426E-40DD-AFC4-6F175D3DCCD1}">
+              <a14:hiddenFill xmlns:a14="http://schemas.microsoft.com/office/drawing/2010/main">
+                <a:solidFill>
+                  <a:schemeClr val="accent1"/>
+                </a:solidFill>
+              </a14:hiddenFill>
+            </a:ext>
+            <a:ext uri="{91240B29-F687-4F45-9708-019B960494DF}">
+              <a14:hiddenLine xmlns:a14="http://schemas.microsoft.com/office/drawing/2010/main" w="9525">
+                <a:solidFill>
+                  <a:schemeClr val="tx1"/>
+                </a:solidFill>
+                <a:miter lim="800000"/>
+                <a:headEnd/>
+                <a:tailEnd/>
+              </a14:hiddenLine>
+            </a:ext>
+            <a:ext uri="{AF507438-7753-43E0-B8FC-AC1667EBCBE1}">
+              <a14:hiddenEffects xmlns:a14="http://schemas.microsoft.com/office/drawing/2010/main">
+                <a:effectLst>
+                  <a:outerShdw dist="35921" dir="2700000" algn="ctr" rotWithShape="0">
+                    <a:schemeClr val="bg2"/>
+                  </a:outerShdw>
+                </a:effectLst>
+              </a14:hiddenEffects>
+            </a:ext>
+          </a:extLst>
+        </p:spPr>
+        <p:txBody>
+          <a:bodyPr vert="horz" wrap="square" lIns="91440" tIns="45720" rIns="91440" bIns="45720" numCol="1" anchor="ctr" anchorCtr="0" compatLnSpc="1">
+            <a:prstTxWarp prst="textNoShape">
+              <a:avLst/>
+            </a:prstTxWarp>
             <a:spAutoFit/>
           </a:bodyPr>
           <a:lstStyle/>
           <a:p>
-            <a:pPr lvl="0">
-              <a:lnSpc>
-                <a:spcPct val="107000"/>
-              </a:lnSpc>
+            <a:pPr xmlns:a="http://schemas.openxmlformats.org/drawingml/2006/main" lvl="0" eaLnBrk="0" fontAlgn="base" hangingPunct="0">
+              <a:spcBef>
+                <a:spcPct val="0"/>
+              </a:spcBef>
               <a:spcAft>
-                <a:spcPts val="800"/>
+                <a:spcPct val="0"/>
               </a:spcAft>
             </a:pPr>
-            <a:r>
-              <a:rPr lang="en-US" dirty="0" smtClean="0">
-                <a:latin typeface="Segoe UI" panose="020B0502040204020203" pitchFamily="34" charset="0"/>
-                <a:ea typeface="Calibri" panose="020F0502020204030204" pitchFamily="34" charset="0"/>
-                <a:cs typeface="Times New Roman" panose="02020603050405020304" pitchFamily="18" charset="0"/>
-              </a:rPr>
-              <a:t>Go back to the scene add a </a:t>
-            </a:r>
-            <a:r>
-              <a:rPr lang="en-US" b="1" dirty="0" smtClean="0">
-                <a:latin typeface="Segoe UI" panose="020B0502040204020203" pitchFamily="34" charset="0"/>
-                <a:ea typeface="Calibri" panose="020F0502020204030204" pitchFamily="34" charset="0"/>
-                <a:cs typeface="Times New Roman" panose="02020603050405020304" pitchFamily="18" charset="0"/>
-              </a:rPr>
-              <a:t>Table visualization </a:t>
-            </a:r>
-            <a:r>
-              <a:rPr lang="en-US" dirty="0" smtClean="0">
-                <a:latin typeface="Segoe UI" panose="020B0502040204020203" pitchFamily="34" charset="0"/>
-                <a:ea typeface="Calibri" panose="020F0502020204030204" pitchFamily="34" charset="0"/>
-                <a:cs typeface="Times New Roman" panose="02020603050405020304" pitchFamily="18" charset="0"/>
-              </a:rPr>
-              <a:t>and add </a:t>
-            </a:r>
-            <a:r>
-              <a:rPr lang="en-US" b="1" dirty="0" smtClean="0">
-                <a:latin typeface="Segoe UI" panose="020B0502040204020203" pitchFamily="34" charset="0"/>
-                <a:ea typeface="Calibri" panose="020F0502020204030204" pitchFamily="34" charset="0"/>
-                <a:cs typeface="Times New Roman" panose="02020603050405020304" pitchFamily="18" charset="0"/>
-              </a:rPr>
-              <a:t>Year </a:t>
-            </a:r>
-            <a:r>
-              <a:rPr lang="en-US" dirty="0" smtClean="0">
-                <a:latin typeface="Segoe UI" panose="020B0502040204020203" pitchFamily="34" charset="0"/>
-                <a:ea typeface="Calibri" panose="020F0502020204030204" pitchFamily="34" charset="0"/>
-                <a:cs typeface="Times New Roman" panose="02020603050405020304" pitchFamily="18" charset="0"/>
+            <a:r xmlns:a="http://schemas.openxmlformats.org/drawingml/2006/main">
+              <a:rPr lang="en" altLang="en-US" dirty="0" smtClean="0">
+                <a:latin typeface="Segoe UI" panose="020B0502040204020203" pitchFamily="34" charset="0"/>
+                <a:cs typeface="Segoe UI" panose="020B0502040204020203" pitchFamily="34" charset="0"/>
+              </a:rPr>
+              <a:t>Add the </a:t>
+            </a:r>
+            <a:r xmlns:a="http://schemas.openxmlformats.org/drawingml/2006/main">
+              <a:rPr lang="en" altLang="en-US" b="1" dirty="0" err="1" smtClean="0">
+                <a:latin typeface="Segoe UI" panose="020B0502040204020203" pitchFamily="34" charset="0"/>
+                <a:cs typeface="Segoe UI" panose="020B0502040204020203" pitchFamily="34" charset="0"/>
+              </a:rPr>
+              <a:t>DimDate dimension</a:t>
+            </a:r>
+            <a:r xmlns:a="http://schemas.openxmlformats.org/drawingml/2006/main">
+              <a:rPr lang="en" altLang="en-US" b="1" dirty="0" smtClean="0">
+                <a:latin typeface="Segoe UI" panose="020B0502040204020203" pitchFamily="34" charset="0"/>
+                <a:cs typeface="Segoe UI" panose="020B0502040204020203" pitchFamily="34" charset="0"/>
+              </a:rPr>
+              <a:t> from the </a:t>
+            </a:r>
+            <a:r xmlns:a="http://schemas.openxmlformats.org/drawingml/2006/main">
+              <a:rPr lang="en" altLang="en-US" b="1" dirty="0" smtClean="0">
+                <a:latin typeface="Segoe UI" panose="020B0502040204020203" pitchFamily="34" charset="0"/>
+                <a:cs typeface="Segoe UI" panose="020B0502040204020203" pitchFamily="34" charset="0"/>
+              </a:rPr>
+              <a:t>DimDate.csv </a:t>
+            </a:r>
+            <a:r xmlns:a="http://schemas.openxmlformats.org/drawingml/2006/main">
+              <a:rPr lang="en" altLang="en-US" dirty="0" smtClean="0">
+                <a:latin typeface="Segoe UI" panose="020B0502040204020203" pitchFamily="34" charset="0"/>
+                <a:cs typeface="Segoe UI" panose="020B0502040204020203" pitchFamily="34" charset="0"/>
+              </a:rPr>
+              <a:t>file </a:t>
+            </a:r>
+            <a:r xmlns:a="http://schemas.openxmlformats.org/drawingml/2006/main">
+              <a:rPr lang="en" altLang="en-US" dirty="0" smtClean="0">
+                <a:latin typeface="Segoe UI" panose="020B0502040204020203" pitchFamily="34" charset="0"/>
+                <a:cs typeface="Segoe UI" panose="020B0502040204020203" pitchFamily="34" charset="0"/>
+              </a:rPr>
+              <a:t>and check the relationship between </a:t>
+            </a:r>
+            <a:r xmlns:a="http://schemas.openxmlformats.org/drawingml/2006/main">
+              <a:rPr lang="en" altLang="en-US" b="1" dirty="0" err="1" smtClean="0">
+                <a:latin typeface="Segoe UI" panose="020B0502040204020203" pitchFamily="34" charset="0"/>
+                <a:cs typeface="Segoe UI" panose="020B0502040204020203" pitchFamily="34" charset="0"/>
+              </a:rPr>
+              <a:t>DimDate</a:t>
+            </a:r>
+            <a:r xmlns:a="http://schemas.openxmlformats.org/drawingml/2006/main">
+              <a:rPr lang="en" altLang="en-US" b="1" dirty="0" smtClean="0">
+                <a:latin typeface="Segoe UI" panose="020B0502040204020203" pitchFamily="34" charset="0"/>
+                <a:cs typeface="Segoe UI" panose="020B0502040204020203" pitchFamily="34" charset="0"/>
+              </a:rPr>
+              <a:t> </a:t>
+            </a:r>
+            <a:r xmlns:a="http://schemas.openxmlformats.org/drawingml/2006/main">
+              <a:rPr lang="en" altLang="en-US" dirty="0" smtClean="0">
+                <a:latin typeface="Segoe UI" panose="020B0502040204020203" pitchFamily="34" charset="0"/>
+                <a:cs typeface="Segoe UI" panose="020B0502040204020203" pitchFamily="34" charset="0"/>
               </a:rPr>
               <a:t>and </a:t>
             </a:r>
-            <a:r>
-              <a:rPr lang="en-US" b="1" dirty="0" err="1" smtClean="0">
-                <a:latin typeface="Segoe UI" panose="020B0502040204020203" pitchFamily="34" charset="0"/>
-                <a:ea typeface="Calibri" panose="020F0502020204030204" pitchFamily="34" charset="0"/>
-                <a:cs typeface="Times New Roman" panose="02020603050405020304" pitchFamily="18" charset="0"/>
-              </a:rPr>
-              <a:t>MonthName</a:t>
-            </a:r>
-            <a:r>
-              <a:rPr lang="en-US" b="1" dirty="0" smtClean="0">
-                <a:latin typeface="Segoe UI" panose="020B0502040204020203" pitchFamily="34" charset="0"/>
-                <a:ea typeface="Calibri" panose="020F0502020204030204" pitchFamily="34" charset="0"/>
-                <a:cs typeface="Times New Roman" panose="02020603050405020304" pitchFamily="18" charset="0"/>
-              </a:rPr>
-              <a:t> respectively </a:t>
-            </a:r>
-            <a:r>
-              <a:rPr lang="en-US" dirty="0" smtClean="0">
-                <a:latin typeface="Segoe UI" panose="020B0502040204020203" pitchFamily="34" charset="0"/>
-                <a:ea typeface="Calibri" panose="020F0502020204030204" pitchFamily="34" charset="0"/>
-                <a:cs typeface="Times New Roman" panose="02020603050405020304" pitchFamily="18" charset="0"/>
-              </a:rPr>
-              <a:t>as well as </a:t>
-            </a:r>
-            <a:r>
-              <a:rPr lang="en-US" b="1" dirty="0" smtClean="0">
-                <a:latin typeface="Segoe UI" panose="020B0502040204020203" pitchFamily="34" charset="0"/>
-                <a:ea typeface="Calibri" panose="020F0502020204030204" pitchFamily="34" charset="0"/>
-                <a:cs typeface="Times New Roman" panose="02020603050405020304" pitchFamily="18" charset="0"/>
-              </a:rPr>
-              <a:t>Total Profit </a:t>
-            </a:r>
-            <a:r>
-              <a:rPr lang="en-US" dirty="0" smtClean="0">
-                <a:latin typeface="Segoe UI" panose="020B0502040204020203" pitchFamily="34" charset="0"/>
-                <a:ea typeface="Calibri" panose="020F0502020204030204" pitchFamily="34" charset="0"/>
-                <a:cs typeface="Times New Roman" panose="02020603050405020304" pitchFamily="18" charset="0"/>
-              </a:rPr>
-              <a:t>to the </a:t>
-            </a:r>
-            <a:r>
-              <a:rPr lang="en-US" b="1" dirty="0" smtClean="0">
-                <a:latin typeface="Segoe UI" panose="020B0502040204020203" pitchFamily="34" charset="0"/>
-                <a:ea typeface="Calibri" panose="020F0502020204030204" pitchFamily="34" charset="0"/>
-                <a:cs typeface="Times New Roman" panose="02020603050405020304" pitchFamily="18" charset="0"/>
-              </a:rPr>
-              <a:t>Columns</a:t>
-            </a:r>
-            <a:r>
-              <a:rPr lang="en-US" dirty="0" smtClean="0">
-                <a:latin typeface="Segoe UI" panose="020B0502040204020203" pitchFamily="34" charset="0"/>
-                <a:ea typeface="Calibri" panose="020F0502020204030204" pitchFamily="34" charset="0"/>
-                <a:cs typeface="Times New Roman" panose="02020603050405020304" pitchFamily="18" charset="0"/>
-              </a:rPr>
-              <a:t> parameter and observe the visualization change</a:t>
-            </a:r>
-            <a:endParaRPr lang="en-US" sz="1400" dirty="0">
+            <a:r xmlns:a="http://schemas.openxmlformats.org/drawingml/2006/main">
+              <a:rPr lang="en" altLang="en-US" b="1" dirty="0" smtClean="0">
+                <a:latin typeface="Segoe UI" panose="020B0502040204020203" pitchFamily="34" charset="0"/>
+                <a:cs typeface="Segoe UI" panose="020B0502040204020203" pitchFamily="34" charset="0"/>
+              </a:rPr>
+              <a:t>FactSales</a:t>
+            </a:r>
+            <a:endParaRPr xmlns:a="http://schemas.openxmlformats.org/drawingml/2006/main" kumimoji="0" lang="fr-FR" altLang="en-US" b="0" i="0" u="none" strike="noStrike" cap="none" normalizeH="0" baseline="0" dirty="0" smtClean="0">
+              <a:ln>
+                <a:noFill/>
+              </a:ln>
+              <a:solidFill>
+                <a:schemeClr val="tx1"/>
+              </a:solidFill>
               <a:effectLst/>
-              <a:latin typeface="Calibri" panose="020F0502020204030204" pitchFamily="34" charset="0"/>
-              <a:ea typeface="Calibri" panose="020F0502020204030204" pitchFamily="34" charset="0"/>
-              <a:cs typeface="Times New Roman" panose="02020603050405020304" pitchFamily="18" charset="0"/>
+              <a:latin typeface="Segoe UI" panose="020B0502040204020203" pitchFamily="34" charset="0"/>
+              <a:cs typeface="Segoe UI" panose="020B0502040204020203" pitchFamily="34" charset="0"/>
             </a:endParaRPr>
           </a:p>
         </p:txBody>
       </p:sp>
       <p:pic>
         <p:nvPicPr>
-          <p:cNvPr id="12" name="Picture 11"/>
-          <p:cNvPicPr/>
+          <p:cNvPr id="3" name="Picture 2"/>
+          <p:cNvPicPr>
+            <a:picLocks noChangeAspect="1"/>
+          </p:cNvPicPr>
           <p:nvPr/>
         </p:nvPicPr>
         <p:blipFill>
-          <a:blip r:embed="rId3">
-            <a:extLst>
-              <a:ext uri="{28A0092B-C50C-407E-A947-70E740481C1C}">
-                <a14:useLocalDpi xmlns:a14="http://schemas.microsoft.com/office/drawing/2010/main" val="0"/>
-              </a:ext>
-            </a:extLst>
-          </a:blip>
-          <a:srcRect/>
+          <a:blip r:embed="rId3"/>
           <a:stretch>
             <a:fillRect/>
           </a:stretch>
         </p:blipFill>
-        <p:spPr bwMode="auto">
-          <a:xfrm>
-            <a:off x="4344770" y="2197183"/>
-            <a:ext cx="4641802" cy="4174582"/>
+        <p:spPr>
+          <a:xfrm>
+            <a:off x="2456749" y="1950713"/>
+            <a:ext cx="6735115" cy="3286584"/>
           </a:xfrm>
           <a:prstGeom prst="rect">
             <a:avLst/>
           </a:prstGeom>
-          <a:ln>
-            <a:noFill/>
-          </a:ln>
-          <a:effectLst>
-            <a:outerShdw blurRad="292100" dist="139700" dir="2700000" algn="tl" rotWithShape="0">
-              <a:srgbClr val="333333">
-                <a:alpha val="65000"/>
-              </a:srgbClr>
-            </a:outerShdw>
-          </a:effectLst>
         </p:spPr>
       </p:pic>
+    </p:spTree>
+    <p:extLst>
+      <p:ext uri="{BB962C8B-B14F-4D97-AF65-F5344CB8AC3E}">
+        <p14:creationId xmlns:p14="http://schemas.microsoft.com/office/powerpoint/2010/main" val="2079980414"/>
+      </p:ext>
+    </p:extLst>
+  </p:cSld>
+  <p:clrMapOvr>
+    <a:masterClrMapping/>
+  </p:clrMapOvr>
+</p:sld>
+</file>
+
+<file path=ppt/slides/slide7.xml><?xml version="1.0" encoding="utf-8"?>
+<p:sld xmlns:a="http://schemas.openxmlformats.org/drawingml/2006/main" xmlns:r="http://schemas.openxmlformats.org/officeDocument/2006/relationships" xmlns:p="http://schemas.openxmlformats.org/presentationml/2006/main">
+  <p:cSld>
+    <p:spTree>
+      <p:nvGrpSpPr>
+        <p:cNvPr id="1" name=""/>
+        <p:cNvGrpSpPr/>
+        <p:nvPr/>
+      </p:nvGrpSpPr>
+      <p:grpSpPr>
+        <a:xfrm>
+          <a:off x="0" y="0"/>
+          <a:ext cx="0" cy="0"/>
+          <a:chOff x="0" y="0"/>
+          <a:chExt cx="0" cy="0"/>
+        </a:xfrm>
+      </p:grpSpPr>
+      <p:sp>
+        <p:nvSpPr>
+          <p:cNvPr id="2" name="TextBox 1"/>
+          <p:cNvSpPr txBox="1"/>
+          <p:nvPr/>
+        </p:nvSpPr>
+        <p:spPr>
+          <a:xfrm>
+            <a:off x="237325" y="174503"/>
+            <a:ext cx="4590103" cy="461665"/>
+          </a:xfrm>
+          <a:prstGeom prst="rect">
+            <a:avLst/>
+          </a:prstGeom>
+          <a:noFill/>
+        </p:spPr>
+        <p:txBody>
+          <a:bodyPr wrap="none" rtlCol="0">
+            <a:spAutoFit/>
+          </a:bodyPr>
+          <a:lstStyle/>
+          <a:p>
+            <a:r xmlns:a="http://schemas.openxmlformats.org/drawingml/2006/main">
+              <a:rPr lang="en" sz="2400" b="1" dirty="0" err="1" smtClean="0">
+                <a:latin typeface="Segoe UI" panose="020B0502040204020203" pitchFamily="34" charset="0"/>
+                <a:cs typeface="Segoe UI" panose="020B0502040204020203" pitchFamily="34" charset="0"/>
+              </a:rPr>
+              <a:t>Measures </a:t>
+            </a:r>
+            <a:r xmlns:a="http://schemas.openxmlformats.org/drawingml/2006/main">
+              <a:rPr lang="en" sz="2400" b="1" dirty="0" smtClean="0">
+                <a:latin typeface="Segoe UI" panose="020B0502040204020203" pitchFamily="34" charset="0"/>
+                <a:cs typeface="Segoe UI" panose="020B0502040204020203" pitchFamily="34" charset="0"/>
+              </a:rPr>
+              <a:t>and </a:t>
+            </a:r>
+            <a:r xmlns:a="http://schemas.openxmlformats.org/drawingml/2006/main">
+              <a:rPr lang="en" sz="2400" b="1" dirty="0" err="1" smtClean="0">
+                <a:latin typeface="Segoe UI" panose="020B0502040204020203" pitchFamily="34" charset="0"/>
+                <a:cs typeface="Segoe UI" panose="020B0502040204020203" pitchFamily="34" charset="0"/>
+              </a:rPr>
+              <a:t>columns</a:t>
+            </a:r>
+            <a:r xmlns:a="http://schemas.openxmlformats.org/drawingml/2006/main">
+              <a:rPr lang="en" sz="2400" b="1" dirty="0" smtClean="0">
+                <a:latin typeface="Segoe UI" panose="020B0502040204020203" pitchFamily="34" charset="0"/>
+                <a:cs typeface="Segoe UI" panose="020B0502040204020203" pitchFamily="34" charset="0"/>
+              </a:rPr>
+              <a:t>  </a:t>
+            </a:r>
+            <a:r xmlns:a="http://schemas.openxmlformats.org/drawingml/2006/main">
+              <a:rPr lang="en" sz="2400" b="1" dirty="0" err="1" smtClean="0">
+                <a:latin typeface="Segoe UI" panose="020B0502040204020203" pitchFamily="34" charset="0"/>
+                <a:cs typeface="Segoe UI" panose="020B0502040204020203" pitchFamily="34" charset="0"/>
+              </a:rPr>
+              <a:t>calculated</a:t>
+            </a:r>
+            <a:endParaRPr xmlns:a="http://schemas.openxmlformats.org/drawingml/2006/main" lang="en-US" sz="2400" b="1" dirty="0">
+              <a:latin typeface="Segoe UI" panose="020B0502040204020203" pitchFamily="34" charset="0"/>
+              <a:cs typeface="Segoe UI" panose="020B0502040204020203" pitchFamily="34" charset="0"/>
+            </a:endParaRPr>
+          </a:p>
+        </p:txBody>
+      </p:sp>
       <p:pic>
         <p:nvPicPr>
           <p:cNvPr id="7" name="Picture 6"/>
@@ -5418,14 +5898,14 @@
           <p:nvPr/>
         </p:nvPicPr>
         <p:blipFill>
-          <a:blip r:embed="rId4"/>
+          <a:blip r:embed="rId3"/>
           <a:stretch>
             <a:fillRect/>
           </a:stretch>
         </p:blipFill>
         <p:spPr>
           <a:xfrm>
-            <a:off x="344465" y="2243384"/>
+            <a:off x="351340" y="1810247"/>
             <a:ext cx="3529703" cy="4128381"/>
           </a:xfrm>
           <a:prstGeom prst="rect">
@@ -5441,7 +5921,7 @@
         </p:nvSpPr>
         <p:spPr>
           <a:xfrm>
-            <a:off x="474388" y="4180114"/>
+            <a:off x="481263" y="3746977"/>
             <a:ext cx="343759" cy="371260"/>
           </a:xfrm>
           <a:prstGeom prst="rect">
@@ -5489,7 +5969,7 @@
         </p:nvSpPr>
         <p:spPr>
           <a:xfrm>
-            <a:off x="474387" y="5370667"/>
+            <a:off x="481262" y="4937530"/>
             <a:ext cx="3327592" cy="933880"/>
           </a:xfrm>
           <a:prstGeom prst="rect">
@@ -5529,6 +6009,107 @@
           </a:p>
         </p:txBody>
       </p:sp>
+      <p:sp>
+        <p:nvSpPr>
+          <p:cNvPr id="8" name="Rectangle 7"/>
+          <p:cNvSpPr/>
+          <p:nvPr/>
+        </p:nvSpPr>
+        <p:spPr>
+          <a:xfrm>
+            <a:off x="237325" y="731559"/>
+            <a:ext cx="11684251" cy="646331"/>
+          </a:xfrm>
+          <a:prstGeom prst="rect">
+            <a:avLst/>
+          </a:prstGeom>
+        </p:spPr>
+        <p:txBody>
+          <a:bodyPr wrap="square">
+            <a:spAutoFit/>
+          </a:bodyPr>
+          <a:lstStyle/>
+          <a:p>
+            <a:r xmlns:a="http://schemas.openxmlformats.org/drawingml/2006/main">
+              <a:rPr lang="en" dirty="0">
+                <a:latin typeface="Segoe UI" panose="020B0502040204020203" pitchFamily="34" charset="0"/>
+                <a:cs typeface="Segoe UI" panose="020B0502040204020203" pitchFamily="34" charset="0"/>
+              </a:rPr>
+              <a:t>Go back to the scene, add a Table type visualization and add </a:t>
+            </a:r>
+            <a:r xmlns:a="http://schemas.openxmlformats.org/drawingml/2006/main">
+              <a:rPr lang="en" b="1" dirty="0" err="1">
+                <a:latin typeface="Segoe UI" panose="020B0502040204020203" pitchFamily="34" charset="0"/>
+                <a:cs typeface="Segoe UI" panose="020B0502040204020203" pitchFamily="34" charset="0"/>
+              </a:rPr>
+              <a:t>Year </a:t>
+            </a:r>
+            <a:r xmlns:a="http://schemas.openxmlformats.org/drawingml/2006/main">
+              <a:rPr lang="en" dirty="0">
+                <a:latin typeface="Segoe UI" panose="020B0502040204020203" pitchFamily="34" charset="0"/>
+                <a:cs typeface="Segoe UI" panose="020B0502040204020203" pitchFamily="34" charset="0"/>
+              </a:rPr>
+              <a:t>and </a:t>
+            </a:r>
+            <a:r xmlns:a="http://schemas.openxmlformats.org/drawingml/2006/main">
+              <a:rPr lang="en" b="1" dirty="0" err="1">
+                <a:latin typeface="Segoe UI" panose="020B0502040204020203" pitchFamily="34" charset="0"/>
+                <a:cs typeface="Segoe UI" panose="020B0502040204020203" pitchFamily="34" charset="0"/>
+              </a:rPr>
+              <a:t>MonthName </a:t>
+            </a:r>
+            <a:r xmlns:a="http://schemas.openxmlformats.org/drawingml/2006/main">
+              <a:rPr lang="en" dirty="0">
+                <a:latin typeface="Segoe UI" panose="020B0502040204020203" pitchFamily="34" charset="0"/>
+                <a:cs typeface="Segoe UI" panose="020B0502040204020203" pitchFamily="34" charset="0"/>
+              </a:rPr>
+              <a:t>respectively as well as </a:t>
+            </a:r>
+            <a:r xmlns:a="http://schemas.openxmlformats.org/drawingml/2006/main">
+              <a:rPr lang="en" b="1" dirty="0">
+                <a:latin typeface="Segoe UI" panose="020B0502040204020203" pitchFamily="34" charset="0"/>
+                <a:cs typeface="Segoe UI" panose="020B0502040204020203" pitchFamily="34" charset="0"/>
+              </a:rPr>
+              <a:t>Total Profit </a:t>
+            </a:r>
+            <a:r xmlns:a="http://schemas.openxmlformats.org/drawingml/2006/main">
+              <a:rPr lang="en" dirty="0">
+                <a:latin typeface="Segoe UI" panose="020B0502040204020203" pitchFamily="34" charset="0"/>
+                <a:cs typeface="Segoe UI" panose="020B0502040204020203" pitchFamily="34" charset="0"/>
+              </a:rPr>
+              <a:t>in the Columns parameter and observe the visualization change.</a:t>
+            </a:r>
+            <a:endParaRPr xmlns:a="http://schemas.openxmlformats.org/drawingml/2006/main" lang="en-US" dirty="0">
+              <a:latin typeface="Segoe UI" panose="020B0502040204020203" pitchFamily="34" charset="0"/>
+              <a:cs typeface="Segoe UI" panose="020B0502040204020203" pitchFamily="34" charset="0"/>
+            </a:endParaRPr>
+          </a:p>
+        </p:txBody>
+      </p:sp>
+      <p:pic>
+        <p:nvPicPr>
+          <p:cNvPr id="3" name="Picture 2"/>
+          <p:cNvPicPr>
+            <a:picLocks noChangeAspect="1"/>
+          </p:cNvPicPr>
+          <p:nvPr/>
+        </p:nvPicPr>
+        <p:blipFill>
+          <a:blip r:embed="rId4"/>
+          <a:stretch>
+            <a:fillRect/>
+          </a:stretch>
+        </p:blipFill>
+        <p:spPr>
+          <a:xfrm>
+            <a:off x="4187277" y="1775087"/>
+            <a:ext cx="4601217" cy="4096322"/>
+          </a:xfrm>
+          <a:prstGeom prst="rect">
+            <a:avLst/>
+          </a:prstGeom>
+        </p:spPr>
+      </p:pic>
     </p:spTree>
     <p:extLst>
       <p:ext uri="{BB962C8B-B14F-4D97-AF65-F5344CB8AC3E}">
@@ -5542,17 +6123,9 @@
 </p:sld>
 </file>
 
-<file path=ppt/slides/slide7.xml><?xml version="1.0" encoding="utf-8"?>
+<file path=ppt/slides/slide8.xml><?xml version="1.0" encoding="utf-8"?>
 <p:sld xmlns:a="http://schemas.openxmlformats.org/drawingml/2006/main" xmlns:r="http://schemas.openxmlformats.org/officeDocument/2006/relationships" xmlns:p="http://schemas.openxmlformats.org/presentationml/2006/main">
   <p:cSld>
-    <p:bg>
-      <p:bgPr>
-        <a:solidFill>
-          <a:srgbClr val="FFC000"/>
-        </a:solidFill>
-        <a:effectLst/>
-      </p:bgPr>
-    </p:bg>
     <p:spTree>
       <p:nvGrpSpPr>
         <p:cNvPr id="1" name=""/>
@@ -5569,53 +6142,240 @@
       </p:grpSpPr>
       <p:sp>
         <p:nvSpPr>
-          <p:cNvPr id="2" name="AutoShape 2" descr="Minimalistic illustration in black and white on a white background with the text 'Thank You' elegantly styled below. The design features simple, clean icons such as a handshake or a ribbon to symbolize gratitude, with a professional and modern aesthetic suitable for a presentation closing slide."/>
-          <p:cNvSpPr>
-            <a:spLocks noChangeAspect="1" noChangeArrowheads="1"/>
-          </p:cNvSpPr>
+          <p:cNvPr id="2" name="TextBox 1"/>
+          <p:cNvSpPr txBox="1"/>
           <p:nvPr/>
         </p:nvSpPr>
-        <p:spPr bwMode="auto">
-          <a:xfrm>
-            <a:off x="155575" y="-144463"/>
-            <a:ext cx="304800" cy="304801"/>
+        <p:spPr>
+          <a:xfrm>
+            <a:off x="237325" y="174503"/>
+            <a:ext cx="4590103" cy="461665"/>
           </a:xfrm>
           <a:prstGeom prst="rect">
             <a:avLst/>
           </a:prstGeom>
           <a:noFill/>
-          <a:extLst>
-            <a:ext uri="{909E8E84-426E-40DD-AFC4-6F175D3DCCD1}">
-              <a14:hiddenFill xmlns:a14="http://schemas.microsoft.com/office/drawing/2010/main">
-                <a:solidFill>
-                  <a:srgbClr val="FFFFFF"/>
-                </a:solidFill>
-              </a14:hiddenFill>
-            </a:ext>
-          </a:extLst>
-        </p:spPr>
-        <p:txBody>
-          <a:bodyPr vert="horz" wrap="square" lIns="91440" tIns="45720" rIns="91440" bIns="45720" numCol="1" anchor="t" anchorCtr="0" compatLnSpc="1">
-            <a:prstTxWarp prst="textNoShape">
-              <a:avLst/>
-            </a:prstTxWarp>
+        </p:spPr>
+        <p:txBody>
+          <a:bodyPr wrap="none" rtlCol="0">
+            <a:spAutoFit/>
           </a:bodyPr>
           <a:lstStyle/>
           <a:p>
-            <a:endParaRPr lang="en-US"/>
-          </a:p>
-        </p:txBody>
-      </p:sp>
-      <p:sp>
-        <p:nvSpPr>
-          <p:cNvPr id="5" name="TextBox 4"/>
+            <a:r xmlns:a="http://schemas.openxmlformats.org/drawingml/2006/main">
+              <a:rPr lang="en" sz="2400" b="1" dirty="0" err="1" smtClean="0">
+                <a:latin typeface="Segoe UI" panose="020B0502040204020203" pitchFamily="34" charset="0"/>
+                <a:cs typeface="Segoe UI" panose="020B0502040204020203" pitchFamily="34" charset="0"/>
+              </a:rPr>
+              <a:t>Measures </a:t>
+            </a:r>
+            <a:r xmlns:a="http://schemas.openxmlformats.org/drawingml/2006/main">
+              <a:rPr lang="en" sz="2400" b="1" dirty="0" smtClean="0">
+                <a:latin typeface="Segoe UI" panose="020B0502040204020203" pitchFamily="34" charset="0"/>
+                <a:cs typeface="Segoe UI" panose="020B0502040204020203" pitchFamily="34" charset="0"/>
+              </a:rPr>
+              <a:t>and </a:t>
+            </a:r>
+            <a:r xmlns:a="http://schemas.openxmlformats.org/drawingml/2006/main">
+              <a:rPr lang="en" sz="2400" b="1" dirty="0" err="1" smtClean="0">
+                <a:latin typeface="Segoe UI" panose="020B0502040204020203" pitchFamily="34" charset="0"/>
+                <a:cs typeface="Segoe UI" panose="020B0502040204020203" pitchFamily="34" charset="0"/>
+              </a:rPr>
+              <a:t>columns</a:t>
+            </a:r>
+            <a:r xmlns:a="http://schemas.openxmlformats.org/drawingml/2006/main">
+              <a:rPr lang="en" sz="2400" b="1" dirty="0" smtClean="0">
+                <a:latin typeface="Segoe UI" panose="020B0502040204020203" pitchFamily="34" charset="0"/>
+                <a:cs typeface="Segoe UI" panose="020B0502040204020203" pitchFamily="34" charset="0"/>
+              </a:rPr>
+              <a:t>  </a:t>
+            </a:r>
+            <a:r xmlns:a="http://schemas.openxmlformats.org/drawingml/2006/main">
+              <a:rPr lang="en" sz="2400" b="1" dirty="0" err="1" smtClean="0">
+                <a:latin typeface="Segoe UI" panose="020B0502040204020203" pitchFamily="34" charset="0"/>
+                <a:cs typeface="Segoe UI" panose="020B0502040204020203" pitchFamily="34" charset="0"/>
+              </a:rPr>
+              <a:t>calculated</a:t>
+            </a:r>
+            <a:endParaRPr xmlns:a="http://schemas.openxmlformats.org/drawingml/2006/main" lang="en-US" sz="2400" b="1" dirty="0">
+              <a:latin typeface="Segoe UI" panose="020B0502040204020203" pitchFamily="34" charset="0"/>
+              <a:cs typeface="Segoe UI" panose="020B0502040204020203" pitchFamily="34" charset="0"/>
+            </a:endParaRPr>
+          </a:p>
+        </p:txBody>
+      </p:sp>
+      <p:sp>
+        <p:nvSpPr>
+          <p:cNvPr id="8" name="Rectangle 7"/>
+          <p:cNvSpPr/>
+          <p:nvPr/>
+        </p:nvSpPr>
+        <p:spPr>
+          <a:xfrm>
+            <a:off x="292327" y="752185"/>
+            <a:ext cx="11684251" cy="369332"/>
+          </a:xfrm>
+          <a:prstGeom prst="rect">
+            <a:avLst/>
+          </a:prstGeom>
+        </p:spPr>
+        <p:txBody>
+          <a:bodyPr wrap="square">
+            <a:spAutoFit/>
+          </a:bodyPr>
+          <a:lstStyle/>
+          <a:p>
+            <a:r xmlns:a="http://schemas.openxmlformats.org/drawingml/2006/main">
+              <a:rPr lang="en" dirty="0" smtClean="0">
+                <a:latin typeface="Segoe UI" panose="020B0502040204020203" pitchFamily="34" charset="0"/>
+                <a:cs typeface="Segoe UI" panose="020B0502040204020203" pitchFamily="34" charset="0"/>
+              </a:rPr>
+              <a:t>Add a </a:t>
+            </a:r>
+            <a:r xmlns:a="http://schemas.openxmlformats.org/drawingml/2006/main">
+              <a:rPr lang="en" b="1" dirty="0" err="1" smtClean="0">
+                <a:latin typeface="Segoe UI" panose="020B0502040204020203" pitchFamily="34" charset="0"/>
+                <a:cs typeface="Segoe UI" panose="020B0502040204020203" pitchFamily="34" charset="0"/>
+              </a:rPr>
+              <a:t>Card visual </a:t>
+            </a:r>
+            <a:r xmlns:a="http://schemas.openxmlformats.org/drawingml/2006/main">
+              <a:rPr lang="en" dirty="0" smtClean="0">
+                <a:latin typeface="Segoe UI" panose="020B0502040204020203" pitchFamily="34" charset="0"/>
+                <a:cs typeface="Segoe UI" panose="020B0502040204020203" pitchFamily="34" charset="0"/>
+              </a:rPr>
+              <a:t>and drag the </a:t>
+            </a:r>
+            <a:r xmlns:a="http://schemas.openxmlformats.org/drawingml/2006/main">
+              <a:rPr lang="en" b="1" dirty="0" smtClean="0">
+                <a:latin typeface="Segoe UI" panose="020B0502040204020203" pitchFamily="34" charset="0"/>
+                <a:cs typeface="Segoe UI" panose="020B0502040204020203" pitchFamily="34" charset="0"/>
+              </a:rPr>
+              <a:t>Total </a:t>
+            </a:r>
+            <a:r xmlns:a="http://schemas.openxmlformats.org/drawingml/2006/main">
+              <a:rPr lang="en" b="1" dirty="0" err="1" smtClean="0">
+                <a:latin typeface="Segoe UI" panose="020B0502040204020203" pitchFamily="34" charset="0"/>
+                <a:cs typeface="Segoe UI" panose="020B0502040204020203" pitchFamily="34" charset="0"/>
+              </a:rPr>
+              <a:t>Amount measurement</a:t>
+            </a:r>
+            <a:r xmlns:a="http://schemas.openxmlformats.org/drawingml/2006/main">
+              <a:rPr lang="en" b="1" dirty="0" smtClean="0">
+                <a:latin typeface="Segoe UI" panose="020B0502040204020203" pitchFamily="34" charset="0"/>
+                <a:cs typeface="Segoe UI" panose="020B0502040204020203" pitchFamily="34" charset="0"/>
+              </a:rPr>
+              <a:t> at the </a:t>
+            </a:r>
+            <a:r xmlns:a="http://schemas.openxmlformats.org/drawingml/2006/main">
+              <a:rPr lang="en" b="1" dirty="0" smtClean="0">
+                <a:latin typeface="Segoe UI" panose="020B0502040204020203" pitchFamily="34" charset="0"/>
+                <a:cs typeface="Segoe UI" panose="020B0502040204020203" pitchFamily="34" charset="0"/>
+              </a:rPr>
+              <a:t>Fields </a:t>
+            </a:r>
+            <a:endParaRPr xmlns:a="http://schemas.openxmlformats.org/drawingml/2006/main" lang="en-US" b="1" dirty="0">
+              <a:latin typeface="Segoe UI" panose="020B0502040204020203" pitchFamily="34" charset="0"/>
+              <a:cs typeface="Segoe UI" panose="020B0502040204020203" pitchFamily="34" charset="0"/>
+            </a:endParaRPr>
+            <a:r xmlns:a="http://schemas.openxmlformats.org/drawingml/2006/main">
+              <a:rPr lang="en" dirty="0" smtClean="0">
+                <a:latin typeface="Segoe UI" panose="020B0502040204020203" pitchFamily="34" charset="0"/>
+                <a:cs typeface="Segoe UI" panose="020B0502040204020203" pitchFamily="34" charset="0"/>
+              </a:rPr>
+              <a:t>area</a:t>
+            </a:r>
+          </a:p>
+        </p:txBody>
+      </p:sp>
+      <p:pic>
+        <p:nvPicPr>
+          <p:cNvPr id="4" name="Picture 3"/>
+          <p:cNvPicPr>
+            <a:picLocks noChangeAspect="1"/>
+          </p:cNvPicPr>
+          <p:nvPr/>
+        </p:nvPicPr>
+        <p:blipFill>
+          <a:blip r:embed="rId3"/>
+          <a:stretch>
+            <a:fillRect/>
+          </a:stretch>
+        </p:blipFill>
+        <p:spPr>
+          <a:xfrm>
+            <a:off x="2426678" y="1318144"/>
+            <a:ext cx="2028444" cy="1949560"/>
+          </a:xfrm>
+          <a:prstGeom prst="rect">
+            <a:avLst/>
+          </a:prstGeom>
+        </p:spPr>
+      </p:pic>
+      <p:pic>
+        <p:nvPicPr>
+          <p:cNvPr id="5" name="Picture 4"/>
+          <p:cNvPicPr>
+            <a:picLocks noChangeAspect="1"/>
+          </p:cNvPicPr>
+          <p:nvPr/>
+        </p:nvPicPr>
+        <p:blipFill>
+          <a:blip r:embed="rId4"/>
+          <a:stretch>
+            <a:fillRect/>
+          </a:stretch>
+        </p:blipFill>
+        <p:spPr>
+          <a:xfrm>
+            <a:off x="430223" y="1318144"/>
+            <a:ext cx="1733792" cy="1952898"/>
+          </a:xfrm>
+          <a:prstGeom prst="rect">
+            <a:avLst/>
+          </a:prstGeom>
+        </p:spPr>
+      </p:pic>
+    </p:spTree>
+    <p:extLst>
+      <p:ext uri="{BB962C8B-B14F-4D97-AF65-F5344CB8AC3E}">
+        <p14:creationId xmlns:p14="http://schemas.microsoft.com/office/powerpoint/2010/main" val="2241446832"/>
+      </p:ext>
+    </p:extLst>
+  </p:cSld>
+  <p:clrMapOvr>
+    <a:masterClrMapping/>
+  </p:clrMapOvr>
+</p:sld>
+</file>
+
+<file path=ppt/slides/slide9.xml><?xml version="1.0" encoding="utf-8"?>
+<p:sld xmlns:a="http://schemas.openxmlformats.org/drawingml/2006/main" xmlns:r="http://schemas.openxmlformats.org/officeDocument/2006/relationships" xmlns:p="http://schemas.openxmlformats.org/presentationml/2006/main">
+  <p:cSld>
+    <p:spTree>
+      <p:nvGrpSpPr>
+        <p:cNvPr id="1" name=""/>
+        <p:cNvGrpSpPr/>
+        <p:nvPr/>
+      </p:nvGrpSpPr>
+      <p:grpSpPr>
+        <a:xfrm>
+          <a:off x="0" y="0"/>
+          <a:ext cx="0" cy="0"/>
+          <a:chOff x="0" y="0"/>
+          <a:chExt cx="0" cy="0"/>
+        </a:xfrm>
+      </p:grpSpPr>
+      <p:sp>
+        <p:nvSpPr>
+          <p:cNvPr id="2" name="TextBox 1"/>
           <p:cNvSpPr txBox="1"/>
           <p:nvPr/>
         </p:nvSpPr>
         <p:spPr>
           <a:xfrm>
-            <a:off x="2916199" y="2162433"/>
-            <a:ext cx="6230360" cy="1569660"/>
+            <a:off x="237325" y="174503"/>
+            <a:ext cx="4590103" cy="461665"/>
           </a:xfrm>
           <a:prstGeom prst="rect">
             <a:avLst/>
@@ -5628,23 +6388,43 @@
           </a:bodyPr>
           <a:lstStyle/>
           <a:p>
-            <a:r>
-              <a:rPr lang="en-US" sz="9600" b="1" dirty="0" smtClean="0">
-                <a:solidFill>
-                  <a:srgbClr val="7030A0"/>
-                </a:solidFill>
-                <a:latin typeface="Segoe UI" panose="020B0502040204020203" pitchFamily="34" charset="0"/>
-                <a:ea typeface="Verdana" panose="020B0604030504040204" pitchFamily="34" charset="0"/>
-                <a:cs typeface="Segoe UI" panose="020B0502040204020203" pitchFamily="34" charset="0"/>
-              </a:rPr>
-              <a:t>Thank you</a:t>
-            </a:r>
-            <a:endParaRPr lang="en-US" sz="9600" b="1" dirty="0">
-              <a:solidFill>
-                <a:srgbClr val="7030A0"/>
-              </a:solidFill>
+            <a:r xmlns:a="http://schemas.openxmlformats.org/drawingml/2006/main">
+              <a:rPr lang="en" sz="2400" b="1" dirty="0" err="1" smtClean="0">
+                <a:latin typeface="Segoe UI" panose="020B0502040204020203" pitchFamily="34" charset="0"/>
+                <a:cs typeface="Segoe UI" panose="020B0502040204020203" pitchFamily="34" charset="0"/>
+              </a:rPr>
+              <a:t>Measures </a:t>
+            </a:r>
+            <a:r xmlns:a="http://schemas.openxmlformats.org/drawingml/2006/main">
+              <a:rPr lang="en" sz="2400" b="1" dirty="0" smtClean="0">
+                <a:latin typeface="Segoe UI" panose="020B0502040204020203" pitchFamily="34" charset="0"/>
+                <a:cs typeface="Segoe UI" panose="020B0502040204020203" pitchFamily="34" charset="0"/>
+              </a:rPr>
+              <a:t>and </a:t>
+            </a:r>
+            <a:r xmlns:a="http://schemas.openxmlformats.org/drawingml/2006/main">
+              <a:rPr lang="en" sz="2400" b="1" dirty="0" err="1" smtClean="0">
+                <a:latin typeface="Segoe UI" panose="020B0502040204020203" pitchFamily="34" charset="0"/>
+                <a:cs typeface="Segoe UI" panose="020B0502040204020203" pitchFamily="34" charset="0"/>
+              </a:rPr>
+              <a:t>columns</a:t>
+            </a:r>
+            <a:r xmlns:a="http://schemas.openxmlformats.org/drawingml/2006/main">
+              <a:rPr lang="en" sz="2400" b="1" dirty="0" smtClean="0">
+                <a:latin typeface="Segoe UI" panose="020B0502040204020203" pitchFamily="34" charset="0"/>
+                <a:cs typeface="Segoe UI" panose="020B0502040204020203" pitchFamily="34" charset="0"/>
+              </a:rPr>
+              <a:t>  </a:t>
+            </a:r>
+            <a:r xmlns:a="http://schemas.openxmlformats.org/drawingml/2006/main">
+              <a:rPr lang="en" sz="2400" b="1" dirty="0" err="1" smtClean="0">
+                <a:latin typeface="Segoe UI" panose="020B0502040204020203" pitchFamily="34" charset="0"/>
+                <a:cs typeface="Segoe UI" panose="020B0502040204020203" pitchFamily="34" charset="0"/>
+              </a:rPr>
+              <a:t>calculated</a:t>
+            </a:r>
+            <a:endParaRPr xmlns:a="http://schemas.openxmlformats.org/drawingml/2006/main" lang="en-US" sz="2400" b="1" dirty="0">
               <a:latin typeface="Segoe UI" panose="020B0502040204020203" pitchFamily="34" charset="0"/>
-              <a:ea typeface="Verdana" panose="020B0604030504040204" pitchFamily="34" charset="0"/>
               <a:cs typeface="Segoe UI" panose="020B0502040204020203" pitchFamily="34" charset="0"/>
             </a:endParaRPr>
           </a:p>
@@ -5652,52 +6432,67 @@
       </p:sp>
       <p:sp>
         <p:nvSpPr>
-          <p:cNvPr id="6" name="TextBox 5"/>
-          <p:cNvSpPr txBox="1"/>
+          <p:cNvPr id="8" name="Rectangle 7"/>
+          <p:cNvSpPr/>
           <p:nvPr/>
         </p:nvSpPr>
         <p:spPr>
           <a:xfrm>
-            <a:off x="2990336" y="2217861"/>
-            <a:ext cx="6230360" cy="1569660"/>
+            <a:off x="292327" y="752185"/>
+            <a:ext cx="11684251" cy="369332"/>
           </a:xfrm>
           <a:prstGeom prst="rect">
             <a:avLst/>
           </a:prstGeom>
-          <a:noFill/>
-        </p:spPr>
-        <p:txBody>
-          <a:bodyPr wrap="none" rtlCol="0">
+        </p:spPr>
+        <p:txBody>
+          <a:bodyPr wrap="square">
             <a:spAutoFit/>
           </a:bodyPr>
           <a:lstStyle/>
           <a:p>
-            <a:r>
-              <a:rPr lang="en-US" sz="9600" b="1" dirty="0" smtClean="0">
-                <a:solidFill>
-                  <a:schemeClr val="bg1"/>
-                </a:solidFill>
-                <a:latin typeface="Segoe UI" panose="020B0502040204020203" pitchFamily="34" charset="0"/>
-                <a:ea typeface="Verdana" panose="020B0604030504040204" pitchFamily="34" charset="0"/>
-                <a:cs typeface="Segoe UI" panose="020B0502040204020203" pitchFamily="34" charset="0"/>
-              </a:rPr>
-              <a:t>Thank you</a:t>
-            </a:r>
-            <a:endParaRPr lang="en-US" sz="9600" b="1" dirty="0">
-              <a:solidFill>
-                <a:schemeClr val="bg1"/>
-              </a:solidFill>
+            <a:r xmlns:a="http://schemas.openxmlformats.org/drawingml/2006/main">
+              <a:rPr lang="en" dirty="0" smtClean="0">
+                <a:latin typeface="Segoe UI" panose="020B0502040204020203" pitchFamily="34" charset="0"/>
+                <a:cs typeface="Segoe UI" panose="020B0502040204020203" pitchFamily="34" charset="0"/>
+              </a:rPr>
+              <a:t>Observe the result</a:t>
+            </a:r>
+            <a:endParaRPr xmlns:a="http://schemas.openxmlformats.org/drawingml/2006/main" lang="en-US" b="1" dirty="0">
               <a:latin typeface="Segoe UI" panose="020B0502040204020203" pitchFamily="34" charset="0"/>
-              <a:ea typeface="Verdana" panose="020B0604030504040204" pitchFamily="34" charset="0"/>
               <a:cs typeface="Segoe UI" panose="020B0502040204020203" pitchFamily="34" charset="0"/>
             </a:endParaRPr>
           </a:p>
         </p:txBody>
       </p:sp>
+      <p:pic>
+        <p:nvPicPr>
+          <p:cNvPr id="3" name="Picture 2"/>
+          <p:cNvPicPr>
+            <a:picLocks noChangeAspect="1"/>
+          </p:cNvPicPr>
+          <p:nvPr/>
+        </p:nvPicPr>
+        <p:blipFill>
+          <a:blip r:embed="rId3"/>
+          <a:stretch>
+            <a:fillRect/>
+          </a:stretch>
+        </p:blipFill>
+        <p:spPr>
+          <a:xfrm>
+            <a:off x="292327" y="1237534"/>
+            <a:ext cx="7125694" cy="4124901"/>
+          </a:xfrm>
+          <a:prstGeom prst="rect">
+            <a:avLst/>
+          </a:prstGeom>
+        </p:spPr>
+      </p:pic>
     </p:spTree>
     <p:extLst>
       <p:ext uri="{BB962C8B-B14F-4D97-AF65-F5344CB8AC3E}">
-        <p14:creationId xmlns:p14="http://schemas.microsoft.com/office/powerpoint/2010/main" val="3494127604"/>
+        <p14:creationId xmlns:p14="http://schemas.microsoft.com/office/powerpoint/2010/main" val="406299430"/>
       </p:ext>
     </p:extLst>
   </p:cSld>

--- a/English/5.DAX/0.Measures and calculated columns.pptx
+++ b/English/5.DAX/0.Measures and calculated columns.pptx
@@ -206,7 +206,7 @@
           <a:p>
             <a:fld id="{056BA3B8-9F76-4D81-B71D-76CB85363062}" type="datetimeFigureOut">
               <a:rPr lang="en-US" smtClean="0"/>
-              <a:t>3/6/2025</a:t>
+              <a:t>4/3/2025</a:t>
             </a:fld>
             <a:endParaRPr lang="en-US"/>
           </a:p>
@@ -1053,7 +1053,7 @@
           <a:p>
             <a:fld id="{6F01DA4D-20EA-48D2-973C-0311EC3005D6}" type="datetimeFigureOut">
               <a:rPr lang="en-US" smtClean="0"/>
-              <a:t>3/6/2025</a:t>
+              <a:t>4/3/2025</a:t>
             </a:fld>
             <a:endParaRPr lang="en-US"/>
           </a:p>
@@ -1223,7 +1223,7 @@
           <a:p>
             <a:fld id="{6F01DA4D-20EA-48D2-973C-0311EC3005D6}" type="datetimeFigureOut">
               <a:rPr lang="en-US" smtClean="0"/>
-              <a:t>3/6/2025</a:t>
+              <a:t>4/3/2025</a:t>
             </a:fld>
             <a:endParaRPr lang="en-US"/>
           </a:p>
@@ -1403,7 +1403,7 @@
           <a:p>
             <a:fld id="{6F01DA4D-20EA-48D2-973C-0311EC3005D6}" type="datetimeFigureOut">
               <a:rPr lang="en-US" smtClean="0"/>
-              <a:t>3/6/2025</a:t>
+              <a:t>4/3/2025</a:t>
             </a:fld>
             <a:endParaRPr lang="en-US"/>
           </a:p>
@@ -1573,7 +1573,7 @@
           <a:p>
             <a:fld id="{6F01DA4D-20EA-48D2-973C-0311EC3005D6}" type="datetimeFigureOut">
               <a:rPr lang="en-US" smtClean="0"/>
-              <a:t>3/6/2025</a:t>
+              <a:t>4/3/2025</a:t>
             </a:fld>
             <a:endParaRPr lang="en-US"/>
           </a:p>
@@ -1819,7 +1819,7 @@
           <a:p>
             <a:fld id="{6F01DA4D-20EA-48D2-973C-0311EC3005D6}" type="datetimeFigureOut">
               <a:rPr lang="en-US" smtClean="0"/>
-              <a:t>3/6/2025</a:t>
+              <a:t>4/3/2025</a:t>
             </a:fld>
             <a:endParaRPr lang="en-US"/>
           </a:p>
@@ -2051,7 +2051,7 @@
           <a:p>
             <a:fld id="{6F01DA4D-20EA-48D2-973C-0311EC3005D6}" type="datetimeFigureOut">
               <a:rPr lang="en-US" smtClean="0"/>
-              <a:t>3/6/2025</a:t>
+              <a:t>4/3/2025</a:t>
             </a:fld>
             <a:endParaRPr lang="en-US"/>
           </a:p>
@@ -2418,7 +2418,7 @@
           <a:p>
             <a:fld id="{6F01DA4D-20EA-48D2-973C-0311EC3005D6}" type="datetimeFigureOut">
               <a:rPr lang="en-US" smtClean="0"/>
-              <a:t>3/6/2025</a:t>
+              <a:t>4/3/2025</a:t>
             </a:fld>
             <a:endParaRPr lang="en-US"/>
           </a:p>
@@ -2536,7 +2536,7 @@
           <a:p>
             <a:fld id="{6F01DA4D-20EA-48D2-973C-0311EC3005D6}" type="datetimeFigureOut">
               <a:rPr lang="en-US" smtClean="0"/>
-              <a:t>3/6/2025</a:t>
+              <a:t>4/3/2025</a:t>
             </a:fld>
             <a:endParaRPr lang="en-US"/>
           </a:p>
@@ -2631,7 +2631,7 @@
           <a:p>
             <a:fld id="{6F01DA4D-20EA-48D2-973C-0311EC3005D6}" type="datetimeFigureOut">
               <a:rPr lang="en-US" smtClean="0"/>
-              <a:t>3/6/2025</a:t>
+              <a:t>4/3/2025</a:t>
             </a:fld>
             <a:endParaRPr lang="en-US"/>
           </a:p>
@@ -2908,7 +2908,7 @@
           <a:p>
             <a:fld id="{6F01DA4D-20EA-48D2-973C-0311EC3005D6}" type="datetimeFigureOut">
               <a:rPr lang="en-US" smtClean="0"/>
-              <a:t>3/6/2025</a:t>
+              <a:t>4/3/2025</a:t>
             </a:fld>
             <a:endParaRPr lang="en-US"/>
           </a:p>
@@ -3161,7 +3161,7 @@
           <a:p>
             <a:fld id="{6F01DA4D-20EA-48D2-973C-0311EC3005D6}" type="datetimeFigureOut">
               <a:rPr lang="en-US" smtClean="0"/>
-              <a:t>3/6/2025</a:t>
+              <a:t>4/3/2025</a:t>
             </a:fld>
             <a:endParaRPr lang="en-US"/>
           </a:p>
@@ -3374,7 +3374,7 @@
           <a:p>
             <a:fld id="{6F01DA4D-20EA-48D2-973C-0311EC3005D6}" type="datetimeFigureOut">
               <a:rPr lang="en-US" smtClean="0"/>
-              <a:t>3/6/2025</a:t>
+              <a:t>4/3/2025</a:t>
             </a:fld>
             <a:endParaRPr lang="en-US"/>
           </a:p>
@@ -3795,8 +3795,8 @@
         </p:nvSpPr>
         <p:spPr>
           <a:xfrm>
-            <a:off x="1042608" y="1697143"/>
-            <a:ext cx="9199606" cy="2308324"/>
+            <a:off x="1317616" y="1649017"/>
+            <a:ext cx="9199606" cy="3416320"/>
           </a:xfrm>
           <a:prstGeom prst="rect">
             <a:avLst/>
@@ -3809,8 +3809,8 @@
           </a:bodyPr>
           <a:lstStyle/>
           <a:p>
-            <a:pPr xmlns:a="http://schemas.openxmlformats.org/drawingml/2006/main" algn="ctr"/>
-            <a:r xmlns:a="http://schemas.openxmlformats.org/drawingml/2006/main">
+            <a:pPr algn="ctr"/>
+            <a:r>
               <a:rPr lang="en" sz="7200" b="1" dirty="0" smtClean="0">
                 <a:solidFill>
                   <a:srgbClr val="7030A0"/>
@@ -3821,8 +3821,8 @@
               </a:rPr>
               <a:t>Measures and </a:t>
             </a:r>
-            <a:r xmlns:a="http://schemas.openxmlformats.org/drawingml/2006/main">
-              <a:rPr lang="en" sz="7200" b="1" dirty="0" err="1" smtClean="0">
+            <a:r>
+              <a:rPr lang="en" sz="7200" b="1" dirty="0">
                 <a:solidFill>
                   <a:srgbClr val="7030A0"/>
                 </a:solidFill>
@@ -3830,31 +3830,9 @@
                 <a:ea typeface="Verdana" panose="020B0604030504040204" pitchFamily="34" charset="0"/>
                 <a:cs typeface="Segoe UI" panose="020B0502040204020203" pitchFamily="34" charset="0"/>
               </a:rPr>
-              <a:t>columns</a:t>
-            </a:r>
-            <a:r xmlns:a="http://schemas.openxmlformats.org/drawingml/2006/main">
-              <a:rPr lang="en" sz="7200" b="1" dirty="0" smtClean="0">
-                <a:solidFill>
-                  <a:srgbClr val="7030A0"/>
-                </a:solidFill>
-                <a:latin typeface="Segoe UI" panose="020B0502040204020203" pitchFamily="34" charset="0"/>
-                <a:ea typeface="Verdana" panose="020B0604030504040204" pitchFamily="34" charset="0"/>
-                <a:cs typeface="Segoe UI" panose="020B0502040204020203" pitchFamily="34" charset="0"/>
-              </a:rPr>
-              <a:t> </a:t>
-            </a:r>
-            <a:r xmlns:a="http://schemas.openxmlformats.org/drawingml/2006/main">
-              <a:rPr lang="en" sz="7200" b="1" dirty="0" err="1" smtClean="0">
-                <a:solidFill>
-                  <a:srgbClr val="7030A0"/>
-                </a:solidFill>
-                <a:latin typeface="Segoe UI" panose="020B0502040204020203" pitchFamily="34" charset="0"/>
-                <a:ea typeface="Verdana" panose="020B0604030504040204" pitchFamily="34" charset="0"/>
-                <a:cs typeface="Segoe UI" panose="020B0502040204020203" pitchFamily="34" charset="0"/>
-              </a:rPr>
               <a:t>calculated</a:t>
             </a:r>
-            <a:endParaRPr xmlns:a="http://schemas.openxmlformats.org/drawingml/2006/main" lang="en-US" sz="7200" b="1" dirty="0">
+            <a:endParaRPr lang="en-US" sz="7200" b="1" dirty="0">
               <a:solidFill>
                 <a:srgbClr val="7030A0"/>
               </a:solidFill>
@@ -3863,6 +3841,28 @@
               <a:cs typeface="Segoe UI" panose="020B0502040204020203" pitchFamily="34" charset="0"/>
             </a:endParaRPr>
           </a:p>
+          <a:p>
+            <a:pPr algn="ctr"/>
+            <a:r>
+              <a:rPr lang="en" sz="7200" b="1" dirty="0" smtClean="0">
+                <a:solidFill>
+                  <a:srgbClr val="7030A0"/>
+                </a:solidFill>
+                <a:latin typeface="Segoe UI" panose="020B0502040204020203" pitchFamily="34" charset="0"/>
+                <a:ea typeface="Verdana" panose="020B0604030504040204" pitchFamily="34" charset="0"/>
+                <a:cs typeface="Segoe UI" panose="020B0502040204020203" pitchFamily="34" charset="0"/>
+              </a:rPr>
+              <a:t>columns</a:t>
+            </a:r>
+            <a:endParaRPr lang="en-US" sz="7200" b="1" dirty="0">
+              <a:solidFill>
+                <a:srgbClr val="7030A0"/>
+              </a:solidFill>
+              <a:latin typeface="Segoe UI" panose="020B0502040204020203" pitchFamily="34" charset="0"/>
+              <a:ea typeface="Verdana" panose="020B0604030504040204" pitchFamily="34" charset="0"/>
+              <a:cs typeface="Segoe UI" panose="020B0502040204020203" pitchFamily="34" charset="0"/>
+            </a:endParaRPr>
+          </a:p>
         </p:txBody>
       </p:sp>
       <p:sp>
@@ -3873,8 +3873,8 @@
         </p:nvSpPr>
         <p:spPr>
           <a:xfrm>
-            <a:off x="961252" y="1636412"/>
-            <a:ext cx="9199606" cy="2308324"/>
+            <a:off x="1262615" y="1649017"/>
+            <a:ext cx="9199606" cy="3416320"/>
           </a:xfrm>
           <a:prstGeom prst="rect">
             <a:avLst/>
@@ -3887,8 +3887,8 @@
           </a:bodyPr>
           <a:lstStyle/>
           <a:p>
-            <a:pPr xmlns:a="http://schemas.openxmlformats.org/drawingml/2006/main" algn="ctr"/>
-            <a:r xmlns:a="http://schemas.openxmlformats.org/drawingml/2006/main">
+            <a:pPr algn="ctr"/>
+            <a:r>
               <a:rPr lang="en" sz="7200" b="1" dirty="0" smtClean="0">
                 <a:solidFill>
                   <a:schemeClr val="bg1"/>
@@ -3899,18 +3899,7 @@
               </a:rPr>
               <a:t>Measures and </a:t>
             </a:r>
-            <a:r xmlns:a="http://schemas.openxmlformats.org/drawingml/2006/main">
-              <a:rPr lang="en" sz="7200" b="1" dirty="0" err="1" smtClean="0">
-                <a:solidFill>
-                  <a:schemeClr val="bg1"/>
-                </a:solidFill>
-                <a:latin typeface="Segoe UI" panose="020B0502040204020203" pitchFamily="34" charset="0"/>
-                <a:ea typeface="Verdana" panose="020B0604030504040204" pitchFamily="34" charset="0"/>
-                <a:cs typeface="Segoe UI" panose="020B0502040204020203" pitchFamily="34" charset="0"/>
-              </a:rPr>
-              <a:t>columns</a:t>
-            </a:r>
-            <a:r xmlns:a="http://schemas.openxmlformats.org/drawingml/2006/main">
+            <a:r>
               <a:rPr lang="en" sz="7200" b="1" dirty="0" smtClean="0">
                 <a:solidFill>
                   <a:schemeClr val="bg1"/>
@@ -3919,10 +3908,13 @@
                 <a:ea typeface="Verdana" panose="020B0604030504040204" pitchFamily="34" charset="0"/>
                 <a:cs typeface="Segoe UI" panose="020B0502040204020203" pitchFamily="34" charset="0"/>
               </a:rPr>
-              <a:t> </a:t>
-            </a:r>
-            <a:r xmlns:a="http://schemas.openxmlformats.org/drawingml/2006/main">
-              <a:rPr lang="en" sz="7200" b="1" dirty="0" err="1" smtClean="0">
+              <a:t>calculated</a:t>
+            </a:r>
+          </a:p>
+          <a:p>
+            <a:pPr algn="ctr"/>
+            <a:r>
+              <a:rPr lang="en" sz="7200" b="1" dirty="0" smtClean="0">
                 <a:solidFill>
                   <a:schemeClr val="bg1"/>
                 </a:solidFill>
@@ -3930,9 +3922,9 @@
                 <a:ea typeface="Verdana" panose="020B0604030504040204" pitchFamily="34" charset="0"/>
                 <a:cs typeface="Segoe UI" panose="020B0502040204020203" pitchFamily="34" charset="0"/>
               </a:rPr>
-              <a:t>calculated</a:t>
-            </a:r>
-            <a:endParaRPr xmlns:a="http://schemas.openxmlformats.org/drawingml/2006/main" lang="en-US" sz="7200" b="1" dirty="0">
+              <a:t>columns</a:t>
+            </a:r>
+            <a:endParaRPr lang="en-US" sz="7200" b="1" dirty="0">
               <a:solidFill>
                 <a:schemeClr val="bg1"/>
               </a:solidFill>
@@ -4028,8 +4020,8 @@
         </p:nvSpPr>
         <p:spPr>
           <a:xfrm>
-            <a:off x="4339362" y="2526818"/>
-            <a:ext cx="3456395" cy="1569660"/>
+            <a:off x="2984950" y="2547443"/>
+            <a:ext cx="6230360" cy="1569660"/>
           </a:xfrm>
           <a:prstGeom prst="rect">
             <a:avLst/>
@@ -4042,8 +4034,8 @@
           </a:bodyPr>
           <a:lstStyle/>
           <a:p>
-            <a:r xmlns:a="http://schemas.openxmlformats.org/drawingml/2006/main">
-              <a:rPr lang="en" sz="9600" b="1" dirty="0" smtClean="0">
+            <a:r>
+              <a:rPr lang="en-US" sz="9600" b="1" dirty="0" smtClean="0">
                 <a:solidFill>
                   <a:srgbClr val="7030A0"/>
                 </a:solidFill>
@@ -4051,9 +4043,9 @@
                 <a:ea typeface="Verdana" panose="020B0604030504040204" pitchFamily="34" charset="0"/>
                 <a:cs typeface="Segoe UI" panose="020B0502040204020203" pitchFamily="34" charset="0"/>
               </a:rPr>
-              <a:t>THANKS</a:t>
-            </a:r>
-            <a:endParaRPr xmlns:a="http://schemas.openxmlformats.org/drawingml/2006/main" lang="en-US" sz="9600" b="1" dirty="0">
+              <a:t>Thank you</a:t>
+            </a:r>
+            <a:endParaRPr lang="en-US" sz="9600" b="1" dirty="0">
               <a:solidFill>
                 <a:srgbClr val="7030A0"/>
               </a:solidFill>
@@ -4072,8 +4064,8 @@
         </p:nvSpPr>
         <p:spPr>
           <a:xfrm>
-            <a:off x="4284361" y="2444742"/>
-            <a:ext cx="3456395" cy="1569660"/>
+            <a:off x="2929949" y="2465367"/>
+            <a:ext cx="6230360" cy="1569660"/>
           </a:xfrm>
           <a:prstGeom prst="rect">
             <a:avLst/>
@@ -4086,8 +4078,8 @@
           </a:bodyPr>
           <a:lstStyle/>
           <a:p>
-            <a:r xmlns:a="http://schemas.openxmlformats.org/drawingml/2006/main">
-              <a:rPr lang="en" sz="9600" b="1" dirty="0" smtClean="0">
+            <a:r>
+              <a:rPr lang="en-US" sz="9600" b="1" dirty="0" smtClean="0">
                 <a:solidFill>
                   <a:schemeClr val="bg1"/>
                 </a:solidFill>
@@ -4095,9 +4087,9 @@
                 <a:ea typeface="Verdana" panose="020B0604030504040204" pitchFamily="34" charset="0"/>
                 <a:cs typeface="Segoe UI" panose="020B0502040204020203" pitchFamily="34" charset="0"/>
               </a:rPr>
-              <a:t>THANKS</a:t>
-            </a:r>
-            <a:endParaRPr xmlns:a="http://schemas.openxmlformats.org/drawingml/2006/main" lang="en-US" sz="9600" b="1" dirty="0">
+              <a:t>Thank you</a:t>
+            </a:r>
+            <a:endParaRPr lang="en-US" sz="9600" b="1" dirty="0">
               <a:solidFill>
                 <a:schemeClr val="bg1"/>
               </a:solidFill>
@@ -4160,42 +4152,42 @@
           </a:bodyPr>
           <a:lstStyle/>
           <a:p>
-            <a:r xmlns:a="http://schemas.openxmlformats.org/drawingml/2006/main">
+            <a:r>
               <a:rPr lang="en" sz="2400" b="1" dirty="0" err="1" smtClean="0">
                 <a:latin typeface="Segoe UI" panose="020B0502040204020203" pitchFamily="34" charset="0"/>
                 <a:cs typeface="Segoe UI" panose="020B0502040204020203" pitchFamily="34" charset="0"/>
               </a:rPr>
               <a:t>Measures </a:t>
             </a:r>
-            <a:r xmlns:a="http://schemas.openxmlformats.org/drawingml/2006/main">
+            <a:r>
               <a:rPr lang="en" sz="2400" b="1" dirty="0" smtClean="0">
                 <a:latin typeface="Segoe UI" panose="020B0502040204020203" pitchFamily="34" charset="0"/>
                 <a:cs typeface="Segoe UI" panose="020B0502040204020203" pitchFamily="34" charset="0"/>
               </a:rPr>
               <a:t>and </a:t>
             </a:r>
-            <a:r xmlns:a="http://schemas.openxmlformats.org/drawingml/2006/main">
+            <a:r>
               <a:rPr lang="en" sz="2400" b="1" dirty="0" err="1" smtClean="0">
                 <a:latin typeface="Segoe UI" panose="020B0502040204020203" pitchFamily="34" charset="0"/>
                 <a:cs typeface="Segoe UI" panose="020B0502040204020203" pitchFamily="34" charset="0"/>
               </a:rPr>
               <a:t>columns</a:t>
             </a:r>
-            <a:r xmlns:a="http://schemas.openxmlformats.org/drawingml/2006/main">
+            <a:r>
               <a:rPr lang="en" sz="2400" b="1" dirty="0" smtClean="0">
                 <a:latin typeface="Segoe UI" panose="020B0502040204020203" pitchFamily="34" charset="0"/>
                 <a:cs typeface="Segoe UI" panose="020B0502040204020203" pitchFamily="34" charset="0"/>
               </a:rPr>
               <a:t>  </a:t>
             </a:r>
-            <a:r xmlns:a="http://schemas.openxmlformats.org/drawingml/2006/main">
+            <a:r>
               <a:rPr lang="en" sz="2400" b="1" dirty="0" err="1" smtClean="0">
                 <a:latin typeface="Segoe UI" panose="020B0502040204020203" pitchFamily="34" charset="0"/>
                 <a:cs typeface="Segoe UI" panose="020B0502040204020203" pitchFamily="34" charset="0"/>
               </a:rPr>
               <a:t>calculated</a:t>
             </a:r>
-            <a:endParaRPr xmlns:a="http://schemas.openxmlformats.org/drawingml/2006/main" lang="en-US" sz="2400" b="1" dirty="0">
+            <a:endParaRPr lang="en-US" sz="2400" b="1" dirty="0">
               <a:latin typeface="Segoe UI" panose="020B0502040204020203" pitchFamily="34" charset="0"/>
               <a:cs typeface="Segoe UI" panose="020B0502040204020203" pitchFamily="34" charset="0"/>
             </a:endParaRPr>
@@ -4291,55 +4283,55 @@
           </a:bodyPr>
           <a:lstStyle/>
           <a:p>
-            <a:r xmlns:a="http://schemas.openxmlformats.org/drawingml/2006/main">
+            <a:r>
               <a:rPr lang="en" sz="2000" b="1" dirty="0"/>
               <a:t>Note: </a:t>
             </a:r>
-            <a:r xmlns:a="http://schemas.openxmlformats.org/drawingml/2006/main">
+            <a:r>
               <a:rPr lang="en" sz="2000" dirty="0" smtClean="0"/>
               <a:t>This lab uses the </a:t>
             </a:r>
-            <a:r xmlns:a="http://schemas.openxmlformats.org/drawingml/2006/main">
+            <a:r>
               <a:rPr lang="en" sz="2000" b="1" dirty="0" smtClean="0"/>
               <a:t>FactSales032025.csv </a:t>
             </a:r>
-            <a:r xmlns:a="http://schemas.openxmlformats.org/drawingml/2006/main">
+            <a:r>
               <a:rPr lang="en" sz="2000" dirty="0" smtClean="0"/>
               <a:t>and </a:t>
             </a:r>
-            <a:r xmlns:a="http://schemas.openxmlformats.org/drawingml/2006/main">
+            <a:r>
               <a:rPr lang="en" sz="2000" b="1" dirty="0" smtClean="0"/>
               <a:t>DimDate.csv </a:t>
             </a:r>
-            <a:r xmlns:a="http://schemas.openxmlformats.org/drawingml/2006/main">
+            <a:r>
               <a:rPr lang="en" sz="2000" dirty="0"/>
               <a:t>tables </a:t>
             </a:r>
-            <a:r xmlns:a="http://schemas.openxmlformats.org/drawingml/2006/main">
+            <a:r>
               <a:rPr lang="en" sz="2000" dirty="0" smtClean="0"/>
               <a:t>from </a:t>
             </a:r>
-            <a:r xmlns:a="http://schemas.openxmlformats.org/drawingml/2006/main">
+            <a:r>
               <a:rPr lang="en" sz="2000" b="1" dirty="0" err="1" smtClean="0"/>
               <a:t>resources </a:t>
             </a:r>
-            <a:r xmlns:a="http://schemas.openxmlformats.org/drawingml/2006/main">
+            <a:r>
               <a:rPr lang="en" sz="2000" b="1" dirty="0"/>
               <a:t>\ </a:t>
             </a:r>
-            <a:r xmlns:a="http://schemas.openxmlformats.org/drawingml/2006/main">
+            <a:r>
               <a:rPr lang="en" sz="2000" b="1" dirty="0" err="1" smtClean="0"/>
               <a:t>CSVSources</a:t>
             </a:r>
-            <a:r xmlns:a="http://schemas.openxmlformats.org/drawingml/2006/main">
+            <a:r>
               <a:rPr lang="en" sz="2000" dirty="0" smtClean="0"/>
               <a:t> </a:t>
             </a:r>
-            <a:r xmlns:a="http://schemas.openxmlformats.org/drawingml/2006/main">
+            <a:r>
               <a:rPr lang="en" sz="2000" dirty="0"/>
               <a:t>to demonstrate the difference between creating a calculated column and a measure.</a:t>
             </a:r>
-            <a:endParaRPr xmlns:a="http://schemas.openxmlformats.org/drawingml/2006/main" lang="en-US" sz="2000" dirty="0"/>
+            <a:endParaRPr lang="en-US" sz="2000" dirty="0"/>
           </a:p>
         </p:txBody>
       </p:sp>
@@ -4419,42 +4411,42 @@
           </a:bodyPr>
           <a:lstStyle/>
           <a:p>
-            <a:r xmlns:a="http://schemas.openxmlformats.org/drawingml/2006/main">
+            <a:r>
               <a:rPr lang="en" sz="2400" b="1" dirty="0" err="1" smtClean="0">
                 <a:latin typeface="Segoe UI" panose="020B0502040204020203" pitchFamily="34" charset="0"/>
                 <a:cs typeface="Segoe UI" panose="020B0502040204020203" pitchFamily="34" charset="0"/>
               </a:rPr>
               <a:t>Measures </a:t>
             </a:r>
-            <a:r xmlns:a="http://schemas.openxmlformats.org/drawingml/2006/main">
+            <a:r>
               <a:rPr lang="en" sz="2400" b="1" dirty="0" smtClean="0">
                 <a:latin typeface="Segoe UI" panose="020B0502040204020203" pitchFamily="34" charset="0"/>
                 <a:cs typeface="Segoe UI" panose="020B0502040204020203" pitchFamily="34" charset="0"/>
               </a:rPr>
               <a:t>and </a:t>
             </a:r>
-            <a:r xmlns:a="http://schemas.openxmlformats.org/drawingml/2006/main">
+            <a:r>
               <a:rPr lang="en" sz="2400" b="1" dirty="0" err="1" smtClean="0">
                 <a:latin typeface="Segoe UI" panose="020B0502040204020203" pitchFamily="34" charset="0"/>
                 <a:cs typeface="Segoe UI" panose="020B0502040204020203" pitchFamily="34" charset="0"/>
               </a:rPr>
               <a:t>columns</a:t>
             </a:r>
-            <a:r xmlns:a="http://schemas.openxmlformats.org/drawingml/2006/main">
+            <a:r>
               <a:rPr lang="en" sz="2400" b="1" dirty="0" smtClean="0">
                 <a:latin typeface="Segoe UI" panose="020B0502040204020203" pitchFamily="34" charset="0"/>
                 <a:cs typeface="Segoe UI" panose="020B0502040204020203" pitchFamily="34" charset="0"/>
               </a:rPr>
               <a:t>  </a:t>
             </a:r>
-            <a:r xmlns:a="http://schemas.openxmlformats.org/drawingml/2006/main">
+            <a:r>
               <a:rPr lang="en" sz="2400" b="1" dirty="0" err="1" smtClean="0">
                 <a:latin typeface="Segoe UI" panose="020B0502040204020203" pitchFamily="34" charset="0"/>
                 <a:cs typeface="Segoe UI" panose="020B0502040204020203" pitchFamily="34" charset="0"/>
               </a:rPr>
               <a:t>calculated</a:t>
             </a:r>
-            <a:endParaRPr xmlns:a="http://schemas.openxmlformats.org/drawingml/2006/main" lang="en-US" sz="2400" b="1" dirty="0">
+            <a:endParaRPr lang="en-US" sz="2400" b="1" dirty="0">
               <a:latin typeface="Segoe UI" panose="020B0502040204020203" pitchFamily="34" charset="0"/>
               <a:cs typeface="Segoe UI" panose="020B0502040204020203" pitchFamily="34" charset="0"/>
             </a:endParaRPr>
@@ -4530,47 +4522,47 @@
           </a:bodyPr>
           <a:lstStyle/>
           <a:p>
-            <a:r xmlns:a="http://schemas.openxmlformats.org/drawingml/2006/main">
+            <a:r>
               <a:rPr lang="en" sz="2000" dirty="0"/>
               <a:t>Create a column </a:t>
             </a:r>
-            <a:r xmlns:a="http://schemas.openxmlformats.org/drawingml/2006/main">
+            <a:r>
               <a:rPr lang="en" sz="2000" dirty="0" smtClean="0"/>
               <a:t>called </a:t>
             </a:r>
-            <a:r xmlns:a="http://schemas.openxmlformats.org/drawingml/2006/main">
+            <a:r>
               <a:rPr lang="en" sz="2000" b="1" dirty="0" err="1" smtClean="0"/>
               <a:t>SalesAmount</a:t>
             </a:r>
-            <a:r xmlns:a="http://schemas.openxmlformats.org/drawingml/2006/main">
+            <a:r>
               <a:rPr lang="en" sz="2000" b="1" dirty="0" smtClean="0"/>
               <a:t> </a:t>
             </a:r>
-            <a:r xmlns:a="http://schemas.openxmlformats.org/drawingml/2006/main">
+            <a:r>
               <a:rPr lang="en" dirty="0"/>
               <a:t>= </a:t>
             </a:r>
-            <a:r xmlns:a="http://schemas.openxmlformats.org/drawingml/2006/main">
+            <a:r>
               <a:rPr lang="en" sz="2000" dirty="0" smtClean="0"/>
               <a:t>FactSales[ </a:t>
             </a:r>
-            <a:r xmlns:a="http://schemas.openxmlformats.org/drawingml/2006/main">
+            <a:r>
               <a:rPr lang="en" sz="2000" dirty="0" err="1" smtClean="0"/>
               <a:t>SalesQuantity </a:t>
             </a:r>
-            <a:r xmlns:a="http://schemas.openxmlformats.org/drawingml/2006/main">
+            <a:r>
               <a:rPr lang="en" sz="2000" dirty="0"/>
               <a:t>]*FactSales[ </a:t>
             </a:r>
-            <a:r xmlns:a="http://schemas.openxmlformats.org/drawingml/2006/main">
+            <a:r>
               <a:rPr lang="en" sz="2000" dirty="0" err="1"/>
               <a:t>UnitPrice </a:t>
             </a:r>
-            <a:r xmlns:a="http://schemas.openxmlformats.org/drawingml/2006/main">
+            <a:r>
               <a:rPr lang="en" sz="2000" dirty="0" smtClean="0"/>
               <a:t>]</a:t>
             </a:r>
-            <a:endParaRPr xmlns:a="http://schemas.openxmlformats.org/drawingml/2006/main" lang="en-US" sz="2000" dirty="0"/>
+            <a:endParaRPr lang="en-US" sz="2000" dirty="0"/>
           </a:p>
         </p:txBody>
       </p:sp>
@@ -4626,42 +4618,42 @@
           </a:bodyPr>
           <a:lstStyle/>
           <a:p>
-            <a:r xmlns:a="http://schemas.openxmlformats.org/drawingml/2006/main">
+            <a:r>
               <a:rPr lang="en" sz="2400" b="1" dirty="0" err="1" smtClean="0">
                 <a:latin typeface="Segoe UI" panose="020B0502040204020203" pitchFamily="34" charset="0"/>
                 <a:cs typeface="Segoe UI" panose="020B0502040204020203" pitchFamily="34" charset="0"/>
               </a:rPr>
               <a:t>Measures </a:t>
             </a:r>
-            <a:r xmlns:a="http://schemas.openxmlformats.org/drawingml/2006/main">
+            <a:r>
               <a:rPr lang="en" sz="2400" b="1" dirty="0" smtClean="0">
                 <a:latin typeface="Segoe UI" panose="020B0502040204020203" pitchFamily="34" charset="0"/>
                 <a:cs typeface="Segoe UI" panose="020B0502040204020203" pitchFamily="34" charset="0"/>
               </a:rPr>
               <a:t>and </a:t>
             </a:r>
-            <a:r xmlns:a="http://schemas.openxmlformats.org/drawingml/2006/main">
+            <a:r>
               <a:rPr lang="en" sz="2400" b="1" dirty="0" err="1" smtClean="0">
                 <a:latin typeface="Segoe UI" panose="020B0502040204020203" pitchFamily="34" charset="0"/>
                 <a:cs typeface="Segoe UI" panose="020B0502040204020203" pitchFamily="34" charset="0"/>
               </a:rPr>
               <a:t>columns</a:t>
             </a:r>
-            <a:r xmlns:a="http://schemas.openxmlformats.org/drawingml/2006/main">
+            <a:r>
               <a:rPr lang="en" sz="2400" b="1" dirty="0" smtClean="0">
                 <a:latin typeface="Segoe UI" panose="020B0502040204020203" pitchFamily="34" charset="0"/>
                 <a:cs typeface="Segoe UI" panose="020B0502040204020203" pitchFamily="34" charset="0"/>
               </a:rPr>
               <a:t>  </a:t>
             </a:r>
-            <a:r xmlns:a="http://schemas.openxmlformats.org/drawingml/2006/main">
+            <a:r>
               <a:rPr lang="en" sz="2400" b="1" dirty="0" err="1" smtClean="0">
                 <a:latin typeface="Segoe UI" panose="020B0502040204020203" pitchFamily="34" charset="0"/>
                 <a:cs typeface="Segoe UI" panose="020B0502040204020203" pitchFamily="34" charset="0"/>
               </a:rPr>
               <a:t>calculated</a:t>
             </a:r>
-            <a:endParaRPr xmlns:a="http://schemas.openxmlformats.org/drawingml/2006/main" lang="en-US" sz="2400" b="1" dirty="0">
+            <a:endParaRPr lang="en-US" sz="2400" b="1" dirty="0">
               <a:latin typeface="Segoe UI" panose="020B0502040204020203" pitchFamily="34" charset="0"/>
               <a:cs typeface="Segoe UI" panose="020B0502040204020203" pitchFamily="34" charset="0"/>
             </a:endParaRPr>
@@ -4795,27 +4787,23 @@
           </a:bodyPr>
           <a:lstStyle/>
           <a:p>
-            <a:r xmlns:a="http://schemas.openxmlformats.org/drawingml/2006/main">
+            <a:r>
               <a:rPr lang="en" sz="2000" b="1" dirty="0" err="1"/>
               <a:t>TotalProfit </a:t>
             </a:r>
-            <a:r xmlns:a="http://schemas.openxmlformats.org/drawingml/2006/main">
+            <a:r>
               <a:rPr lang="en" sz="2000" dirty="0"/>
               <a:t>measure at the </a:t>
             </a:r>
-            <a:r xmlns:a="http://schemas.openxmlformats.org/drawingml/2006/main">
+            <a:r>
               <a:rPr lang="en" sz="2000" b="1" dirty="0"/>
               <a:t>FactSales </a:t>
             </a:r>
-            <a:r xmlns:a="http://schemas.openxmlformats.org/drawingml/2006/main">
+            <a:r>
               <a:rPr lang="en" sz="2000" dirty="0"/>
-              <a:t>table level </a:t>
-            </a:r>
-            <a:r xmlns:a="http://schemas.openxmlformats.org/drawingml/2006/main">
-              <a:rPr lang="en" sz="2000" dirty="0"/>
-              <a:t>that calculates total profit:</a:t>
-            </a:r>
-            <a:endParaRPr xmlns:a="http://schemas.openxmlformats.org/drawingml/2006/main" lang="en-US" sz="2000" dirty="0"/>
+              <a:t>table level that calculates total profit:</a:t>
+            </a:r>
+            <a:endParaRPr lang="en-US" sz="2000" dirty="0"/>
           </a:p>
         </p:txBody>
       </p:sp>
@@ -4840,35 +4828,35 @@
           </a:bodyPr>
           <a:lstStyle/>
           <a:p>
-            <a:r xmlns:a="http://schemas.openxmlformats.org/drawingml/2006/main">
+            <a:r>
               <a:rPr lang="en" sz="2000" dirty="0"/>
               <a:t>Note </a:t>
             </a:r>
-            <a:r xmlns:a="http://schemas.openxmlformats.org/drawingml/2006/main">
+            <a:r>
               <a:rPr lang="en" sz="2000" dirty="0" smtClean="0"/>
               <a:t>the difference in using the </a:t>
             </a:r>
-            <a:r xmlns:a="http://schemas.openxmlformats.org/drawingml/2006/main">
+            <a:r>
               <a:rPr lang="en" sz="2000" b="1" dirty="0" smtClean="0"/>
               <a:t>SUM </a:t>
             </a:r>
-            <a:r xmlns:a="http://schemas.openxmlformats.org/drawingml/2006/main">
+            <a:r>
               <a:rPr lang="en" sz="2000" dirty="0" smtClean="0"/>
               <a:t>and </a:t>
             </a:r>
-            <a:r xmlns:a="http://schemas.openxmlformats.org/drawingml/2006/main">
+            <a:r>
               <a:rPr lang="en" sz="2000" b="1" dirty="0" smtClean="0"/>
               <a:t>SUMX functions</a:t>
             </a:r>
-            <a:r xmlns:a="http://schemas.openxmlformats.org/drawingml/2006/main">
+            <a:r>
               <a:rPr lang="en" sz="2000" dirty="0" smtClean="0"/>
               <a:t> </a:t>
             </a:r>
-            <a:r xmlns:a="http://schemas.openxmlformats.org/drawingml/2006/main">
+            <a:r>
               <a:rPr lang="en" sz="2000" dirty="0"/>
               <a:t>to aggregate data.</a:t>
             </a:r>
-            <a:endParaRPr xmlns:a="http://schemas.openxmlformats.org/drawingml/2006/main" lang="en-US" sz="2000" dirty="0"/>
+            <a:endParaRPr lang="en-US" sz="2000" dirty="0"/>
           </a:p>
         </p:txBody>
       </p:sp>
@@ -4893,7 +4881,7 @@
           </a:bodyPr>
           <a:lstStyle/>
           <a:p>
-            <a:r xmlns:a="http://schemas.openxmlformats.org/drawingml/2006/main">
+            <a:r>
               <a:rPr lang="en" dirty="0">
                 <a:solidFill>
                   <a:srgbClr val="000000"/>
@@ -4902,7 +4890,7 @@
               </a:rPr>
               <a:t>Total Profit = </a:t>
             </a:r>
-            <a:r xmlns:a="http://schemas.openxmlformats.org/drawingml/2006/main">
+            <a:r>
               <a:rPr lang="en" dirty="0">
                 <a:solidFill>
                   <a:srgbClr val="3165BB"/>
@@ -4911,7 +4899,7 @@
               </a:rPr>
               <a:t>SUM </a:t>
             </a:r>
-            <a:r xmlns:a="http://schemas.openxmlformats.org/drawingml/2006/main">
+            <a:r>
               <a:rPr lang="en" dirty="0">
                 <a:solidFill>
                   <a:srgbClr val="000000"/>
@@ -4920,7 +4908,7 @@
               </a:rPr>
               <a:t>( </a:t>
             </a:r>
-            <a:r xmlns:a="http://schemas.openxmlformats.org/drawingml/2006/main">
+            <a:r>
               <a:rPr lang="en" dirty="0">
                 <a:solidFill>
                   <a:srgbClr val="001080"/>
@@ -4929,7 +4917,7 @@
               </a:rPr>
               <a:t>FactSales[ </a:t>
             </a:r>
-            <a:r xmlns:a="http://schemas.openxmlformats.org/drawingml/2006/main">
+            <a:r>
               <a:rPr lang="en" dirty="0" err="1">
                 <a:solidFill>
                   <a:srgbClr val="001080"/>
@@ -4938,7 +4926,7 @@
               </a:rPr>
               <a:t>SalesAmount </a:t>
             </a:r>
-            <a:r xmlns:a="http://schemas.openxmlformats.org/drawingml/2006/main">
+            <a:r>
               <a:rPr lang="en" dirty="0">
                 <a:solidFill>
                   <a:srgbClr val="001080"/>
@@ -4947,7 +4935,7 @@
               </a:rPr>
               <a:t>] </a:t>
             </a:r>
-            <a:r xmlns:a="http://schemas.openxmlformats.org/drawingml/2006/main">
+            <a:r>
               <a:rPr lang="en" dirty="0">
                 <a:solidFill>
                   <a:srgbClr val="000000"/>
@@ -4956,7 +4944,7 @@
               </a:rPr>
               <a:t>) - </a:t>
             </a:r>
-            <a:r xmlns:a="http://schemas.openxmlformats.org/drawingml/2006/main">
+            <a:r>
               <a:rPr lang="en" dirty="0">
                 <a:solidFill>
                   <a:srgbClr val="3165BB"/>
@@ -4965,7 +4953,7 @@
               </a:rPr>
               <a:t>SUMX </a:t>
             </a:r>
-            <a:r xmlns:a="http://schemas.openxmlformats.org/drawingml/2006/main">
+            <a:r>
               <a:rPr lang="en" dirty="0">
                 <a:solidFill>
                   <a:srgbClr val="000000"/>
@@ -4974,7 +4962,7 @@
               </a:rPr>
               <a:t>( </a:t>
             </a:r>
-            <a:r xmlns:a="http://schemas.openxmlformats.org/drawingml/2006/main">
+            <a:r>
               <a:rPr lang="en" dirty="0" err="1">
                 <a:solidFill>
                   <a:srgbClr val="001080"/>
@@ -4983,7 +4971,7 @@
               </a:rPr>
               <a:t>FactSales </a:t>
             </a:r>
-            <a:r xmlns:a="http://schemas.openxmlformats.org/drawingml/2006/main">
+            <a:r>
               <a:rPr lang="en" dirty="0" err="1">
                 <a:solidFill>
                   <a:srgbClr val="000000"/>
@@ -4992,7 +4980,7 @@
               </a:rPr>
               <a:t>, </a:t>
             </a:r>
-            <a:r xmlns:a="http://schemas.openxmlformats.org/drawingml/2006/main">
+            <a:r>
               <a:rPr lang="en" dirty="0" err="1">
                 <a:solidFill>
                   <a:srgbClr val="001080"/>
@@ -5001,7 +4989,7 @@
               </a:rPr>
               <a:t>FactSales </a:t>
             </a:r>
-            <a:r xmlns:a="http://schemas.openxmlformats.org/drawingml/2006/main">
+            <a:r>
               <a:rPr lang="en" dirty="0">
                 <a:solidFill>
                   <a:srgbClr val="001080"/>
@@ -5010,7 +4998,7 @@
               </a:rPr>
               <a:t>[ </a:t>
             </a:r>
-            <a:r xmlns:a="http://schemas.openxmlformats.org/drawingml/2006/main">
+            <a:r>
               <a:rPr lang="en" dirty="0" err="1">
                 <a:solidFill>
                   <a:srgbClr val="001080"/>
@@ -5019,7 +5007,7 @@
               </a:rPr>
               <a:t>SalesQuantity </a:t>
             </a:r>
-            <a:r xmlns:a="http://schemas.openxmlformats.org/drawingml/2006/main">
+            <a:r>
               <a:rPr lang="en" dirty="0">
                 <a:solidFill>
                   <a:srgbClr val="001080"/>
@@ -5028,7 +5016,7 @@
               </a:rPr>
               <a:t>] </a:t>
             </a:r>
-            <a:r xmlns:a="http://schemas.openxmlformats.org/drawingml/2006/main">
+            <a:r>
               <a:rPr lang="en" dirty="0">
                 <a:solidFill>
                   <a:srgbClr val="000000"/>
@@ -5037,7 +5025,7 @@
               </a:rPr>
               <a:t>* </a:t>
             </a:r>
-            <a:r xmlns:a="http://schemas.openxmlformats.org/drawingml/2006/main">
+            <a:r>
               <a:rPr lang="en" dirty="0">
                 <a:solidFill>
                   <a:srgbClr val="001080"/>
@@ -5046,7 +5034,7 @@
               </a:rPr>
               <a:t>FactSales[ </a:t>
             </a:r>
-            <a:r xmlns:a="http://schemas.openxmlformats.org/drawingml/2006/main">
+            <a:r>
               <a:rPr lang="en" dirty="0" err="1">
                 <a:solidFill>
                   <a:srgbClr val="001080"/>
@@ -5055,7 +5043,7 @@
               </a:rPr>
               <a:t>UnitCost </a:t>
             </a:r>
-            <a:r xmlns:a="http://schemas.openxmlformats.org/drawingml/2006/main">
+            <a:r>
               <a:rPr lang="en" dirty="0">
                 <a:solidFill>
                   <a:srgbClr val="001080"/>
@@ -5064,7 +5052,7 @@
               </a:rPr>
               <a:t>] </a:t>
             </a:r>
-            <a:r xmlns:a="http://schemas.openxmlformats.org/drawingml/2006/main">
+            <a:r>
               <a:rPr lang="en" dirty="0">
                 <a:solidFill>
                   <a:srgbClr val="000000"/>
@@ -5073,7 +5061,7 @@
               </a:rPr>
               <a:t>)</a:t>
             </a:r>
-            <a:endParaRPr xmlns:a="http://schemas.openxmlformats.org/drawingml/2006/main" lang="en-US" b="0" dirty="0">
+            <a:endParaRPr lang="en-US" b="0" dirty="0">
               <a:solidFill>
                 <a:srgbClr val="000000"/>
               </a:solidFill>
@@ -5135,42 +5123,42 @@
           </a:bodyPr>
           <a:lstStyle/>
           <a:p>
-            <a:r xmlns:a="http://schemas.openxmlformats.org/drawingml/2006/main">
+            <a:r>
               <a:rPr lang="en" sz="2400" b="1" dirty="0" err="1" smtClean="0">
                 <a:latin typeface="Segoe UI" panose="020B0502040204020203" pitchFamily="34" charset="0"/>
                 <a:cs typeface="Segoe UI" panose="020B0502040204020203" pitchFamily="34" charset="0"/>
               </a:rPr>
               <a:t>Measures </a:t>
             </a:r>
-            <a:r xmlns:a="http://schemas.openxmlformats.org/drawingml/2006/main">
+            <a:r>
               <a:rPr lang="en" sz="2400" b="1" dirty="0" smtClean="0">
                 <a:latin typeface="Segoe UI" panose="020B0502040204020203" pitchFamily="34" charset="0"/>
                 <a:cs typeface="Segoe UI" panose="020B0502040204020203" pitchFamily="34" charset="0"/>
               </a:rPr>
               <a:t>and </a:t>
             </a:r>
-            <a:r xmlns:a="http://schemas.openxmlformats.org/drawingml/2006/main">
+            <a:r>
               <a:rPr lang="en" sz="2400" b="1" dirty="0" err="1" smtClean="0">
                 <a:latin typeface="Segoe UI" panose="020B0502040204020203" pitchFamily="34" charset="0"/>
                 <a:cs typeface="Segoe UI" panose="020B0502040204020203" pitchFamily="34" charset="0"/>
               </a:rPr>
               <a:t>columns</a:t>
             </a:r>
-            <a:r xmlns:a="http://schemas.openxmlformats.org/drawingml/2006/main">
+            <a:r>
               <a:rPr lang="en" sz="2400" b="1" dirty="0" smtClean="0">
                 <a:latin typeface="Segoe UI" panose="020B0502040204020203" pitchFamily="34" charset="0"/>
                 <a:cs typeface="Segoe UI" panose="020B0502040204020203" pitchFamily="34" charset="0"/>
               </a:rPr>
               <a:t>  </a:t>
             </a:r>
-            <a:r xmlns:a="http://schemas.openxmlformats.org/drawingml/2006/main">
+            <a:r>
               <a:rPr lang="en" sz="2400" b="1" dirty="0" err="1" smtClean="0">
                 <a:latin typeface="Segoe UI" panose="020B0502040204020203" pitchFamily="34" charset="0"/>
                 <a:cs typeface="Segoe UI" panose="020B0502040204020203" pitchFamily="34" charset="0"/>
               </a:rPr>
               <a:t>calculated</a:t>
             </a:r>
-            <a:endParaRPr xmlns:a="http://schemas.openxmlformats.org/drawingml/2006/main" lang="en-US" sz="2400" b="1" dirty="0">
+            <a:endParaRPr lang="en-US" sz="2400" b="1" dirty="0">
               <a:latin typeface="Segoe UI" panose="020B0502040204020203" pitchFamily="34" charset="0"/>
               <a:cs typeface="Segoe UI" panose="020B0502040204020203" pitchFamily="34" charset="0"/>
             </a:endParaRPr>
@@ -5237,11 +5225,11 @@
           </a:bodyPr>
           <a:lstStyle/>
           <a:p>
-            <a:r xmlns:a="http://schemas.openxmlformats.org/drawingml/2006/main">
+            <a:r>
               <a:rPr lang="en" sz="2000" dirty="0"/>
               <a:t>Note that the measure only takes into account aggregations. For example</a:t>
             </a:r>
-            <a:endParaRPr xmlns:a="http://schemas.openxmlformats.org/drawingml/2006/main" lang="en-US" sz="2000" dirty="0"/>
+            <a:endParaRPr lang="en-US" sz="2000" dirty="0"/>
           </a:p>
         </p:txBody>
       </p:sp>
@@ -5266,85 +5254,85 @@
           </a:bodyPr>
           <a:lstStyle/>
           <a:p>
-            <a:r xmlns:a="http://schemas.openxmlformats.org/drawingml/2006/main">
+            <a:r>
               <a:rPr lang="en" dirty="0">
                 <a:latin typeface="Consolas" panose="020B0609020204030204" pitchFamily="49" charset="0"/>
               </a:rPr>
               <a:t>Total Profit = </a:t>
             </a:r>
-            <a:r xmlns:a="http://schemas.openxmlformats.org/drawingml/2006/main">
+            <a:r>
               <a:rPr lang="en" b="1" dirty="0">
                 <a:latin typeface="Consolas" panose="020B0609020204030204" pitchFamily="49" charset="0"/>
               </a:rPr>
               <a:t>SUM </a:t>
             </a:r>
-            <a:r xmlns:a="http://schemas.openxmlformats.org/drawingml/2006/main">
+            <a:r>
               <a:rPr lang="en" dirty="0">
                 <a:latin typeface="Consolas" panose="020B0609020204030204" pitchFamily="49" charset="0"/>
               </a:rPr>
               <a:t>(FactSales[ </a:t>
             </a:r>
-            <a:r xmlns:a="http://schemas.openxmlformats.org/drawingml/2006/main">
+            <a:r>
               <a:rPr lang="en" dirty="0" err="1">
                 <a:latin typeface="Consolas" panose="020B0609020204030204" pitchFamily="49" charset="0"/>
               </a:rPr>
               <a:t>SalesAmount </a:t>
             </a:r>
-            <a:r xmlns:a="http://schemas.openxmlformats.org/drawingml/2006/main">
+            <a:r>
               <a:rPr lang="en" dirty="0">
                 <a:latin typeface="Consolas" panose="020B0609020204030204" pitchFamily="49" charset="0"/>
               </a:rPr>
               <a:t>]) - </a:t>
             </a:r>
-            <a:r xmlns:a="http://schemas.openxmlformats.org/drawingml/2006/main">
+            <a:r>
               <a:rPr lang="en" b="1" dirty="0">
                 <a:latin typeface="Consolas" panose="020B0609020204030204" pitchFamily="49" charset="0"/>
               </a:rPr>
               <a:t>SUMX </a:t>
             </a:r>
-            <a:r xmlns:a="http://schemas.openxmlformats.org/drawingml/2006/main">
+            <a:r>
               <a:rPr lang="en" dirty="0">
                 <a:latin typeface="Consolas" panose="020B0609020204030204" pitchFamily="49" charset="0"/>
               </a:rPr>
               <a:t>( </a:t>
             </a:r>
-            <a:r xmlns:a="http://schemas.openxmlformats.org/drawingml/2006/main">
+            <a:r>
               <a:rPr lang="en" dirty="0" err="1">
                 <a:latin typeface="Consolas" panose="020B0609020204030204" pitchFamily="49" charset="0"/>
               </a:rPr>
               <a:t>FactSales,FactSales </a:t>
             </a:r>
-            <a:r xmlns:a="http://schemas.openxmlformats.org/drawingml/2006/main">
+            <a:r>
               <a:rPr lang="en" dirty="0">
                 <a:latin typeface="Consolas" panose="020B0609020204030204" pitchFamily="49" charset="0"/>
               </a:rPr>
               <a:t>[ </a:t>
             </a:r>
-            <a:r xmlns:a="http://schemas.openxmlformats.org/drawingml/2006/main">
+            <a:r>
               <a:rPr lang="en" dirty="0" err="1">
                 <a:latin typeface="Consolas" panose="020B0609020204030204" pitchFamily="49" charset="0"/>
               </a:rPr>
               <a:t>SalesQuantity </a:t>
             </a:r>
-            <a:r xmlns:a="http://schemas.openxmlformats.org/drawingml/2006/main">
+            <a:r>
               <a:rPr lang="en" dirty="0">
                 <a:latin typeface="Consolas" panose="020B0609020204030204" pitchFamily="49" charset="0"/>
               </a:rPr>
               <a:t>]*FactSales[ </a:t>
             </a:r>
-            <a:r xmlns:a="http://schemas.openxmlformats.org/drawingml/2006/main">
+            <a:r>
               <a:rPr lang="en" dirty="0" err="1">
                 <a:latin typeface="Consolas" panose="020B0609020204030204" pitchFamily="49" charset="0"/>
               </a:rPr>
               <a:t>UnitCost </a:t>
             </a:r>
-            <a:r xmlns:a="http://schemas.openxmlformats.org/drawingml/2006/main">
+            <a:r>
               <a:rPr lang="en" dirty="0">
                 <a:latin typeface="Consolas" panose="020B0609020204030204" pitchFamily="49" charset="0"/>
               </a:rPr>
               <a:t>])</a:t>
             </a:r>
-            <a:endParaRPr xmlns:a="http://schemas.openxmlformats.org/drawingml/2006/main" lang="en-US" b="0" dirty="0">
+            <a:endParaRPr lang="en-US" b="0" dirty="0">
               <a:effectLst/>
               <a:latin typeface="Consolas" panose="020B0609020204030204" pitchFamily="49" charset="0"/>
             </a:endParaRPr>
@@ -5475,42 +5463,42 @@
           </a:bodyPr>
           <a:lstStyle/>
           <a:p>
-            <a:r xmlns:a="http://schemas.openxmlformats.org/drawingml/2006/main">
+            <a:r>
               <a:rPr lang="en" sz="2400" b="1" dirty="0" err="1" smtClean="0">
                 <a:latin typeface="Segoe UI" panose="020B0502040204020203" pitchFamily="34" charset="0"/>
                 <a:cs typeface="Segoe UI" panose="020B0502040204020203" pitchFamily="34" charset="0"/>
               </a:rPr>
               <a:t>Measures </a:t>
             </a:r>
-            <a:r xmlns:a="http://schemas.openxmlformats.org/drawingml/2006/main">
+            <a:r>
               <a:rPr lang="en" sz="2400" b="1" dirty="0" smtClean="0">
                 <a:latin typeface="Segoe UI" panose="020B0502040204020203" pitchFamily="34" charset="0"/>
                 <a:cs typeface="Segoe UI" panose="020B0502040204020203" pitchFamily="34" charset="0"/>
               </a:rPr>
               <a:t>and </a:t>
             </a:r>
-            <a:r xmlns:a="http://schemas.openxmlformats.org/drawingml/2006/main">
+            <a:r>
               <a:rPr lang="en" sz="2400" b="1" dirty="0" err="1" smtClean="0">
                 <a:latin typeface="Segoe UI" panose="020B0502040204020203" pitchFamily="34" charset="0"/>
                 <a:cs typeface="Segoe UI" panose="020B0502040204020203" pitchFamily="34" charset="0"/>
               </a:rPr>
               <a:t>columns</a:t>
             </a:r>
-            <a:r xmlns:a="http://schemas.openxmlformats.org/drawingml/2006/main">
+            <a:r>
               <a:rPr lang="en" sz="2400" b="1" dirty="0" smtClean="0">
                 <a:latin typeface="Segoe UI" panose="020B0502040204020203" pitchFamily="34" charset="0"/>
                 <a:cs typeface="Segoe UI" panose="020B0502040204020203" pitchFamily="34" charset="0"/>
               </a:rPr>
               <a:t>  </a:t>
             </a:r>
-            <a:r xmlns:a="http://schemas.openxmlformats.org/drawingml/2006/main">
+            <a:r>
               <a:rPr lang="en" sz="2400" b="1" dirty="0" err="1" smtClean="0">
                 <a:latin typeface="Segoe UI" panose="020B0502040204020203" pitchFamily="34" charset="0"/>
                 <a:cs typeface="Segoe UI" panose="020B0502040204020203" pitchFamily="34" charset="0"/>
               </a:rPr>
               <a:t>calculated</a:t>
             </a:r>
-            <a:endParaRPr xmlns:a="http://schemas.openxmlformats.org/drawingml/2006/main" lang="en-US" sz="2400" b="1" dirty="0">
+            <a:endParaRPr lang="en-US" sz="2400" b="1" dirty="0">
               <a:latin typeface="Segoe UI" panose="020B0502040204020203" pitchFamily="34" charset="0"/>
               <a:cs typeface="Segoe UI" panose="020B0502040204020203" pitchFamily="34" charset="0"/>
             </a:endParaRPr>
@@ -5576,7 +5564,7 @@
           </a:bodyPr>
           <a:lstStyle/>
           <a:p>
-            <a:pPr xmlns:a="http://schemas.openxmlformats.org/drawingml/2006/main" marL="0" marR="0" lvl="0" indent="0" algn="l" defTabSz="914400" rtl="0" eaLnBrk="0" fontAlgn="base" latinLnBrk="0" hangingPunct="0">
+            <a:pPr marL="0" marR="0" lvl="0" indent="0" algn="l" defTabSz="914400" rtl="0" eaLnBrk="0" fontAlgn="base" latinLnBrk="0" hangingPunct="0">
               <a:lnSpc>
                 <a:spcPct val="100000"/>
               </a:lnSpc>
@@ -5592,7 +5580,7 @@
               <a:buNone/>
               <a:tabLst/>
             </a:pPr>
-            <a:r xmlns:a="http://schemas.openxmlformats.org/drawingml/2006/main">
+            <a:r>
               <a:rPr kumimoji="0" lang="en" altLang="en-US" b="0" i="0" u="none" strike="noStrike" cap="none" normalizeH="0" baseline="0" dirty="0" smtClean="0">
                 <a:ln>
                   <a:noFill/>
@@ -5606,7 +5594,7 @@
               </a:rPr>
               <a:t>Note that the measure does not appear as a calculated column because the scope differs in the two cases.</a:t>
             </a:r>
-            <a:endParaRPr xmlns:a="http://schemas.openxmlformats.org/drawingml/2006/main" kumimoji="0" lang="fr-FR" altLang="en-US" b="0" i="0" u="none" strike="noStrike" cap="none" normalizeH="0" baseline="0" dirty="0" smtClean="0">
+            <a:endParaRPr kumimoji="0" lang="fr-FR" altLang="en-US" b="0" i="0" u="none" strike="noStrike" cap="none" normalizeH="0" baseline="0" dirty="0" smtClean="0">
               <a:ln>
                 <a:noFill/>
               </a:ln>
@@ -5679,7 +5667,7 @@
           </a:bodyPr>
           <a:lstStyle/>
           <a:p>
-            <a:pPr xmlns:a="http://schemas.openxmlformats.org/drawingml/2006/main" lvl="0" eaLnBrk="0" fontAlgn="base" hangingPunct="0">
+            <a:pPr lvl="0" eaLnBrk="0" fontAlgn="base" hangingPunct="0">
               <a:spcBef>
                 <a:spcPct val="0"/>
               </a:spcBef>
@@ -5687,77 +5675,63 @@
                 <a:spcPct val="0"/>
               </a:spcAft>
             </a:pPr>
-            <a:r xmlns:a="http://schemas.openxmlformats.org/drawingml/2006/main">
+            <a:r>
               <a:rPr lang="en" altLang="en-US" dirty="0" smtClean="0">
                 <a:latin typeface="Segoe UI" panose="020B0502040204020203" pitchFamily="34" charset="0"/>
                 <a:cs typeface="Segoe UI" panose="020B0502040204020203" pitchFamily="34" charset="0"/>
               </a:rPr>
               <a:t>Add the </a:t>
             </a:r>
-            <a:r xmlns:a="http://schemas.openxmlformats.org/drawingml/2006/main">
+            <a:r>
               <a:rPr lang="en" altLang="en-US" b="1" dirty="0" err="1" smtClean="0">
                 <a:latin typeface="Segoe UI" panose="020B0502040204020203" pitchFamily="34" charset="0"/>
                 <a:cs typeface="Segoe UI" panose="020B0502040204020203" pitchFamily="34" charset="0"/>
               </a:rPr>
               <a:t>DimDate dimension</a:t>
             </a:r>
-            <a:r xmlns:a="http://schemas.openxmlformats.org/drawingml/2006/main">
+            <a:r>
               <a:rPr lang="en" altLang="en-US" b="1" dirty="0" smtClean="0">
                 <a:latin typeface="Segoe UI" panose="020B0502040204020203" pitchFamily="34" charset="0"/>
                 <a:cs typeface="Segoe UI" panose="020B0502040204020203" pitchFamily="34" charset="0"/>
               </a:rPr>
-              <a:t> from the </a:t>
-            </a:r>
-            <a:r xmlns:a="http://schemas.openxmlformats.org/drawingml/2006/main">
+              <a:t> from the DimDate.csv </a:t>
+            </a:r>
+            <a:r>
+              <a:rPr lang="en" altLang="en-US" dirty="0" smtClean="0">
+                <a:latin typeface="Segoe UI" panose="020B0502040204020203" pitchFamily="34" charset="0"/>
+                <a:cs typeface="Segoe UI" panose="020B0502040204020203" pitchFamily="34" charset="0"/>
+              </a:rPr>
+              <a:t>file and check the relationship between </a:t>
+            </a:r>
+            <a:r>
+              <a:rPr lang="en" altLang="en-US" b="1" dirty="0" err="1" smtClean="0">
+                <a:latin typeface="Segoe UI" panose="020B0502040204020203" pitchFamily="34" charset="0"/>
+                <a:cs typeface="Segoe UI" panose="020B0502040204020203" pitchFamily="34" charset="0"/>
+              </a:rPr>
+              <a:t>DimDate</a:t>
+            </a:r>
+            <a:r>
               <a:rPr lang="en" altLang="en-US" b="1" dirty="0" smtClean="0">
                 <a:latin typeface="Segoe UI" panose="020B0502040204020203" pitchFamily="34" charset="0"/>
                 <a:cs typeface="Segoe UI" panose="020B0502040204020203" pitchFamily="34" charset="0"/>
               </a:rPr>
-              <a:t>DimDate.csv </a:t>
-            </a:r>
-            <a:r xmlns:a="http://schemas.openxmlformats.org/drawingml/2006/main">
+              <a:t> </a:t>
+            </a:r>
+            <a:r>
               <a:rPr lang="en" altLang="en-US" dirty="0" smtClean="0">
                 <a:latin typeface="Segoe UI" panose="020B0502040204020203" pitchFamily="34" charset="0"/>
                 <a:cs typeface="Segoe UI" panose="020B0502040204020203" pitchFamily="34" charset="0"/>
               </a:rPr>
-              <a:t>file </a:t>
-            </a:r>
-            <a:r xmlns:a="http://schemas.openxmlformats.org/drawingml/2006/main">
-              <a:rPr lang="en" altLang="en-US" dirty="0" smtClean="0">
-                <a:latin typeface="Segoe UI" panose="020B0502040204020203" pitchFamily="34" charset="0"/>
-                <a:cs typeface="Segoe UI" panose="020B0502040204020203" pitchFamily="34" charset="0"/>
-              </a:rPr>
-              <a:t>and check the relationship between </a:t>
-            </a:r>
-            <a:r xmlns:a="http://schemas.openxmlformats.org/drawingml/2006/main">
-              <a:rPr lang="en" altLang="en-US" b="1" dirty="0" err="1" smtClean="0">
-                <a:latin typeface="Segoe UI" panose="020B0502040204020203" pitchFamily="34" charset="0"/>
-                <a:cs typeface="Segoe UI" panose="020B0502040204020203" pitchFamily="34" charset="0"/>
-              </a:rPr>
-              <a:t>DimDate</a:t>
-            </a:r>
-            <a:r xmlns:a="http://schemas.openxmlformats.org/drawingml/2006/main">
+              <a:t>and </a:t>
+            </a:r>
+            <a:r>
               <a:rPr lang="en" altLang="en-US" b="1" dirty="0" smtClean="0">
                 <a:latin typeface="Segoe UI" panose="020B0502040204020203" pitchFamily="34" charset="0"/>
                 <a:cs typeface="Segoe UI" panose="020B0502040204020203" pitchFamily="34" charset="0"/>
               </a:rPr>
-              <a:t> </a:t>
-            </a:r>
-            <a:r xmlns:a="http://schemas.openxmlformats.org/drawingml/2006/main">
-              <a:rPr lang="en" altLang="en-US" dirty="0" smtClean="0">
-                <a:latin typeface="Segoe UI" panose="020B0502040204020203" pitchFamily="34" charset="0"/>
-                <a:cs typeface="Segoe UI" panose="020B0502040204020203" pitchFamily="34" charset="0"/>
-              </a:rPr>
-              <a:t>and </a:t>
-            </a:r>
-            <a:r xmlns:a="http://schemas.openxmlformats.org/drawingml/2006/main">
-              <a:rPr lang="en" altLang="en-US" b="1" dirty="0" smtClean="0">
-                <a:latin typeface="Segoe UI" panose="020B0502040204020203" pitchFamily="34" charset="0"/>
-                <a:cs typeface="Segoe UI" panose="020B0502040204020203" pitchFamily="34" charset="0"/>
-              </a:rPr>
               <a:t>FactSales</a:t>
             </a:r>
-            <a:endParaRPr xmlns:a="http://schemas.openxmlformats.org/drawingml/2006/main" kumimoji="0" lang="fr-FR" altLang="en-US" b="0" i="0" u="none" strike="noStrike" cap="none" normalizeH="0" baseline="0" dirty="0" smtClean="0">
+            <a:endParaRPr kumimoji="0" lang="fr-FR" altLang="en-US" b="0" i="0" u="none" strike="noStrike" cap="none" normalizeH="0" baseline="0" dirty="0" smtClean="0">
               <a:ln>
                 <a:noFill/>
               </a:ln>
@@ -5847,42 +5821,42 @@
           </a:bodyPr>
           <a:lstStyle/>
           <a:p>
-            <a:r xmlns:a="http://schemas.openxmlformats.org/drawingml/2006/main">
+            <a:r>
               <a:rPr lang="en" sz="2400" b="1" dirty="0" err="1" smtClean="0">
                 <a:latin typeface="Segoe UI" panose="020B0502040204020203" pitchFamily="34" charset="0"/>
                 <a:cs typeface="Segoe UI" panose="020B0502040204020203" pitchFamily="34" charset="0"/>
               </a:rPr>
               <a:t>Measures </a:t>
             </a:r>
-            <a:r xmlns:a="http://schemas.openxmlformats.org/drawingml/2006/main">
+            <a:r>
               <a:rPr lang="en" sz="2400" b="1" dirty="0" smtClean="0">
                 <a:latin typeface="Segoe UI" panose="020B0502040204020203" pitchFamily="34" charset="0"/>
                 <a:cs typeface="Segoe UI" panose="020B0502040204020203" pitchFamily="34" charset="0"/>
               </a:rPr>
               <a:t>and </a:t>
             </a:r>
-            <a:r xmlns:a="http://schemas.openxmlformats.org/drawingml/2006/main">
+            <a:r>
               <a:rPr lang="en" sz="2400" b="1" dirty="0" err="1" smtClean="0">
                 <a:latin typeface="Segoe UI" panose="020B0502040204020203" pitchFamily="34" charset="0"/>
                 <a:cs typeface="Segoe UI" panose="020B0502040204020203" pitchFamily="34" charset="0"/>
               </a:rPr>
               <a:t>columns</a:t>
             </a:r>
-            <a:r xmlns:a="http://schemas.openxmlformats.org/drawingml/2006/main">
+            <a:r>
               <a:rPr lang="en" sz="2400" b="1" dirty="0" smtClean="0">
                 <a:latin typeface="Segoe UI" panose="020B0502040204020203" pitchFamily="34" charset="0"/>
                 <a:cs typeface="Segoe UI" panose="020B0502040204020203" pitchFamily="34" charset="0"/>
               </a:rPr>
               <a:t>  </a:t>
             </a:r>
-            <a:r xmlns:a="http://schemas.openxmlformats.org/drawingml/2006/main">
+            <a:r>
               <a:rPr lang="en" sz="2400" b="1" dirty="0" err="1" smtClean="0">
                 <a:latin typeface="Segoe UI" panose="020B0502040204020203" pitchFamily="34" charset="0"/>
                 <a:cs typeface="Segoe UI" panose="020B0502040204020203" pitchFamily="34" charset="0"/>
               </a:rPr>
               <a:t>calculated</a:t>
             </a:r>
-            <a:endParaRPr xmlns:a="http://schemas.openxmlformats.org/drawingml/2006/main" lang="en-US" sz="2400" b="1" dirty="0">
+            <a:endParaRPr lang="en-US" sz="2400" b="1" dirty="0">
               <a:latin typeface="Segoe UI" panose="020B0502040204020203" pitchFamily="34" charset="0"/>
               <a:cs typeface="Segoe UI" panose="020B0502040204020203" pitchFamily="34" charset="0"/>
             </a:endParaRPr>
@@ -6030,56 +6004,56 @@
           </a:bodyPr>
           <a:lstStyle/>
           <a:p>
-            <a:r xmlns:a="http://schemas.openxmlformats.org/drawingml/2006/main">
+            <a:r>
               <a:rPr lang="en" dirty="0">
                 <a:latin typeface="Segoe UI" panose="020B0502040204020203" pitchFamily="34" charset="0"/>
                 <a:cs typeface="Segoe UI" panose="020B0502040204020203" pitchFamily="34" charset="0"/>
               </a:rPr>
               <a:t>Go back to the scene, add a Table type visualization and add </a:t>
             </a:r>
-            <a:r xmlns:a="http://schemas.openxmlformats.org/drawingml/2006/main">
+            <a:r>
               <a:rPr lang="en" b="1" dirty="0" err="1">
                 <a:latin typeface="Segoe UI" panose="020B0502040204020203" pitchFamily="34" charset="0"/>
                 <a:cs typeface="Segoe UI" panose="020B0502040204020203" pitchFamily="34" charset="0"/>
               </a:rPr>
               <a:t>Year </a:t>
             </a:r>
-            <a:r xmlns:a="http://schemas.openxmlformats.org/drawingml/2006/main">
+            <a:r>
               <a:rPr lang="en" dirty="0">
                 <a:latin typeface="Segoe UI" panose="020B0502040204020203" pitchFamily="34" charset="0"/>
                 <a:cs typeface="Segoe UI" panose="020B0502040204020203" pitchFamily="34" charset="0"/>
               </a:rPr>
               <a:t>and </a:t>
             </a:r>
-            <a:r xmlns:a="http://schemas.openxmlformats.org/drawingml/2006/main">
+            <a:r>
               <a:rPr lang="en" b="1" dirty="0" err="1">
                 <a:latin typeface="Segoe UI" panose="020B0502040204020203" pitchFamily="34" charset="0"/>
                 <a:cs typeface="Segoe UI" panose="020B0502040204020203" pitchFamily="34" charset="0"/>
               </a:rPr>
               <a:t>MonthName </a:t>
             </a:r>
-            <a:r xmlns:a="http://schemas.openxmlformats.org/drawingml/2006/main">
+            <a:r>
               <a:rPr lang="en" dirty="0">
                 <a:latin typeface="Segoe UI" panose="020B0502040204020203" pitchFamily="34" charset="0"/>
                 <a:cs typeface="Segoe UI" panose="020B0502040204020203" pitchFamily="34" charset="0"/>
               </a:rPr>
               <a:t>respectively as well as </a:t>
             </a:r>
-            <a:r xmlns:a="http://schemas.openxmlformats.org/drawingml/2006/main">
+            <a:r>
               <a:rPr lang="en" b="1" dirty="0">
                 <a:latin typeface="Segoe UI" panose="020B0502040204020203" pitchFamily="34" charset="0"/>
                 <a:cs typeface="Segoe UI" panose="020B0502040204020203" pitchFamily="34" charset="0"/>
               </a:rPr>
               <a:t>Total Profit </a:t>
             </a:r>
-            <a:r xmlns:a="http://schemas.openxmlformats.org/drawingml/2006/main">
+            <a:r>
               <a:rPr lang="en" dirty="0">
                 <a:latin typeface="Segoe UI" panose="020B0502040204020203" pitchFamily="34" charset="0"/>
                 <a:cs typeface="Segoe UI" panose="020B0502040204020203" pitchFamily="34" charset="0"/>
               </a:rPr>
               <a:t>in the Columns parameter and observe the visualization change.</a:t>
             </a:r>
-            <a:endParaRPr xmlns:a="http://schemas.openxmlformats.org/drawingml/2006/main" lang="en-US" dirty="0">
+            <a:endParaRPr lang="en-US" dirty="0">
               <a:latin typeface="Segoe UI" panose="020B0502040204020203" pitchFamily="34" charset="0"/>
               <a:cs typeface="Segoe UI" panose="020B0502040204020203" pitchFamily="34" charset="0"/>
             </a:endParaRPr>
@@ -6162,42 +6136,42 @@
           </a:bodyPr>
           <a:lstStyle/>
           <a:p>
-            <a:r xmlns:a="http://schemas.openxmlformats.org/drawingml/2006/main">
+            <a:r>
               <a:rPr lang="en" sz="2400" b="1" dirty="0" err="1" smtClean="0">
                 <a:latin typeface="Segoe UI" panose="020B0502040204020203" pitchFamily="34" charset="0"/>
                 <a:cs typeface="Segoe UI" panose="020B0502040204020203" pitchFamily="34" charset="0"/>
               </a:rPr>
               <a:t>Measures </a:t>
             </a:r>
-            <a:r xmlns:a="http://schemas.openxmlformats.org/drawingml/2006/main">
+            <a:r>
               <a:rPr lang="en" sz="2400" b="1" dirty="0" smtClean="0">
                 <a:latin typeface="Segoe UI" panose="020B0502040204020203" pitchFamily="34" charset="0"/>
                 <a:cs typeface="Segoe UI" panose="020B0502040204020203" pitchFamily="34" charset="0"/>
               </a:rPr>
               <a:t>and </a:t>
             </a:r>
-            <a:r xmlns:a="http://schemas.openxmlformats.org/drawingml/2006/main">
+            <a:r>
               <a:rPr lang="en" sz="2400" b="1" dirty="0" err="1" smtClean="0">
                 <a:latin typeface="Segoe UI" panose="020B0502040204020203" pitchFamily="34" charset="0"/>
                 <a:cs typeface="Segoe UI" panose="020B0502040204020203" pitchFamily="34" charset="0"/>
               </a:rPr>
               <a:t>columns</a:t>
             </a:r>
-            <a:r xmlns:a="http://schemas.openxmlformats.org/drawingml/2006/main">
+            <a:r>
               <a:rPr lang="en" sz="2400" b="1" dirty="0" smtClean="0">
                 <a:latin typeface="Segoe UI" panose="020B0502040204020203" pitchFamily="34" charset="0"/>
                 <a:cs typeface="Segoe UI" panose="020B0502040204020203" pitchFamily="34" charset="0"/>
               </a:rPr>
               <a:t>  </a:t>
             </a:r>
-            <a:r xmlns:a="http://schemas.openxmlformats.org/drawingml/2006/main">
+            <a:r>
               <a:rPr lang="en" sz="2400" b="1" dirty="0" err="1" smtClean="0">
                 <a:latin typeface="Segoe UI" panose="020B0502040204020203" pitchFamily="34" charset="0"/>
                 <a:cs typeface="Segoe UI" panose="020B0502040204020203" pitchFamily="34" charset="0"/>
               </a:rPr>
               <a:t>calculated</a:t>
             </a:r>
-            <a:endParaRPr xmlns:a="http://schemas.openxmlformats.org/drawingml/2006/main" lang="en-US" sz="2400" b="1" dirty="0">
+            <a:endParaRPr lang="en-US" sz="2400" b="1" dirty="0">
               <a:latin typeface="Segoe UI" panose="020B0502040204020203" pitchFamily="34" charset="0"/>
               <a:cs typeface="Segoe UI" panose="020B0502040204020203" pitchFamily="34" charset="0"/>
             </a:endParaRPr>
@@ -6225,66 +6199,52 @@
           </a:bodyPr>
           <a:lstStyle/>
           <a:p>
-            <a:r xmlns:a="http://schemas.openxmlformats.org/drawingml/2006/main">
+            <a:r>
               <a:rPr lang="en" dirty="0" smtClean="0">
                 <a:latin typeface="Segoe UI" panose="020B0502040204020203" pitchFamily="34" charset="0"/>
                 <a:cs typeface="Segoe UI" panose="020B0502040204020203" pitchFamily="34" charset="0"/>
               </a:rPr>
               <a:t>Add a </a:t>
             </a:r>
-            <a:r xmlns:a="http://schemas.openxmlformats.org/drawingml/2006/main">
+            <a:r>
               <a:rPr lang="en" b="1" dirty="0" err="1" smtClean="0">
                 <a:latin typeface="Segoe UI" panose="020B0502040204020203" pitchFamily="34" charset="0"/>
                 <a:cs typeface="Segoe UI" panose="020B0502040204020203" pitchFamily="34" charset="0"/>
               </a:rPr>
               <a:t>Card visual </a:t>
             </a:r>
-            <a:r xmlns:a="http://schemas.openxmlformats.org/drawingml/2006/main">
+            <a:r>
               <a:rPr lang="en" dirty="0" smtClean="0">
                 <a:latin typeface="Segoe UI" panose="020B0502040204020203" pitchFamily="34" charset="0"/>
                 <a:cs typeface="Segoe UI" panose="020B0502040204020203" pitchFamily="34" charset="0"/>
               </a:rPr>
               <a:t>and drag the </a:t>
             </a:r>
-            <a:r xmlns:a="http://schemas.openxmlformats.org/drawingml/2006/main">
+            <a:r>
               <a:rPr lang="en" b="1" dirty="0" smtClean="0">
                 <a:latin typeface="Segoe UI" panose="020B0502040204020203" pitchFamily="34" charset="0"/>
                 <a:cs typeface="Segoe UI" panose="020B0502040204020203" pitchFamily="34" charset="0"/>
               </a:rPr>
               <a:t>Total </a:t>
             </a:r>
-            <a:r xmlns:a="http://schemas.openxmlformats.org/drawingml/2006/main">
+            <a:r>
               <a:rPr lang="en" b="1" dirty="0" err="1" smtClean="0">
                 <a:latin typeface="Segoe UI" panose="020B0502040204020203" pitchFamily="34" charset="0"/>
                 <a:cs typeface="Segoe UI" panose="020B0502040204020203" pitchFamily="34" charset="0"/>
               </a:rPr>
               <a:t>Amount measurement</a:t>
             </a:r>
-            <a:r xmlns:a="http://schemas.openxmlformats.org/drawingml/2006/main">
+            <a:r>
               <a:rPr lang="en" b="1" dirty="0" smtClean="0">
                 <a:latin typeface="Segoe UI" panose="020B0502040204020203" pitchFamily="34" charset="0"/>
                 <a:cs typeface="Segoe UI" panose="020B0502040204020203" pitchFamily="34" charset="0"/>
               </a:rPr>
-              <a:t> at the </a:t>
-            </a:r>
-            <a:r xmlns:a="http://schemas.openxmlformats.org/drawingml/2006/main">
-              <a:rPr lang="en" b="1" dirty="0" smtClean="0">
-                <a:latin typeface="Segoe UI" panose="020B0502040204020203" pitchFamily="34" charset="0"/>
-                <a:cs typeface="Segoe UI" panose="020B0502040204020203" pitchFamily="34" charset="0"/>
-              </a:rPr>
-              <a:t>Fields </a:t>
-            </a:r>
-            <a:endParaRPr xmlns:a="http://schemas.openxmlformats.org/drawingml/2006/main" lang="en-US" b="1" dirty="0">
+              <a:t> at the Fields </a:t>
+            </a:r>
+            <a:endParaRPr lang="en-US" b="1" dirty="0">
               <a:latin typeface="Segoe UI" panose="020B0502040204020203" pitchFamily="34" charset="0"/>
               <a:cs typeface="Segoe UI" panose="020B0502040204020203" pitchFamily="34" charset="0"/>
             </a:endParaRPr>
-            <a:r xmlns:a="http://schemas.openxmlformats.org/drawingml/2006/main">
-              <a:rPr lang="en" dirty="0" smtClean="0">
-                <a:latin typeface="Segoe UI" panose="020B0502040204020203" pitchFamily="34" charset="0"/>
-                <a:cs typeface="Segoe UI" panose="020B0502040204020203" pitchFamily="34" charset="0"/>
-              </a:rPr>
-              <a:t>area</a:t>
-            </a:r>
           </a:p>
         </p:txBody>
       </p:sp>
@@ -6388,42 +6348,42 @@
           </a:bodyPr>
           <a:lstStyle/>
           <a:p>
-            <a:r xmlns:a="http://schemas.openxmlformats.org/drawingml/2006/main">
+            <a:r>
               <a:rPr lang="en" sz="2400" b="1" dirty="0" err="1" smtClean="0">
                 <a:latin typeface="Segoe UI" panose="020B0502040204020203" pitchFamily="34" charset="0"/>
                 <a:cs typeface="Segoe UI" panose="020B0502040204020203" pitchFamily="34" charset="0"/>
               </a:rPr>
               <a:t>Measures </a:t>
             </a:r>
-            <a:r xmlns:a="http://schemas.openxmlformats.org/drawingml/2006/main">
+            <a:r>
               <a:rPr lang="en" sz="2400" b="1" dirty="0" smtClean="0">
                 <a:latin typeface="Segoe UI" panose="020B0502040204020203" pitchFamily="34" charset="0"/>
                 <a:cs typeface="Segoe UI" panose="020B0502040204020203" pitchFamily="34" charset="0"/>
               </a:rPr>
               <a:t>and </a:t>
             </a:r>
-            <a:r xmlns:a="http://schemas.openxmlformats.org/drawingml/2006/main">
+            <a:r>
               <a:rPr lang="en" sz="2400" b="1" dirty="0" err="1" smtClean="0">
                 <a:latin typeface="Segoe UI" panose="020B0502040204020203" pitchFamily="34" charset="0"/>
                 <a:cs typeface="Segoe UI" panose="020B0502040204020203" pitchFamily="34" charset="0"/>
               </a:rPr>
               <a:t>columns</a:t>
             </a:r>
-            <a:r xmlns:a="http://schemas.openxmlformats.org/drawingml/2006/main">
+            <a:r>
               <a:rPr lang="en" sz="2400" b="1" dirty="0" smtClean="0">
                 <a:latin typeface="Segoe UI" panose="020B0502040204020203" pitchFamily="34" charset="0"/>
                 <a:cs typeface="Segoe UI" panose="020B0502040204020203" pitchFamily="34" charset="0"/>
               </a:rPr>
               <a:t>  </a:t>
             </a:r>
-            <a:r xmlns:a="http://schemas.openxmlformats.org/drawingml/2006/main">
+            <a:r>
               <a:rPr lang="en" sz="2400" b="1" dirty="0" err="1" smtClean="0">
                 <a:latin typeface="Segoe UI" panose="020B0502040204020203" pitchFamily="34" charset="0"/>
                 <a:cs typeface="Segoe UI" panose="020B0502040204020203" pitchFamily="34" charset="0"/>
               </a:rPr>
               <a:t>calculated</a:t>
             </a:r>
-            <a:endParaRPr xmlns:a="http://schemas.openxmlformats.org/drawingml/2006/main" lang="en-US" sz="2400" b="1" dirty="0">
+            <a:endParaRPr lang="en-US" sz="2400" b="1" dirty="0">
               <a:latin typeface="Segoe UI" panose="020B0502040204020203" pitchFamily="34" charset="0"/>
               <a:cs typeface="Segoe UI" panose="020B0502040204020203" pitchFamily="34" charset="0"/>
             </a:endParaRPr>
@@ -6451,14 +6411,14 @@
           </a:bodyPr>
           <a:lstStyle/>
           <a:p>
-            <a:r xmlns:a="http://schemas.openxmlformats.org/drawingml/2006/main">
+            <a:r>
               <a:rPr lang="en" dirty="0" smtClean="0">
                 <a:latin typeface="Segoe UI" panose="020B0502040204020203" pitchFamily="34" charset="0"/>
                 <a:cs typeface="Segoe UI" panose="020B0502040204020203" pitchFamily="34" charset="0"/>
               </a:rPr>
               <a:t>Observe the result</a:t>
             </a:r>
-            <a:endParaRPr xmlns:a="http://schemas.openxmlformats.org/drawingml/2006/main" lang="en-US" b="1" dirty="0">
+            <a:endParaRPr lang="en-US" b="1" dirty="0">
               <a:latin typeface="Segoe UI" panose="020B0502040204020203" pitchFamily="34" charset="0"/>
               <a:cs typeface="Segoe UI" panose="020B0502040204020203" pitchFamily="34" charset="0"/>
             </a:endParaRPr>

--- a/English/5.DAX/0.Measures and calculated columns.pptx
+++ b/English/5.DAX/0.Measures and calculated columns.pptx
@@ -206,7 +206,7 @@
           <a:p>
             <a:fld id="{056BA3B8-9F76-4D81-B71D-76CB85363062}" type="datetimeFigureOut">
               <a:rPr lang="en-US" smtClean="0"/>
-              <a:t>4/3/2025</a:t>
+              <a:t>4/7/2025</a:t>
             </a:fld>
             <a:endParaRPr lang="en-US"/>
           </a:p>
@@ -1053,7 +1053,7 @@
           <a:p>
             <a:fld id="{6F01DA4D-20EA-48D2-973C-0311EC3005D6}" type="datetimeFigureOut">
               <a:rPr lang="en-US" smtClean="0"/>
-              <a:t>4/3/2025</a:t>
+              <a:t>4/7/2025</a:t>
             </a:fld>
             <a:endParaRPr lang="en-US"/>
           </a:p>
@@ -1223,7 +1223,7 @@
           <a:p>
             <a:fld id="{6F01DA4D-20EA-48D2-973C-0311EC3005D6}" type="datetimeFigureOut">
               <a:rPr lang="en-US" smtClean="0"/>
-              <a:t>4/3/2025</a:t>
+              <a:t>4/7/2025</a:t>
             </a:fld>
             <a:endParaRPr lang="en-US"/>
           </a:p>
@@ -1403,7 +1403,7 @@
           <a:p>
             <a:fld id="{6F01DA4D-20EA-48D2-973C-0311EC3005D6}" type="datetimeFigureOut">
               <a:rPr lang="en-US" smtClean="0"/>
-              <a:t>4/3/2025</a:t>
+              <a:t>4/7/2025</a:t>
             </a:fld>
             <a:endParaRPr lang="en-US"/>
           </a:p>
@@ -1573,7 +1573,7 @@
           <a:p>
             <a:fld id="{6F01DA4D-20EA-48D2-973C-0311EC3005D6}" type="datetimeFigureOut">
               <a:rPr lang="en-US" smtClean="0"/>
-              <a:t>4/3/2025</a:t>
+              <a:t>4/7/2025</a:t>
             </a:fld>
             <a:endParaRPr lang="en-US"/>
           </a:p>
@@ -1819,7 +1819,7 @@
           <a:p>
             <a:fld id="{6F01DA4D-20EA-48D2-973C-0311EC3005D6}" type="datetimeFigureOut">
               <a:rPr lang="en-US" smtClean="0"/>
-              <a:t>4/3/2025</a:t>
+              <a:t>4/7/2025</a:t>
             </a:fld>
             <a:endParaRPr lang="en-US"/>
           </a:p>
@@ -2051,7 +2051,7 @@
           <a:p>
             <a:fld id="{6F01DA4D-20EA-48D2-973C-0311EC3005D6}" type="datetimeFigureOut">
               <a:rPr lang="en-US" smtClean="0"/>
-              <a:t>4/3/2025</a:t>
+              <a:t>4/7/2025</a:t>
             </a:fld>
             <a:endParaRPr lang="en-US"/>
           </a:p>
@@ -2418,7 +2418,7 @@
           <a:p>
             <a:fld id="{6F01DA4D-20EA-48D2-973C-0311EC3005D6}" type="datetimeFigureOut">
               <a:rPr lang="en-US" smtClean="0"/>
-              <a:t>4/3/2025</a:t>
+              <a:t>4/7/2025</a:t>
             </a:fld>
             <a:endParaRPr lang="en-US"/>
           </a:p>
@@ -2536,7 +2536,7 @@
           <a:p>
             <a:fld id="{6F01DA4D-20EA-48D2-973C-0311EC3005D6}" type="datetimeFigureOut">
               <a:rPr lang="en-US" smtClean="0"/>
-              <a:t>4/3/2025</a:t>
+              <a:t>4/7/2025</a:t>
             </a:fld>
             <a:endParaRPr lang="en-US"/>
           </a:p>
@@ -2631,7 +2631,7 @@
           <a:p>
             <a:fld id="{6F01DA4D-20EA-48D2-973C-0311EC3005D6}" type="datetimeFigureOut">
               <a:rPr lang="en-US" smtClean="0"/>
-              <a:t>4/3/2025</a:t>
+              <a:t>4/7/2025</a:t>
             </a:fld>
             <a:endParaRPr lang="en-US"/>
           </a:p>
@@ -2908,7 +2908,7 @@
           <a:p>
             <a:fld id="{6F01DA4D-20EA-48D2-973C-0311EC3005D6}" type="datetimeFigureOut">
               <a:rPr lang="en-US" smtClean="0"/>
-              <a:t>4/3/2025</a:t>
+              <a:t>4/7/2025</a:t>
             </a:fld>
             <a:endParaRPr lang="en-US"/>
           </a:p>
@@ -3161,7 +3161,7 @@
           <a:p>
             <a:fld id="{6F01DA4D-20EA-48D2-973C-0311EC3005D6}" type="datetimeFigureOut">
               <a:rPr lang="en-US" smtClean="0"/>
-              <a:t>4/3/2025</a:t>
+              <a:t>4/7/2025</a:t>
             </a:fld>
             <a:endParaRPr lang="en-US"/>
           </a:p>
@@ -3374,7 +3374,7 @@
           <a:p>
             <a:fld id="{6F01DA4D-20EA-48D2-973C-0311EC3005D6}" type="datetimeFigureOut">
               <a:rPr lang="en-US" smtClean="0"/>
-              <a:t>4/3/2025</a:t>
+              <a:t>4/7/2025</a:t>
             </a:fld>
             <a:endParaRPr lang="en-US"/>
           </a:p>
@@ -3897,18 +3897,7 @@
                 <a:ea typeface="Verdana" panose="020B0604030504040204" pitchFamily="34" charset="0"/>
                 <a:cs typeface="Segoe UI" panose="020B0502040204020203" pitchFamily="34" charset="0"/>
               </a:rPr>
-              <a:t>Measures and </a:t>
-            </a:r>
-            <a:r>
-              <a:rPr lang="en" sz="7200" b="1" dirty="0" smtClean="0">
-                <a:solidFill>
-                  <a:schemeClr val="bg1"/>
-                </a:solidFill>
-                <a:latin typeface="Segoe UI" panose="020B0502040204020203" pitchFamily="34" charset="0"/>
-                <a:ea typeface="Verdana" panose="020B0604030504040204" pitchFamily="34" charset="0"/>
-                <a:cs typeface="Segoe UI" panose="020B0502040204020203" pitchFamily="34" charset="0"/>
-              </a:rPr>
-              <a:t>calculated</a:t>
+              <a:t>Measures and calculated</a:t>
             </a:r>
           </a:p>
           <a:p>
@@ -4194,9 +4183,82 @@
           </a:p>
         </p:txBody>
       </p:sp>
+      <p:sp>
+        <p:nvSpPr>
+          <p:cNvPr id="5" name="Rectangle 4"/>
+          <p:cNvSpPr/>
+          <p:nvPr/>
+        </p:nvSpPr>
+        <p:spPr>
+          <a:xfrm>
+            <a:off x="357867" y="725545"/>
+            <a:ext cx="10839879" cy="707886"/>
+          </a:xfrm>
+          <a:prstGeom prst="rect">
+            <a:avLst/>
+          </a:prstGeom>
+        </p:spPr>
+        <p:txBody>
+          <a:bodyPr wrap="square">
+            <a:spAutoFit/>
+          </a:bodyPr>
+          <a:lstStyle/>
+          <a:p>
+            <a:r>
+              <a:rPr lang="en" sz="2000" b="1" dirty="0"/>
+              <a:t>Note: </a:t>
+            </a:r>
+            <a:r>
+              <a:rPr lang="en" sz="2000" dirty="0" smtClean="0"/>
+              <a:t>This lab uses the </a:t>
+            </a:r>
+            <a:r>
+              <a:rPr lang="en" sz="2000" b="1" dirty="0" smtClean="0"/>
+              <a:t>FactSales032025.csv </a:t>
+            </a:r>
+            <a:r>
+              <a:rPr lang="en" sz="2000" dirty="0" smtClean="0"/>
+              <a:t>and </a:t>
+            </a:r>
+            <a:r>
+              <a:rPr lang="en" sz="2000" b="1" dirty="0" smtClean="0"/>
+              <a:t>DimDate.csv </a:t>
+            </a:r>
+            <a:r>
+              <a:rPr lang="en" sz="2000" dirty="0"/>
+              <a:t>tables </a:t>
+            </a:r>
+            <a:r>
+              <a:rPr lang="en" sz="2000" dirty="0" smtClean="0"/>
+              <a:t>from </a:t>
+            </a:r>
+            <a:r>
+              <a:rPr lang="en" sz="2000" b="1" dirty="0" err="1" smtClean="0"/>
+              <a:t>resources </a:t>
+            </a:r>
+            <a:r>
+              <a:rPr lang="en" sz="2000" b="1" dirty="0"/>
+              <a:t>\ </a:t>
+            </a:r>
+            <a:r>
+              <a:rPr lang="en" sz="2000" b="1" dirty="0" err="1" smtClean="0"/>
+              <a:t>CSVSources</a:t>
+            </a:r>
+            <a:r>
+              <a:rPr lang="en" sz="2000" dirty="0" smtClean="0"/>
+              <a:t> </a:t>
+            </a:r>
+            <a:r>
+              <a:rPr lang="en" sz="2000" dirty="0"/>
+              <a:t>to demonstrate the difference between creating a calculated column and a measure.</a:t>
+            </a:r>
+            <a:endParaRPr lang="en-US" sz="2000" dirty="0"/>
+          </a:p>
+        </p:txBody>
+      </p:sp>
       <p:pic>
         <p:nvPicPr>
-          <p:cNvPr id="9" name="Picture 8"/>
+          <p:cNvPr id="3" name="Picture 2"/>
           <p:cNvPicPr>
             <a:picLocks noChangeAspect="1"/>
           </p:cNvPicPr>
@@ -4210,131 +4272,14 @@
         </p:blipFill>
         <p:spPr>
           <a:xfrm>
-            <a:off x="870608" y="2481943"/>
-            <a:ext cx="2534004" cy="1924319"/>
+            <a:off x="2223580" y="1672039"/>
+            <a:ext cx="6884326" cy="4751535"/>
           </a:xfrm>
           <a:prstGeom prst="rect">
             <a:avLst/>
           </a:prstGeom>
-          <a:ln>
-            <a:noFill/>
-          </a:ln>
-          <a:effectLst>
-            <a:outerShdw blurRad="292100" dist="139700" dir="2700000" algn="tl" rotWithShape="0">
-              <a:srgbClr val="333333">
-                <a:alpha val="65000"/>
-              </a:srgbClr>
-            </a:outerShdw>
-          </a:effectLst>
         </p:spPr>
       </p:pic>
-      <p:pic>
-        <p:nvPicPr>
-          <p:cNvPr id="10" name="Picture 9"/>
-          <p:cNvPicPr>
-            <a:picLocks noChangeAspect="1"/>
-          </p:cNvPicPr>
-          <p:nvPr/>
-        </p:nvPicPr>
-        <p:blipFill>
-          <a:blip r:embed="rId3"/>
-          <a:stretch>
-            <a:fillRect/>
-          </a:stretch>
-        </p:blipFill>
-        <p:spPr>
-          <a:xfrm>
-            <a:off x="4301095" y="2481943"/>
-            <a:ext cx="3557387" cy="4015110"/>
-          </a:xfrm>
-          <a:prstGeom prst="rect">
-            <a:avLst/>
-          </a:prstGeom>
-          <a:ln>
-            <a:noFill/>
-          </a:ln>
-          <a:effectLst>
-            <a:outerShdw blurRad="292100" dist="139700" dir="2700000" algn="tl" rotWithShape="0">
-              <a:srgbClr val="333333">
-                <a:alpha val="65000"/>
-              </a:srgbClr>
-            </a:outerShdw>
-          </a:effectLst>
-        </p:spPr>
-      </p:pic>
-      <p:sp>
-        <p:nvSpPr>
-          <p:cNvPr id="5" name="Rectangle 4"/>
-          <p:cNvSpPr/>
-          <p:nvPr/>
-        </p:nvSpPr>
-        <p:spPr>
-          <a:xfrm>
-            <a:off x="357867" y="725545"/>
-            <a:ext cx="10839879" cy="707886"/>
-          </a:xfrm>
-          <a:prstGeom prst="rect">
-            <a:avLst/>
-          </a:prstGeom>
-        </p:spPr>
-        <p:txBody>
-          <a:bodyPr wrap="square">
-            <a:spAutoFit/>
-          </a:bodyPr>
-          <a:lstStyle/>
-          <a:p>
-            <a:r>
-              <a:rPr lang="en" sz="2000" b="1" dirty="0"/>
-              <a:t>Note: </a:t>
-            </a:r>
-            <a:r>
-              <a:rPr lang="en" sz="2000" dirty="0" smtClean="0"/>
-              <a:t>This lab uses the </a:t>
-            </a:r>
-            <a:r>
-              <a:rPr lang="en" sz="2000" b="1" dirty="0" smtClean="0"/>
-              <a:t>FactSales032025.csv </a:t>
-            </a:r>
-            <a:r>
-              <a:rPr lang="en" sz="2000" dirty="0" smtClean="0"/>
-              <a:t>and </a:t>
-            </a:r>
-            <a:r>
-              <a:rPr lang="en" sz="2000" b="1" dirty="0" smtClean="0"/>
-              <a:t>DimDate.csv </a:t>
-            </a:r>
-            <a:r>
-              <a:rPr lang="en" sz="2000" dirty="0"/>
-              <a:t>tables </a:t>
-            </a:r>
-            <a:r>
-              <a:rPr lang="en" sz="2000" dirty="0" smtClean="0"/>
-              <a:t>from </a:t>
-            </a:r>
-            <a:r>
-              <a:rPr lang="en" sz="2000" b="1" dirty="0" err="1" smtClean="0"/>
-              <a:t>resources </a:t>
-            </a:r>
-            <a:r>
-              <a:rPr lang="en" sz="2000" b="1" dirty="0"/>
-              <a:t>\ </a:t>
-            </a:r>
-            <a:r>
-              <a:rPr lang="en" sz="2000" b="1" dirty="0" err="1" smtClean="0"/>
-              <a:t>CSVSources</a:t>
-            </a:r>
-            <a:r>
-              <a:rPr lang="en" sz="2000" dirty="0" smtClean="0"/>
-              <a:t> </a:t>
-            </a:r>
-            <a:r>
-              <a:rPr lang="en" sz="2000" dirty="0"/>
-              <a:t>to demonstrate the difference between creating a calculated column and a measure.</a:t>
-            </a:r>
-            <a:endParaRPr lang="en-US" sz="2000" dirty="0"/>
-          </a:p>
-        </p:txBody>
-      </p:sp>
     </p:spTree>
     <p:extLst>
       <p:ext uri="{BB962C8B-B14F-4D97-AF65-F5344CB8AC3E}">
@@ -4367,7 +4312,7 @@
       </p:grpSpPr>
       <p:pic>
         <p:nvPicPr>
-          <p:cNvPr id="4" name="Picture 3"/>
+          <p:cNvPr id="3" name="Picture 2"/>
           <p:cNvPicPr>
             <a:picLocks noChangeAspect="1"/>
           </p:cNvPicPr>
@@ -4381,8 +4326,8 @@
         </p:blipFill>
         <p:spPr>
           <a:xfrm>
-            <a:off x="4479035" y="1555775"/>
-            <a:ext cx="2162396" cy="4479249"/>
+            <a:off x="2205395" y="1452007"/>
+            <a:ext cx="5639587" cy="4363059"/>
           </a:xfrm>
           <a:prstGeom prst="rect">
             <a:avLst/>
@@ -4398,7 +4343,7 @@
         <p:spPr>
           <a:xfrm>
             <a:off x="237325" y="174503"/>
-            <a:ext cx="4590103" cy="461665"/>
+            <a:ext cx="5026504" cy="461665"/>
           </a:xfrm>
           <a:prstGeom prst="rect">
             <a:avLst/>
@@ -4412,39 +4357,18 @@
           <a:lstStyle/>
           <a:p>
             <a:r>
-              <a:rPr lang="en" sz="2400" b="1" dirty="0" err="1" smtClean="0">
-                <a:latin typeface="Segoe UI" panose="020B0502040204020203" pitchFamily="34" charset="0"/>
-                <a:cs typeface="Segoe UI" panose="020B0502040204020203" pitchFamily="34" charset="0"/>
-              </a:rPr>
-              <a:t>Measures </a:t>
-            </a:r>
-            <a:r>
               <a:rPr lang="en" sz="2400" b="1" dirty="0" smtClean="0">
                 <a:latin typeface="Segoe UI" panose="020B0502040204020203" pitchFamily="34" charset="0"/>
                 <a:cs typeface="Segoe UI" panose="020B0502040204020203" pitchFamily="34" charset="0"/>
               </a:rPr>
-              <a:t>and </a:t>
-            </a:r>
-            <a:r>
-              <a:rPr lang="en" sz="2400" b="1" dirty="0" err="1" smtClean="0">
-                <a:latin typeface="Segoe UI" panose="020B0502040204020203" pitchFamily="34" charset="0"/>
-                <a:cs typeface="Segoe UI" panose="020B0502040204020203" pitchFamily="34" charset="0"/>
-              </a:rPr>
-              <a:t>columns</a:t>
+              <a:t>Measures and </a:t>
             </a:r>
             <a:r>
               <a:rPr lang="en" sz="2400" b="1" dirty="0" smtClean="0">
                 <a:latin typeface="Segoe UI" panose="020B0502040204020203" pitchFamily="34" charset="0"/>
                 <a:cs typeface="Segoe UI" panose="020B0502040204020203" pitchFamily="34" charset="0"/>
               </a:rPr>
-              <a:t>  </a:t>
-            </a:r>
-            <a:r>
-              <a:rPr lang="en" sz="2400" b="1" dirty="0" err="1" smtClean="0">
-                <a:latin typeface="Segoe UI" panose="020B0502040204020203" pitchFamily="34" charset="0"/>
-                <a:cs typeface="Segoe UI" panose="020B0502040204020203" pitchFamily="34" charset="0"/>
-              </a:rPr>
-              <a:t>calculated</a:t>
+              <a:t>calculated columns</a:t>
             </a:r>
             <a:endParaRPr lang="en-US" sz="2400" b="1" dirty="0">
               <a:latin typeface="Segoe UI" panose="020B0502040204020203" pitchFamily="34" charset="0"/>
@@ -4461,8 +4385,8 @@
         </p:nvSpPr>
         <p:spPr>
           <a:xfrm>
-            <a:off x="4479036" y="4594345"/>
-            <a:ext cx="2162396" cy="266413"/>
+            <a:off x="6791839" y="1452007"/>
+            <a:ext cx="1053143" cy="4363059"/>
           </a:xfrm>
           <a:prstGeom prst="rect">
             <a:avLst/>
@@ -4788,7 +4712,11 @@
           <a:lstStyle/>
           <a:p>
             <a:r>
-              <a:rPr lang="en" sz="2000" b="1" dirty="0" err="1"/>
+              <a:rPr lang="en-US" sz="2000" dirty="0" smtClean="0"/>
+              <a:t>Create also </a:t>
+            </a:r>
+            <a:r>
+              <a:rPr lang="en" sz="2000" b="1" dirty="0" smtClean="0"/>
               <a:t>TotalProfit </a:t>
             </a:r>
             <a:r>
@@ -5516,7 +5444,7 @@
         <p:spPr bwMode="auto">
           <a:xfrm>
             <a:off x="237324" y="746359"/>
-            <a:ext cx="10706905" cy="369332"/>
+            <a:ext cx="11273535" cy="369332"/>
           </a:xfrm>
           <a:prstGeom prst="rect">
             <a:avLst/>
@@ -5592,7 +5520,42 @@
                 <a:latin typeface="Segoe UI" panose="020B0502040204020203" pitchFamily="34" charset="0"/>
                 <a:cs typeface="Segoe UI" panose="020B0502040204020203" pitchFamily="34" charset="0"/>
               </a:rPr>
-              <a:t>Note that the measure does not appear as a calculated column because the scope differs in the two cases.</a:t>
+              <a:t>Note that the measure does not appear </a:t>
+            </a:r>
+            <a:r>
+              <a:rPr lang="en" altLang="en-US" dirty="0" smtClean="0">
+                <a:latin typeface="Segoe UI" panose="020B0502040204020203" pitchFamily="34" charset="0"/>
+                <a:cs typeface="Segoe UI" panose="020B0502040204020203" pitchFamily="34" charset="0"/>
+              </a:rPr>
+              <a:t>like the</a:t>
+            </a:r>
+            <a:r>
+              <a:rPr kumimoji="0" lang="en" altLang="en-US" b="0" i="0" u="none" strike="noStrike" cap="none" normalizeH="0" baseline="0" dirty="0" smtClean="0">
+                <a:ln>
+                  <a:noFill/>
+                </a:ln>
+                <a:solidFill>
+                  <a:schemeClr val="tx1"/>
+                </a:solidFill>
+                <a:effectLst/>
+                <a:latin typeface="Segoe UI" panose="020B0502040204020203" pitchFamily="34" charset="0"/>
+                <a:cs typeface="Segoe UI" panose="020B0502040204020203" pitchFamily="34" charset="0"/>
+              </a:rPr>
+              <a:t> </a:t>
+            </a:r>
+            <a:r>
+              <a:rPr kumimoji="0" lang="en" altLang="en-US" b="0" i="0" u="none" strike="noStrike" cap="none" normalizeH="0" baseline="0" dirty="0" smtClean="0">
+                <a:ln>
+                  <a:noFill/>
+                </a:ln>
+                <a:solidFill>
+                  <a:schemeClr val="tx1"/>
+                </a:solidFill>
+                <a:effectLst/>
+                <a:latin typeface="Segoe UI" panose="020B0502040204020203" pitchFamily="34" charset="0"/>
+                <a:cs typeface="Segoe UI" panose="020B0502040204020203" pitchFamily="34" charset="0"/>
+              </a:rPr>
+              <a:t>calculated column because the scope differs in the two cases.</a:t>
             </a:r>
             <a:endParaRPr kumimoji="0" lang="fr-FR" altLang="en-US" b="0" i="0" u="none" strike="noStrike" cap="none" normalizeH="0" baseline="0" dirty="0" smtClean="0">
               <a:ln>
